--- a/Lessons/G_TimeSeries_Equities/A_TimeSeries.pptx
+++ b/Lessons/G_TimeSeries_Equities/A_TimeSeries.pptx
@@ -5,10 +5,10 @@
     <p:sldMasterId id="2147483672" r:id="rId1"/>
   </p:sldMasterIdLst>
   <p:notesMasterIdLst>
-    <p:notesMasterId r:id="rId54"/>
+    <p:notesMasterId r:id="rId53"/>
   </p:notesMasterIdLst>
   <p:handoutMasterIdLst>
-    <p:handoutMasterId r:id="rId55"/>
+    <p:handoutMasterId r:id="rId54"/>
   </p:handoutMasterIdLst>
   <p:sldIdLst>
     <p:sldId id="275" r:id="rId2"/>
@@ -20,49 +20,48 @@
     <p:sldId id="288" r:id="rId8"/>
     <p:sldId id="317" r:id="rId9"/>
     <p:sldId id="314" r:id="rId10"/>
-    <p:sldId id="310" r:id="rId11"/>
-    <p:sldId id="291" r:id="rId12"/>
-    <p:sldId id="311" r:id="rId13"/>
-    <p:sldId id="282" r:id="rId14"/>
-    <p:sldId id="283" r:id="rId15"/>
-    <p:sldId id="401" r:id="rId16"/>
-    <p:sldId id="402" r:id="rId17"/>
-    <p:sldId id="409" r:id="rId18"/>
-    <p:sldId id="324" r:id="rId19"/>
-    <p:sldId id="284" r:id="rId20"/>
-    <p:sldId id="285" r:id="rId21"/>
-    <p:sldId id="286" r:id="rId22"/>
-    <p:sldId id="294" r:id="rId23"/>
-    <p:sldId id="319" r:id="rId24"/>
-    <p:sldId id="321" r:id="rId25"/>
-    <p:sldId id="396" r:id="rId26"/>
-    <p:sldId id="296" r:id="rId27"/>
-    <p:sldId id="302" r:id="rId28"/>
-    <p:sldId id="325" r:id="rId29"/>
-    <p:sldId id="405" r:id="rId30"/>
-    <p:sldId id="413" r:id="rId31"/>
-    <p:sldId id="414" r:id="rId32"/>
-    <p:sldId id="328" r:id="rId33"/>
-    <p:sldId id="329" r:id="rId34"/>
-    <p:sldId id="330" r:id="rId35"/>
-    <p:sldId id="326" r:id="rId36"/>
-    <p:sldId id="332" r:id="rId37"/>
-    <p:sldId id="323" r:id="rId38"/>
-    <p:sldId id="407" r:id="rId39"/>
-    <p:sldId id="335" r:id="rId40"/>
-    <p:sldId id="337" r:id="rId41"/>
-    <p:sldId id="342" r:id="rId42"/>
-    <p:sldId id="338" r:id="rId43"/>
-    <p:sldId id="410" r:id="rId44"/>
-    <p:sldId id="411" r:id="rId45"/>
-    <p:sldId id="340" r:id="rId46"/>
-    <p:sldId id="336" r:id="rId47"/>
-    <p:sldId id="408" r:id="rId48"/>
-    <p:sldId id="344" r:id="rId49"/>
-    <p:sldId id="345" r:id="rId50"/>
-    <p:sldId id="346" r:id="rId51"/>
-    <p:sldId id="350" r:id="rId52"/>
-    <p:sldId id="348" r:id="rId53"/>
+    <p:sldId id="291" r:id="rId11"/>
+    <p:sldId id="311" r:id="rId12"/>
+    <p:sldId id="282" r:id="rId13"/>
+    <p:sldId id="283" r:id="rId14"/>
+    <p:sldId id="401" r:id="rId15"/>
+    <p:sldId id="402" r:id="rId16"/>
+    <p:sldId id="409" r:id="rId17"/>
+    <p:sldId id="324" r:id="rId18"/>
+    <p:sldId id="284" r:id="rId19"/>
+    <p:sldId id="285" r:id="rId20"/>
+    <p:sldId id="286" r:id="rId21"/>
+    <p:sldId id="294" r:id="rId22"/>
+    <p:sldId id="319" r:id="rId23"/>
+    <p:sldId id="321" r:id="rId24"/>
+    <p:sldId id="396" r:id="rId25"/>
+    <p:sldId id="296" r:id="rId26"/>
+    <p:sldId id="302" r:id="rId27"/>
+    <p:sldId id="325" r:id="rId28"/>
+    <p:sldId id="405" r:id="rId29"/>
+    <p:sldId id="413" r:id="rId30"/>
+    <p:sldId id="414" r:id="rId31"/>
+    <p:sldId id="328" r:id="rId32"/>
+    <p:sldId id="329" r:id="rId33"/>
+    <p:sldId id="330" r:id="rId34"/>
+    <p:sldId id="326" r:id="rId35"/>
+    <p:sldId id="332" r:id="rId36"/>
+    <p:sldId id="323" r:id="rId37"/>
+    <p:sldId id="407" r:id="rId38"/>
+    <p:sldId id="335" r:id="rId39"/>
+    <p:sldId id="337" r:id="rId40"/>
+    <p:sldId id="342" r:id="rId41"/>
+    <p:sldId id="338" r:id="rId42"/>
+    <p:sldId id="410" r:id="rId43"/>
+    <p:sldId id="411" r:id="rId44"/>
+    <p:sldId id="340" r:id="rId45"/>
+    <p:sldId id="336" r:id="rId46"/>
+    <p:sldId id="408" r:id="rId47"/>
+    <p:sldId id="344" r:id="rId48"/>
+    <p:sldId id="345" r:id="rId49"/>
+    <p:sldId id="346" r:id="rId50"/>
+    <p:sldId id="350" r:id="rId51"/>
+    <p:sldId id="348" r:id="rId52"/>
   </p:sldIdLst>
   <p:sldSz cx="9144000" cy="6858000" type="screen4x3"/>
   <p:notesSz cx="6858000" cy="9144000"/>
@@ -254,7 +253,7 @@
           <a:p>
             <a:fld id="{C63082B1-427E-41DB-ABE5-DAB9BFFC394E}" type="datetimeFigureOut">
               <a:rPr lang="en-US" smtClean="0"/>
-              <a:t>3/21/22</a:t>
+              <a:t>10/23/22</a:t>
             </a:fld>
             <a:endParaRPr lang="en-US"/>
           </a:p>
@@ -419,7 +418,7 @@
           <a:p>
             <a:fld id="{C333ABA6-B72D-4ED4-A6E7-13A0DAE65F1A}" type="datetimeFigureOut">
               <a:rPr lang="en-US" smtClean="0"/>
-              <a:t>3/21/22</a:t>
+              <a:t>10/23/22</a:t>
             </a:fld>
             <a:endParaRPr lang="en-US"/>
           </a:p>
@@ -1006,7 +1005,7 @@
           <a:p>
             <a:fld id="{D8E1AF40-8E9D-4388-A598-B39FF32BD9CA}" type="slidenum">
               <a:rPr lang="en-US" smtClean="0"/>
-              <a:t>22</a:t>
+              <a:t>21</a:t>
             </a:fld>
             <a:endParaRPr lang="en-US"/>
           </a:p>
@@ -1110,7 +1109,7 @@
           <a:p>
             <a:fld id="{D8E1AF40-8E9D-4388-A598-B39FF32BD9CA}" type="slidenum">
               <a:rPr lang="en-US" smtClean="0"/>
-              <a:t>24</a:t>
+              <a:t>23</a:t>
             </a:fld>
             <a:endParaRPr lang="en-US"/>
           </a:p>
@@ -1194,7 +1193,7 @@
           <a:p>
             <a:fld id="{D8E1AF40-8E9D-4388-A598-B39FF32BD9CA}" type="slidenum">
               <a:rPr lang="en-US" smtClean="0"/>
-              <a:t>26</a:t>
+              <a:t>25</a:t>
             </a:fld>
             <a:endParaRPr lang="en-US"/>
           </a:p>
@@ -1292,7 +1291,7 @@
           <a:p>
             <a:fld id="{ADC303B9-2C3E-4EA0-A819-58B20A5A846C}" type="slidenum">
               <a:rPr lang="en-US" smtClean="0"/>
-              <a:t>41</a:t>
+              <a:t>40</a:t>
             </a:fld>
             <a:endParaRPr lang="en-US"/>
           </a:p>
@@ -1379,7 +1378,7 @@
           <a:p>
             <a:fld id="{ADC303B9-2C3E-4EA0-A819-58B20A5A846C}" type="slidenum">
               <a:rPr lang="en-US" smtClean="0"/>
-              <a:t>42</a:t>
+              <a:t>41</a:t>
             </a:fld>
             <a:endParaRPr lang="en-US"/>
           </a:p>
@@ -1466,7 +1465,7 @@
           <a:p>
             <a:fld id="{ADC303B9-2C3E-4EA0-A819-58B20A5A846C}" type="slidenum">
               <a:rPr lang="en-US" smtClean="0"/>
-              <a:t>43</a:t>
+              <a:t>42</a:t>
             </a:fld>
             <a:endParaRPr lang="en-US"/>
           </a:p>
@@ -1553,7 +1552,7 @@
           <a:p>
             <a:fld id="{ADC303B9-2C3E-4EA0-A819-58B20A5A846C}" type="slidenum">
               <a:rPr lang="en-US" smtClean="0"/>
-              <a:t>44</a:t>
+              <a:t>43</a:t>
             </a:fld>
             <a:endParaRPr lang="en-US"/>
           </a:p>
@@ -1704,7 +1703,7 @@
           <a:p>
             <a:fld id="{5738B90E-0779-4C36-915C-6F05FCD89456}" type="datetime1">
               <a:rPr lang="en-US" smtClean="0"/>
-              <a:t>3/21/22</a:t>
+              <a:t>10/23/22</a:t>
             </a:fld>
             <a:endParaRPr lang="en-US"/>
           </a:p>
@@ -1922,7 +1921,7 @@
           <a:p>
             <a:fld id="{7B9EA29D-D431-42FE-B7B6-AAE4454C77D3}" type="datetime1">
               <a:rPr lang="en-US" smtClean="0"/>
-              <a:t>3/21/22</a:t>
+              <a:t>10/23/22</a:t>
             </a:fld>
             <a:endParaRPr lang="en-US"/>
           </a:p>
@@ -2182,7 +2181,7 @@
           <a:p>
             <a:fld id="{690D8A1E-EA8F-46C1-B891-AE0C00D9C314}" type="datetime1">
               <a:rPr lang="en-US" smtClean="0"/>
-              <a:t>3/21/22</a:t>
+              <a:t>10/23/22</a:t>
             </a:fld>
             <a:endParaRPr lang="en-US"/>
           </a:p>
@@ -2476,7 +2475,7 @@
           <a:p>
             <a:fld id="{D753EFC8-4232-4598-94F6-94C0EBAFC469}" type="datetime1">
               <a:rPr lang="en-US" smtClean="0"/>
-              <a:t>3/21/22</a:t>
+              <a:t>10/23/22</a:t>
             </a:fld>
             <a:endParaRPr lang="en-US"/>
           </a:p>
@@ -2791,7 +2790,7 @@
           <a:p>
             <a:fld id="{F3161074-1C18-4AE7-957D-F18524378C85}" type="datetime1">
               <a:rPr lang="en-US" smtClean="0"/>
-              <a:t>3/21/22</a:t>
+              <a:t>10/23/22</a:t>
             </a:fld>
             <a:endParaRPr lang="en-US"/>
           </a:p>
@@ -3065,7 +3064,7 @@
           <a:p>
             <a:fld id="{69BE256C-8D9A-4404-B47D-41A1AE514425}" type="datetime1">
               <a:rPr lang="en-US" smtClean="0"/>
-              <a:t>3/21/22</a:t>
+              <a:t>10/23/22</a:t>
             </a:fld>
             <a:endParaRPr lang="en-US"/>
           </a:p>
@@ -3499,7 +3498,7 @@
           <a:p>
             <a:fld id="{66CB2154-9035-4012-8189-BAAB61C5A5EE}" type="datetime1">
               <a:rPr lang="en-US" smtClean="0"/>
-              <a:t>3/21/22</a:t>
+              <a:t>10/23/22</a:t>
             </a:fld>
             <a:endParaRPr lang="en-US"/>
           </a:p>
@@ -3673,7 +3672,7 @@
           <a:p>
             <a:fld id="{6700A58B-DD98-43D0-B791-721480A02982}" type="datetime1">
               <a:rPr lang="en-US" smtClean="0"/>
-              <a:t>3/21/22</a:t>
+              <a:t>10/23/22</a:t>
             </a:fld>
             <a:endParaRPr lang="en-US"/>
           </a:p>
@@ -3865,7 +3864,7 @@
           <a:p>
             <a:fld id="{7DB6E382-4F61-4E24-BE1A-377EC83D0E3A}" type="datetime1">
               <a:rPr lang="en-US" smtClean="0"/>
-              <a:t>3/21/22</a:t>
+              <a:t>10/23/22</a:t>
             </a:fld>
             <a:endParaRPr lang="en-US"/>
           </a:p>
@@ -4176,7 +4175,7 @@
           <a:p>
             <a:fld id="{4142EED6-FC16-45B9-B8C4-2BC5DBA88325}" type="datetime1">
               <a:rPr lang="en-US" smtClean="0"/>
-              <a:t>3/21/22</a:t>
+              <a:t>10/23/22</a:t>
             </a:fld>
             <a:endParaRPr lang="en-US"/>
           </a:p>
@@ -4494,7 +4493,7 @@
           <a:p>
             <a:fld id="{DF59512B-4F1D-43D7-8819-2F53FEF69650}" type="datetime1">
               <a:rPr lang="en-US" smtClean="0"/>
-              <a:t>3/21/22</a:t>
+              <a:t>10/23/22</a:t>
             </a:fld>
             <a:endParaRPr lang="en-US"/>
           </a:p>
@@ -4770,7 +4769,7 @@
           <a:p>
             <a:fld id="{08437B94-E2BF-44DC-ADC5-B05FC9934E9D}" type="datetime1">
               <a:rPr lang="en-US" smtClean="0"/>
-              <a:t>3/21/22</a:t>
+              <a:t>10/23/22</a:t>
             </a:fld>
             <a:endParaRPr lang="en-US"/>
           </a:p>
@@ -5237,7 +5236,7 @@
           <a:p>
             <a:r>
               <a:rPr lang="en-US" dirty="0"/>
-              <a:t>Forecasting</a:t>
+              <a:t>Time Series Forecasting</a:t>
             </a:r>
           </a:p>
         </p:txBody>
@@ -5290,7 +5289,7 @@
           <a:p>
             <a:fld id="{F3161074-1C18-4AE7-957D-F18524378C85}" type="datetime1">
               <a:rPr lang="en-US" smtClean="0"/>
-              <a:t>3/21/22</a:t>
+              <a:t>10/23/22</a:t>
             </a:fld>
             <a:endParaRPr lang="en-US"/>
           </a:p>
@@ -5406,7 +5405,7 @@
           <a:p>
             <a:fld id="{6700A58B-DD98-43D0-B791-721480A02982}" type="datetime1">
               <a:rPr lang="en-US" smtClean="0"/>
-              <a:t>3/21/22</a:t>
+              <a:t>10/23/22</a:t>
             </a:fld>
             <a:endParaRPr lang="en-US"/>
           </a:p>
@@ -5532,8 +5531,16 @@
           </a:p>
           <a:p>
             <a:r>
+              <a:rPr lang="en-US" b="1" u="sng" dirty="0">
+                <a:solidFill>
+                  <a:schemeClr val="accent6"/>
+                </a:solidFill>
+              </a:rPr>
+              <a:t>Level</a:t>
+            </a:r>
+            <a:r>
               <a:rPr lang="en-US" dirty="0"/>
-              <a:t>Level?</a:t>
+              <a:t>?</a:t>
             </a:r>
           </a:p>
           <a:p>
@@ -5558,10 +5565,10 @@
       </p:sp>
       <p:pic>
         <p:nvPicPr>
-          <p:cNvPr id="6" name="Picture 5">
+          <p:cNvPr id="8" name="Picture 7">
             <a:extLst>
               <a:ext uri="{FF2B5EF4-FFF2-40B4-BE49-F238E27FC236}">
-                <a16:creationId xmlns:a16="http://schemas.microsoft.com/office/drawing/2014/main" id="{4D9F30B6-F781-4F9F-A682-E0BD1E45FE16}"/>
+                <a16:creationId xmlns:a16="http://schemas.microsoft.com/office/drawing/2014/main" id="{99079329-3AED-4937-A9A0-10ED9AC598A6}"/>
               </a:ext>
             </a:extLst>
           </p:cNvPr>
@@ -5570,26 +5577,80 @@
           </p:cNvPicPr>
           <p:nvPr/>
         </p:nvPicPr>
-        <p:blipFill>
+        <p:blipFill rotWithShape="1">
           <a:blip r:embed="rId2"/>
-          <a:stretch>
-            <a:fillRect/>
-          </a:stretch>
+          <a:srcRect t="9707"/>
+          <a:stretch/>
         </p:blipFill>
         <p:spPr>
           <a:xfrm>
-            <a:off x="762199" y="1439500"/>
-            <a:ext cx="4955629" cy="4581619"/>
+            <a:off x="434024" y="1284295"/>
+            <a:ext cx="5189851" cy="4744363"/>
           </a:xfrm>
           <a:prstGeom prst="rect">
             <a:avLst/>
           </a:prstGeom>
         </p:spPr>
       </p:pic>
+      <p:sp>
+        <p:nvSpPr>
+          <p:cNvPr id="6" name="Rectangle 5">
+            <a:extLst>
+              <a:ext uri="{FF2B5EF4-FFF2-40B4-BE49-F238E27FC236}">
+                <a16:creationId xmlns:a16="http://schemas.microsoft.com/office/drawing/2014/main" id="{B1EA3FA0-9805-6639-F4A0-F326092BBB59}"/>
+              </a:ext>
+            </a:extLst>
+          </p:cNvPr>
+          <p:cNvSpPr/>
+          <p:nvPr/>
+        </p:nvSpPr>
+        <p:spPr>
+          <a:xfrm>
+            <a:off x="5738172" y="1428751"/>
+            <a:ext cx="3171825" cy="414337"/>
+          </a:xfrm>
+          <a:prstGeom prst="rect">
+            <a:avLst/>
+          </a:prstGeom>
+          <a:solidFill>
+            <a:schemeClr val="accent2"/>
+          </a:solidFill>
+          <a:ln>
+            <a:noFill/>
+          </a:ln>
+        </p:spPr>
+        <p:style>
+          <a:lnRef idx="2">
+            <a:schemeClr val="accent1">
+              <a:shade val="50000"/>
+            </a:schemeClr>
+          </a:lnRef>
+          <a:fillRef idx="1">
+            <a:schemeClr val="accent1"/>
+          </a:fillRef>
+          <a:effectRef idx="0">
+            <a:schemeClr val="accent1"/>
+          </a:effectRef>
+          <a:fontRef idx="minor">
+            <a:schemeClr val="lt1"/>
+          </a:fontRef>
+        </p:style>
+        <p:txBody>
+          <a:bodyPr rtlCol="0" anchor="ctr"/>
+          <a:lstStyle/>
+          <a:p>
+            <a:pPr algn="ctr"/>
+            <a:r>
+              <a:rPr lang="en-US" dirty="0"/>
+              <a:t>What do we observe?</a:t>
+            </a:r>
+          </a:p>
+        </p:txBody>
+      </p:sp>
     </p:spTree>
     <p:extLst>
       <p:ext uri="{BB962C8B-B14F-4D97-AF65-F5344CB8AC3E}">
-        <p14:creationId xmlns:p14="http://schemas.microsoft.com/office/powerpoint/2010/main" val="1952542541"/>
+        <p14:creationId xmlns:p14="http://schemas.microsoft.com/office/powerpoint/2010/main" val="3169418037"/>
       </p:ext>
     </p:extLst>
   </p:cSld>
@@ -5639,7 +5700,7 @@
           <a:p>
             <a:fld id="{6700A58B-DD98-43D0-B791-721480A02982}" type="datetime1">
               <a:rPr lang="en-US" smtClean="0"/>
-              <a:t>3/21/22</a:t>
+              <a:t>10/23/22</a:t>
             </a:fld>
             <a:endParaRPr lang="en-US"/>
           </a:p>
@@ -5697,246 +5758,6 @@
             <a:fld id="{37290FF7-652B-4475-AEAB-8B1A5D23AE09}" type="slidenum">
               <a:rPr lang="en-US" smtClean="0"/>
               <a:t>11</a:t>
-            </a:fld>
-            <a:endParaRPr lang="en-US"/>
-          </a:p>
-        </p:txBody>
-      </p:sp>
-      <p:sp>
-        <p:nvSpPr>
-          <p:cNvPr id="5" name="Footer Placeholder 4">
-            <a:extLst>
-              <a:ext uri="{FF2B5EF4-FFF2-40B4-BE49-F238E27FC236}">
-                <a16:creationId xmlns:a16="http://schemas.microsoft.com/office/drawing/2014/main" id="{EE31643D-3082-4F21-9828-946838B0DBFB}"/>
-              </a:ext>
-            </a:extLst>
-          </p:cNvPr>
-          <p:cNvSpPr>
-            <a:spLocks noGrp="1"/>
-          </p:cNvSpPr>
-          <p:nvPr>
-            <p:ph type="ftr" sz="quarter" idx="3"/>
-          </p:nvPr>
-        </p:nvSpPr>
-        <p:spPr/>
-        <p:txBody>
-          <a:bodyPr/>
-          <a:lstStyle/>
-          <a:p>
-            <a:r>
-              <a:rPr lang="en-US" dirty="0"/>
-              <a:t>Kwartler CSCI 96</a:t>
-            </a:r>
-          </a:p>
-        </p:txBody>
-      </p:sp>
-      <p:sp>
-        <p:nvSpPr>
-          <p:cNvPr id="7" name="TextBox 6">
-            <a:extLst>
-              <a:ext uri="{FF2B5EF4-FFF2-40B4-BE49-F238E27FC236}">
-                <a16:creationId xmlns:a16="http://schemas.microsoft.com/office/drawing/2014/main" id="{709878E9-7B9E-4E44-B365-5CC9BC94906B}"/>
-              </a:ext>
-            </a:extLst>
-          </p:cNvPr>
-          <p:cNvSpPr txBox="1"/>
-          <p:nvPr/>
-        </p:nvSpPr>
-        <p:spPr>
-          <a:xfrm>
-            <a:off x="6029782" y="2743200"/>
-            <a:ext cx="2232662" cy="1477328"/>
-          </a:xfrm>
-          <a:prstGeom prst="rect">
-            <a:avLst/>
-          </a:prstGeom>
-          <a:noFill/>
-        </p:spPr>
-        <p:txBody>
-          <a:bodyPr wrap="none" rtlCol="0">
-            <a:spAutoFit/>
-          </a:bodyPr>
-          <a:lstStyle/>
-          <a:p>
-            <a:r>
-              <a:rPr lang="en-US" dirty="0"/>
-              <a:t>What do we observe?</a:t>
-            </a:r>
-          </a:p>
-          <a:p>
-            <a:r>
-              <a:rPr lang="en-US" b="1" u="sng" dirty="0">
-                <a:solidFill>
-                  <a:schemeClr val="accent6"/>
-                </a:solidFill>
-              </a:rPr>
-              <a:t>Level</a:t>
-            </a:r>
-            <a:r>
-              <a:rPr lang="en-US" dirty="0"/>
-              <a:t>?</a:t>
-            </a:r>
-          </a:p>
-          <a:p>
-            <a:r>
-              <a:rPr lang="en-US" dirty="0"/>
-              <a:t>Trend?</a:t>
-            </a:r>
-          </a:p>
-          <a:p>
-            <a:r>
-              <a:rPr lang="en-US" dirty="0"/>
-              <a:t>Seasonality?</a:t>
-            </a:r>
-          </a:p>
-          <a:p>
-            <a:r>
-              <a:rPr lang="en-US" dirty="0"/>
-              <a:t>Noise?</a:t>
-            </a:r>
-          </a:p>
-        </p:txBody>
-      </p:sp>
-      <p:pic>
-        <p:nvPicPr>
-          <p:cNvPr id="8" name="Picture 7">
-            <a:extLst>
-              <a:ext uri="{FF2B5EF4-FFF2-40B4-BE49-F238E27FC236}">
-                <a16:creationId xmlns:a16="http://schemas.microsoft.com/office/drawing/2014/main" id="{99079329-3AED-4937-A9A0-10ED9AC598A6}"/>
-              </a:ext>
-            </a:extLst>
-          </p:cNvPr>
-          <p:cNvPicPr>
-            <a:picLocks noChangeAspect="1"/>
-          </p:cNvPicPr>
-          <p:nvPr/>
-        </p:nvPicPr>
-        <p:blipFill rotWithShape="1">
-          <a:blip r:embed="rId2"/>
-          <a:srcRect t="9707"/>
-          <a:stretch/>
-        </p:blipFill>
-        <p:spPr>
-          <a:xfrm>
-            <a:off x="434024" y="1284295"/>
-            <a:ext cx="5189851" cy="4744363"/>
-          </a:xfrm>
-          <a:prstGeom prst="rect">
-            <a:avLst/>
-          </a:prstGeom>
-        </p:spPr>
-      </p:pic>
-    </p:spTree>
-    <p:extLst>
-      <p:ext uri="{BB962C8B-B14F-4D97-AF65-F5344CB8AC3E}">
-        <p14:creationId xmlns:p14="http://schemas.microsoft.com/office/powerpoint/2010/main" val="3169418037"/>
-      </p:ext>
-    </p:extLst>
-  </p:cSld>
-  <p:clrMapOvr>
-    <a:masterClrMapping/>
-  </p:clrMapOvr>
-</p:sld>
-</file>
-
-<file path=ppt/slides/slide12.xml><?xml version="1.0" encoding="utf-8"?>
-<p:sld xmlns:a="http://schemas.openxmlformats.org/drawingml/2006/main" xmlns:r="http://schemas.openxmlformats.org/officeDocument/2006/relationships" xmlns:p="http://schemas.openxmlformats.org/presentationml/2006/main">
-  <p:cSld>
-    <p:spTree>
-      <p:nvGrpSpPr>
-        <p:cNvPr id="1" name=""/>
-        <p:cNvGrpSpPr/>
-        <p:nvPr/>
-      </p:nvGrpSpPr>
-      <p:grpSpPr>
-        <a:xfrm>
-          <a:off x="0" y="0"/>
-          <a:ext cx="0" cy="0"/>
-          <a:chOff x="0" y="0"/>
-          <a:chExt cx="0" cy="0"/>
-        </a:xfrm>
-      </p:grpSpPr>
-      <p:sp>
-        <p:nvSpPr>
-          <p:cNvPr id="2" name="Date Placeholder 1">
-            <a:extLst>
-              <a:ext uri="{FF2B5EF4-FFF2-40B4-BE49-F238E27FC236}">
-                <a16:creationId xmlns:a16="http://schemas.microsoft.com/office/drawing/2014/main" id="{1446CF81-18DA-4882-8542-7FA528C6881D}"/>
-              </a:ext>
-            </a:extLst>
-          </p:cNvPr>
-          <p:cNvSpPr>
-            <a:spLocks noGrp="1"/>
-          </p:cNvSpPr>
-          <p:nvPr>
-            <p:ph type="dt" sz="half" idx="10"/>
-          </p:nvPr>
-        </p:nvSpPr>
-        <p:spPr/>
-        <p:txBody>
-          <a:bodyPr/>
-          <a:lstStyle/>
-          <a:p>
-            <a:fld id="{6700A58B-DD98-43D0-B791-721480A02982}" type="datetime1">
-              <a:rPr lang="en-US" smtClean="0"/>
-              <a:t>3/21/22</a:t>
-            </a:fld>
-            <a:endParaRPr lang="en-US"/>
-          </a:p>
-        </p:txBody>
-      </p:sp>
-      <p:sp>
-        <p:nvSpPr>
-          <p:cNvPr id="3" name="Title 2">
-            <a:extLst>
-              <a:ext uri="{FF2B5EF4-FFF2-40B4-BE49-F238E27FC236}">
-                <a16:creationId xmlns:a16="http://schemas.microsoft.com/office/drawing/2014/main" id="{614E3173-1F1E-4CF3-A763-737C0F4A4EA7}"/>
-              </a:ext>
-            </a:extLst>
-          </p:cNvPr>
-          <p:cNvSpPr>
-            <a:spLocks noGrp="1"/>
-          </p:cNvSpPr>
-          <p:nvPr>
-            <p:ph type="title"/>
-          </p:nvPr>
-        </p:nvSpPr>
-        <p:spPr/>
-        <p:txBody>
-          <a:bodyPr/>
-          <a:lstStyle/>
-          <a:p>
-            <a:r>
-              <a:rPr lang="en-US" dirty="0"/>
-              <a:t>Amtrak Actuals</a:t>
-            </a:r>
-          </a:p>
-        </p:txBody>
-      </p:sp>
-      <p:sp>
-        <p:nvSpPr>
-          <p:cNvPr id="4" name="Slide Number Placeholder 3">
-            <a:extLst>
-              <a:ext uri="{FF2B5EF4-FFF2-40B4-BE49-F238E27FC236}">
-                <a16:creationId xmlns:a16="http://schemas.microsoft.com/office/drawing/2014/main" id="{C84D43DA-DA54-4A2F-AFA1-93EE114DE9F2}"/>
-              </a:ext>
-            </a:extLst>
-          </p:cNvPr>
-          <p:cNvSpPr>
-            <a:spLocks noGrp="1"/>
-          </p:cNvSpPr>
-          <p:nvPr>
-            <p:ph type="sldNum" sz="quarter" idx="12"/>
-          </p:nvPr>
-        </p:nvSpPr>
-        <p:spPr/>
-        <p:txBody>
-          <a:bodyPr/>
-          <a:lstStyle/>
-          <a:p>
-            <a:fld id="{37290FF7-652B-4475-AEAB-8B1A5D23AE09}" type="slidenum">
-              <a:rPr lang="en-US" smtClean="0"/>
-              <a:t>12</a:t>
             </a:fld>
             <a:endParaRPr lang="en-US"/>
           </a:p>
@@ -6145,6 +5966,61 @@
           </a:fontRef>
         </p:style>
       </p:cxnSp>
+      <p:sp>
+        <p:nvSpPr>
+          <p:cNvPr id="8" name="Rectangle 7">
+            <a:extLst>
+              <a:ext uri="{FF2B5EF4-FFF2-40B4-BE49-F238E27FC236}">
+                <a16:creationId xmlns:a16="http://schemas.microsoft.com/office/drawing/2014/main" id="{B5A8B334-D4D0-E22A-F1E9-9EC7BE3CBD6C}"/>
+              </a:ext>
+            </a:extLst>
+          </p:cNvPr>
+          <p:cNvSpPr/>
+          <p:nvPr/>
+        </p:nvSpPr>
+        <p:spPr>
+          <a:xfrm>
+            <a:off x="5738172" y="1428751"/>
+            <a:ext cx="3171825" cy="414337"/>
+          </a:xfrm>
+          <a:prstGeom prst="rect">
+            <a:avLst/>
+          </a:prstGeom>
+          <a:solidFill>
+            <a:schemeClr val="accent2"/>
+          </a:solidFill>
+          <a:ln>
+            <a:noFill/>
+          </a:ln>
+        </p:spPr>
+        <p:style>
+          <a:lnRef idx="2">
+            <a:schemeClr val="accent1">
+              <a:shade val="50000"/>
+            </a:schemeClr>
+          </a:lnRef>
+          <a:fillRef idx="1">
+            <a:schemeClr val="accent1"/>
+          </a:fillRef>
+          <a:effectRef idx="0">
+            <a:schemeClr val="accent1"/>
+          </a:effectRef>
+          <a:fontRef idx="minor">
+            <a:schemeClr val="lt1"/>
+          </a:fontRef>
+        </p:style>
+        <p:txBody>
+          <a:bodyPr rtlCol="0" anchor="ctr"/>
+          <a:lstStyle/>
+          <a:p>
+            <a:pPr algn="ctr"/>
+            <a:r>
+              <a:rPr lang="en-US" dirty="0"/>
+              <a:t>What do we observe?</a:t>
+            </a:r>
+          </a:p>
+        </p:txBody>
+      </p:sp>
     </p:spTree>
     <p:extLst>
       <p:ext uri="{BB962C8B-B14F-4D97-AF65-F5344CB8AC3E}">
@@ -6158,7 +6034,7 @@
 </p:sld>
 </file>
 
-<file path=ppt/slides/slide13.xml><?xml version="1.0" encoding="utf-8"?>
+<file path=ppt/slides/slide12.xml><?xml version="1.0" encoding="utf-8"?>
 <p:sld xmlns:a="http://schemas.openxmlformats.org/drawingml/2006/main" xmlns:r="http://schemas.openxmlformats.org/officeDocument/2006/relationships" xmlns:p="http://schemas.openxmlformats.org/presentationml/2006/main">
   <p:cSld>
     <p:spTree>
@@ -6326,7 +6202,7 @@
           <a:p>
             <a:fld id="{D753EFC8-4232-4598-94F6-94C0EBAFC469}" type="datetime1">
               <a:rPr lang="en-US" smtClean="0"/>
-              <a:t>3/21/22</a:t>
+              <a:t>10/23/22</a:t>
             </a:fld>
             <a:endParaRPr lang="en-US"/>
           </a:p>
@@ -6399,7 +6275,7 @@
 </p:sld>
 </file>
 
-<file path=ppt/slides/slide14.xml><?xml version="1.0" encoding="utf-8"?>
+<file path=ppt/slides/slide13.xml><?xml version="1.0" encoding="utf-8"?>
 <p:sld xmlns:a="http://schemas.openxmlformats.org/drawingml/2006/main" xmlns:r="http://schemas.openxmlformats.org/officeDocument/2006/relationships" xmlns:p="http://schemas.openxmlformats.org/presentationml/2006/main">
   <p:cSld>
     <p:spTree>
@@ -6865,7 +6741,7 @@
           <a:p>
             <a:fld id="{D753EFC8-4232-4598-94F6-94C0EBAFC469}" type="datetime1">
               <a:rPr lang="en-US" smtClean="0"/>
-              <a:t>3/21/22</a:t>
+              <a:t>10/23/22</a:t>
             </a:fld>
             <a:endParaRPr lang="en-US"/>
           </a:p>
@@ -6938,7 +6814,7 @@
 </p:sld>
 </file>
 
-<file path=ppt/slides/slide15.xml><?xml version="1.0" encoding="utf-8"?>
+<file path=ppt/slides/slide14.xml><?xml version="1.0" encoding="utf-8"?>
 <p:sld xmlns:a="http://schemas.openxmlformats.org/drawingml/2006/main" xmlns:r="http://schemas.openxmlformats.org/officeDocument/2006/relationships" xmlns:p="http://schemas.openxmlformats.org/presentationml/2006/main">
   <p:cSld>
     <p:spTree>
@@ -7319,7 +7195,7 @@
           <a:p>
             <a:fld id="{D753EFC8-4232-4598-94F6-94C0EBAFC469}" type="datetime1">
               <a:rPr lang="en-US" smtClean="0"/>
-              <a:t>3/21/22</a:t>
+              <a:t>10/23/22</a:t>
             </a:fld>
             <a:endParaRPr lang="en-US"/>
           </a:p>
@@ -7486,7 +7362,7 @@
 </p:sld>
 </file>
 
-<file path=ppt/slides/slide16.xml><?xml version="1.0" encoding="utf-8"?>
+<file path=ppt/slides/slide15.xml><?xml version="1.0" encoding="utf-8"?>
 <p:sld xmlns:a="http://schemas.openxmlformats.org/drawingml/2006/main" xmlns:r="http://schemas.openxmlformats.org/officeDocument/2006/relationships" xmlns:p="http://schemas.openxmlformats.org/presentationml/2006/main">
   <p:cSld>
     <p:spTree>
@@ -7867,7 +7743,7 @@
           <a:p>
             <a:fld id="{D753EFC8-4232-4598-94F6-94C0EBAFC469}" type="datetime1">
               <a:rPr lang="en-US" smtClean="0"/>
-              <a:t>3/21/22</a:t>
+              <a:t>10/23/22</a:t>
             </a:fld>
             <a:endParaRPr lang="en-US"/>
           </a:p>
@@ -7940,7 +7816,7 @@
 </p:sld>
 </file>
 
-<file path=ppt/slides/slide17.xml><?xml version="1.0" encoding="utf-8"?>
+<file path=ppt/slides/slide16.xml><?xml version="1.0" encoding="utf-8"?>
 <p:sld xmlns:a="http://schemas.openxmlformats.org/drawingml/2006/main" xmlns:r="http://schemas.openxmlformats.org/officeDocument/2006/relationships" xmlns:p="http://schemas.openxmlformats.org/presentationml/2006/main">
   <p:cSld>
     <p:spTree>
@@ -8327,7 +8203,7 @@
           <a:p>
             <a:fld id="{D753EFC8-4232-4598-94F6-94C0EBAFC469}" type="datetime1">
               <a:rPr lang="en-US" smtClean="0"/>
-              <a:t>3/21/22</a:t>
+              <a:t>10/23/22</a:t>
             </a:fld>
             <a:endParaRPr lang="en-US"/>
           </a:p>
@@ -8400,7 +8276,7 @@
 </p:sld>
 </file>
 
-<file path=ppt/slides/slide18.xml><?xml version="1.0" encoding="utf-8"?>
+<file path=ppt/slides/slide17.xml><?xml version="1.0" encoding="utf-8"?>
 <p:sld xmlns:a="http://schemas.openxmlformats.org/drawingml/2006/main" xmlns:r="http://schemas.openxmlformats.org/officeDocument/2006/relationships" xmlns:p="http://schemas.openxmlformats.org/presentationml/2006/main">
   <p:cSld>
     <p:spTree>
@@ -8434,7 +8310,7 @@
           <a:p>
             <a:fld id="{6700A58B-DD98-43D0-B791-721480A02982}" type="datetime1">
               <a:rPr lang="en-US" smtClean="0"/>
-              <a:t>3/21/22</a:t>
+              <a:t>10/23/22</a:t>
             </a:fld>
             <a:endParaRPr lang="en-US"/>
           </a:p>
@@ -8461,7 +8337,7 @@
             </a:r>
             <a:r>
               <a:rPr lang="en-US" dirty="0" err="1"/>
-              <a:t>B_amtrak.R</a:t>
+              <a:t>A_amtrak.R</a:t>
             </a:r>
             <a:endParaRPr lang="en-US" dirty="0"/>
           </a:p>
@@ -8484,7 +8360,7 @@
           <a:p>
             <a:fld id="{37290FF7-652B-4475-AEAB-8B1A5D23AE09}" type="slidenum">
               <a:rPr lang="en-US" smtClean="0"/>
-              <a:t>18</a:t>
+              <a:t>17</a:t>
             </a:fld>
             <a:endParaRPr lang="en-US"/>
           </a:p>
@@ -8605,7 +8481,7 @@
 </p:sld>
 </file>
 
-<file path=ppt/slides/slide19.xml><?xml version="1.0" encoding="utf-8"?>
+<file path=ppt/slides/slide18.xml><?xml version="1.0" encoding="utf-8"?>
 <p:sld xmlns:a="http://schemas.openxmlformats.org/drawingml/2006/main" xmlns:r="http://schemas.openxmlformats.org/officeDocument/2006/relationships" xmlns:p="http://schemas.openxmlformats.org/presentationml/2006/main">
   <p:cSld>
     <p:spTree>
@@ -9842,7 +9718,7 @@
           <a:p>
             <a:fld id="{D753EFC8-4232-4598-94F6-94C0EBAFC469}" type="datetime1">
               <a:rPr lang="en-US" smtClean="0"/>
-              <a:t>3/21/22</a:t>
+              <a:t>10/23/22</a:t>
             </a:fld>
             <a:endParaRPr lang="en-US"/>
           </a:p>
@@ -9912,6 +9788,608 @@
   <p:clrMapOvr>
     <a:masterClrMapping/>
   </p:clrMapOvr>
+</p:sld>
+</file>
+
+<file path=ppt/slides/slide19.xml><?xml version="1.0" encoding="utf-8"?>
+<p:sld xmlns:a="http://schemas.openxmlformats.org/drawingml/2006/main" xmlns:r="http://schemas.openxmlformats.org/officeDocument/2006/relationships" xmlns:p="http://schemas.openxmlformats.org/presentationml/2006/main">
+  <p:cSld>
+    <p:spTree>
+      <p:nvGrpSpPr>
+        <p:cNvPr id="1" name=""/>
+        <p:cNvGrpSpPr/>
+        <p:nvPr/>
+      </p:nvGrpSpPr>
+      <p:grpSpPr>
+        <a:xfrm>
+          <a:off x="0" y="0"/>
+          <a:ext cx="0" cy="0"/>
+          <a:chOff x="0" y="0"/>
+          <a:chExt cx="0" cy="0"/>
+        </a:xfrm>
+      </p:grpSpPr>
+      <p:sp>
+        <p:nvSpPr>
+          <p:cNvPr id="15362" name="Title 1"/>
+          <p:cNvSpPr>
+            <a:spLocks noGrp="1"/>
+          </p:cNvSpPr>
+          <p:nvPr>
+            <p:ph type="title"/>
+          </p:nvPr>
+        </p:nvSpPr>
+        <p:spPr/>
+        <p:txBody>
+          <a:bodyPr/>
+          <a:lstStyle/>
+          <a:p>
+            <a:r>
+              <a:rPr lang="en-US" dirty="0"/>
+              <a:t>Time Series Partitioning is not random</a:t>
+            </a:r>
+          </a:p>
+        </p:txBody>
+      </p:sp>
+      <p:sp>
+        <p:nvSpPr>
+          <p:cNvPr id="15363" name="Content Placeholder 2"/>
+          <p:cNvSpPr>
+            <a:spLocks noGrp="1"/>
+          </p:cNvSpPr>
+          <p:nvPr>
+            <p:ph sz="quarter" idx="1"/>
+          </p:nvPr>
+        </p:nvSpPr>
+        <p:spPr>
+          <a:xfrm>
+            <a:off x="2250830" y="1998450"/>
+            <a:ext cx="6712267" cy="3303491"/>
+          </a:xfrm>
+        </p:spPr>
+        <p:txBody>
+          <a:bodyPr>
+            <a:normAutofit/>
+          </a:bodyPr>
+          <a:lstStyle/>
+          <a:p>
+            <a:r>
+              <a:rPr lang="en-US" sz="2000" b="1" dirty="0"/>
+              <a:t>Random partitioning would leave holes in the data, which causes problems</a:t>
+            </a:r>
+          </a:p>
+          <a:p>
+            <a:pPr lvl="1">
+              <a:buFont typeface="Wingdings 2" pitchFamily="18" charset="2"/>
+              <a:buNone/>
+            </a:pPr>
+            <a:r>
+              <a:rPr lang="en-US" sz="1600" dirty="0"/>
+              <a:t>Forecasting methods assume regular sequential data</a:t>
+            </a:r>
+          </a:p>
+          <a:p>
+            <a:r>
+              <a:rPr lang="en-US" sz="2000" b="1" dirty="0"/>
+              <a:t>Instead of random selection, divide data into two parts</a:t>
+            </a:r>
+          </a:p>
+          <a:p>
+            <a:pPr lvl="1">
+              <a:buFont typeface="Wingdings 2" pitchFamily="18" charset="2"/>
+              <a:buNone/>
+            </a:pPr>
+            <a:r>
+              <a:rPr lang="en-US" sz="1600" dirty="0"/>
+              <a:t>Train on early data</a:t>
+            </a:r>
+          </a:p>
+          <a:p>
+            <a:pPr lvl="1">
+              <a:buFont typeface="Wingdings 2" pitchFamily="18" charset="2"/>
+              <a:buNone/>
+            </a:pPr>
+            <a:r>
+              <a:rPr lang="en-US" sz="1600" dirty="0"/>
+              <a:t>Validate on later data</a:t>
+            </a:r>
+          </a:p>
+          <a:p>
+            <a:pPr marL="114300" lvl="1" indent="-114300"/>
+            <a:r>
+              <a:rPr lang="en-US" sz="2000" b="1" dirty="0"/>
+              <a:t>Performance can be assessed against the “naïve benchmark” &amp; historical accuracy </a:t>
+            </a:r>
+            <a:r>
+              <a:rPr lang="en-US" sz="1600" dirty="0"/>
+              <a:t> </a:t>
+            </a:r>
+            <a:r>
+              <a:rPr lang="en-US" sz="1600" i="1" dirty="0"/>
+              <a:t>naïve forecast </a:t>
+            </a:r>
+            <a:r>
+              <a:rPr lang="en-US" sz="1600" dirty="0"/>
+              <a:t>is simply the most recent value in the time series </a:t>
+            </a:r>
+          </a:p>
+          <a:p>
+            <a:pPr lvl="1">
+              <a:buFont typeface="Wingdings 2" pitchFamily="18" charset="2"/>
+              <a:buNone/>
+            </a:pPr>
+            <a:endParaRPr lang="en-US" sz="1600" dirty="0"/>
+          </a:p>
+        </p:txBody>
+      </p:sp>
+      <p:grpSp>
+        <p:nvGrpSpPr>
+          <p:cNvPr id="7" name="Group 6"/>
+          <p:cNvGrpSpPr/>
+          <p:nvPr/>
+        </p:nvGrpSpPr>
+        <p:grpSpPr>
+          <a:xfrm rot="5400000">
+            <a:off x="-1226298" y="3141897"/>
+            <a:ext cx="5070649" cy="1358267"/>
+            <a:chOff x="742950" y="4288805"/>
+            <a:chExt cx="7562851" cy="1358267"/>
+          </a:xfrm>
+        </p:grpSpPr>
+        <p:sp>
+          <p:nvSpPr>
+            <p:cNvPr id="2" name="Right Arrow 1"/>
+            <p:cNvSpPr/>
+            <p:nvPr/>
+          </p:nvSpPr>
+          <p:spPr>
+            <a:xfrm>
+              <a:off x="742950" y="5061284"/>
+              <a:ext cx="7548563" cy="585788"/>
+            </a:xfrm>
+            <a:prstGeom prst="rightArrow">
+              <a:avLst/>
+            </a:prstGeom>
+            <a:solidFill>
+              <a:schemeClr val="accent4"/>
+            </a:solidFill>
+            <a:ln>
+              <a:noFill/>
+            </a:ln>
+          </p:spPr>
+          <p:style>
+            <a:lnRef idx="2">
+              <a:schemeClr val="accent1">
+                <a:shade val="50000"/>
+              </a:schemeClr>
+            </a:lnRef>
+            <a:fillRef idx="1">
+              <a:schemeClr val="accent1"/>
+            </a:fillRef>
+            <a:effectRef idx="0">
+              <a:schemeClr val="accent1"/>
+            </a:effectRef>
+            <a:fontRef idx="minor">
+              <a:schemeClr val="lt1"/>
+            </a:fontRef>
+          </p:style>
+          <p:txBody>
+            <a:bodyPr rtlCol="0" anchor="ctr"/>
+            <a:lstStyle/>
+            <a:p>
+              <a:pPr algn="ctr"/>
+              <a:r>
+                <a:rPr lang="en-US" dirty="0"/>
+                <a:t>Temporal Data Points</a:t>
+              </a:r>
+            </a:p>
+          </p:txBody>
+        </p:sp>
+        <p:sp>
+          <p:nvSpPr>
+            <p:cNvPr id="5" name="Right Arrow 4"/>
+            <p:cNvSpPr/>
+            <p:nvPr/>
+          </p:nvSpPr>
+          <p:spPr>
+            <a:xfrm>
+              <a:off x="742951" y="4293389"/>
+              <a:ext cx="7548563" cy="585788"/>
+            </a:xfrm>
+            <a:prstGeom prst="rightArrow">
+              <a:avLst/>
+            </a:prstGeom>
+            <a:solidFill>
+              <a:schemeClr val="accent4"/>
+            </a:solidFill>
+            <a:ln>
+              <a:noFill/>
+            </a:ln>
+          </p:spPr>
+          <p:style>
+            <a:lnRef idx="2">
+              <a:schemeClr val="accent1">
+                <a:shade val="50000"/>
+              </a:schemeClr>
+            </a:lnRef>
+            <a:fillRef idx="1">
+              <a:schemeClr val="accent1"/>
+            </a:fillRef>
+            <a:effectRef idx="0">
+              <a:schemeClr val="accent1"/>
+            </a:effectRef>
+            <a:fontRef idx="minor">
+              <a:schemeClr val="lt1"/>
+            </a:fontRef>
+          </p:style>
+          <p:txBody>
+            <a:bodyPr rtlCol="0" anchor="ctr"/>
+            <a:lstStyle/>
+            <a:p>
+              <a:pPr algn="ctr"/>
+              <a:r>
+                <a:rPr lang="en-US" dirty="0"/>
+                <a:t>Training Data</a:t>
+              </a:r>
+            </a:p>
+          </p:txBody>
+        </p:sp>
+        <p:sp>
+          <p:nvSpPr>
+            <p:cNvPr id="6" name="Right Arrow 5"/>
+            <p:cNvSpPr/>
+            <p:nvPr/>
+          </p:nvSpPr>
+          <p:spPr>
+            <a:xfrm>
+              <a:off x="5757864" y="4288805"/>
+              <a:ext cx="2547937" cy="585788"/>
+            </a:xfrm>
+            <a:prstGeom prst="rightArrow">
+              <a:avLst/>
+            </a:prstGeom>
+            <a:solidFill>
+              <a:schemeClr val="accent3"/>
+            </a:solidFill>
+            <a:ln>
+              <a:noFill/>
+            </a:ln>
+          </p:spPr>
+          <p:style>
+            <a:lnRef idx="2">
+              <a:schemeClr val="accent1">
+                <a:shade val="50000"/>
+              </a:schemeClr>
+            </a:lnRef>
+            <a:fillRef idx="1">
+              <a:schemeClr val="accent1"/>
+            </a:fillRef>
+            <a:effectRef idx="0">
+              <a:schemeClr val="accent1"/>
+            </a:effectRef>
+            <a:fontRef idx="minor">
+              <a:schemeClr val="lt1"/>
+            </a:fontRef>
+          </p:style>
+          <p:txBody>
+            <a:bodyPr rtlCol="0" anchor="ctr"/>
+            <a:lstStyle/>
+            <a:p>
+              <a:pPr algn="ctr"/>
+              <a:r>
+                <a:rPr lang="en-US" dirty="0"/>
+                <a:t>Validation</a:t>
+              </a:r>
+            </a:p>
+          </p:txBody>
+        </p:sp>
+        <p:sp>
+          <p:nvSpPr>
+            <p:cNvPr id="3" name="Isosceles Triangle 2"/>
+            <p:cNvSpPr/>
+            <p:nvPr/>
+          </p:nvSpPr>
+          <p:spPr>
+            <a:xfrm>
+              <a:off x="3569494" y="4872037"/>
+              <a:ext cx="1400174" cy="271463"/>
+            </a:xfrm>
+            <a:prstGeom prst="triangle">
+              <a:avLst/>
+            </a:prstGeom>
+            <a:solidFill>
+              <a:schemeClr val="accent6"/>
+            </a:solidFill>
+            <a:ln>
+              <a:noFill/>
+            </a:ln>
+          </p:spPr>
+          <p:style>
+            <a:lnRef idx="2">
+              <a:schemeClr val="accent1">
+                <a:shade val="50000"/>
+              </a:schemeClr>
+            </a:lnRef>
+            <a:fillRef idx="1">
+              <a:schemeClr val="accent1"/>
+            </a:fillRef>
+            <a:effectRef idx="0">
+              <a:schemeClr val="accent1"/>
+            </a:effectRef>
+            <a:fontRef idx="minor">
+              <a:schemeClr val="lt1"/>
+            </a:fontRef>
+          </p:style>
+          <p:txBody>
+            <a:bodyPr rtlCol="0" anchor="ctr"/>
+            <a:lstStyle/>
+            <a:p>
+              <a:pPr algn="ctr"/>
+              <a:endParaRPr lang="en-US"/>
+            </a:p>
+          </p:txBody>
+        </p:sp>
+      </p:grpSp>
+      <p:sp>
+        <p:nvSpPr>
+          <p:cNvPr id="4" name="Rectangle 3"/>
+          <p:cNvSpPr/>
+          <p:nvPr/>
+        </p:nvSpPr>
+        <p:spPr>
+          <a:xfrm>
+            <a:off x="2250830" y="5743574"/>
+            <a:ext cx="6712267" cy="385763"/>
+          </a:xfrm>
+          <a:prstGeom prst="rect">
+            <a:avLst/>
+          </a:prstGeom>
+          <a:ln>
+            <a:noFill/>
+          </a:ln>
+        </p:spPr>
+        <p:style>
+          <a:lnRef idx="2">
+            <a:schemeClr val="accent1">
+              <a:shade val="50000"/>
+            </a:schemeClr>
+          </a:lnRef>
+          <a:fillRef idx="1">
+            <a:schemeClr val="accent1"/>
+          </a:fillRef>
+          <a:effectRef idx="0">
+            <a:schemeClr val="accent1"/>
+          </a:effectRef>
+          <a:fontRef idx="minor">
+            <a:schemeClr val="lt1"/>
+          </a:fontRef>
+        </p:style>
+        <p:txBody>
+          <a:bodyPr rtlCol="0" anchor="ctr"/>
+          <a:lstStyle/>
+          <a:p>
+            <a:pPr algn="ctr"/>
+            <a:r>
+              <a:rPr lang="en-US" dirty="0"/>
+              <a:t>Sub-setting data with regard to time is called “out of time” sampling.</a:t>
+            </a:r>
+          </a:p>
+        </p:txBody>
+      </p:sp>
+      <p:sp>
+        <p:nvSpPr>
+          <p:cNvPr id="10" name="Date Placeholder 3"/>
+          <p:cNvSpPr>
+            <a:spLocks noGrp="1"/>
+          </p:cNvSpPr>
+          <p:nvPr>
+            <p:ph type="dt" sz="half" idx="10"/>
+          </p:nvPr>
+        </p:nvSpPr>
+        <p:spPr>
+          <a:xfrm>
+            <a:off x="628650" y="6356351"/>
+            <a:ext cx="2057400" cy="365125"/>
+          </a:xfrm>
+        </p:spPr>
+        <p:txBody>
+          <a:bodyPr/>
+          <a:lstStyle/>
+          <a:p>
+            <a:fld id="{D753EFC8-4232-4598-94F6-94C0EBAFC469}" type="datetime1">
+              <a:rPr lang="en-US" smtClean="0"/>
+              <a:t>10/23/22</a:t>
+            </a:fld>
+            <a:endParaRPr lang="en-US"/>
+          </a:p>
+        </p:txBody>
+      </p:sp>
+      <p:sp>
+        <p:nvSpPr>
+          <p:cNvPr id="11" name="Slide Number Placeholder 4"/>
+          <p:cNvSpPr>
+            <a:spLocks noGrp="1"/>
+          </p:cNvSpPr>
+          <p:nvPr>
+            <p:ph type="sldNum" sz="quarter" idx="12"/>
+          </p:nvPr>
+        </p:nvSpPr>
+        <p:spPr>
+          <a:xfrm>
+            <a:off x="6457950" y="6356351"/>
+            <a:ext cx="857250" cy="365125"/>
+          </a:xfrm>
+        </p:spPr>
+        <p:txBody>
+          <a:bodyPr/>
+          <a:lstStyle/>
+          <a:p>
+            <a:r>
+              <a:rPr lang="en-US" dirty="0"/>
+              <a:t>19</a:t>
+            </a:r>
+          </a:p>
+        </p:txBody>
+      </p:sp>
+      <p:sp>
+        <p:nvSpPr>
+          <p:cNvPr id="12" name="Footer Placeholder 5"/>
+          <p:cNvSpPr>
+            <a:spLocks noGrp="1"/>
+          </p:cNvSpPr>
+          <p:nvPr>
+            <p:ph type="ftr" sz="quarter" idx="3"/>
+          </p:nvPr>
+        </p:nvSpPr>
+        <p:spPr>
+          <a:xfrm>
+            <a:off x="3028950" y="6356351"/>
+            <a:ext cx="3086100" cy="365125"/>
+          </a:xfrm>
+        </p:spPr>
+        <p:txBody>
+          <a:bodyPr/>
+          <a:lstStyle/>
+          <a:p>
+            <a:r>
+              <a:rPr lang="en-US" dirty="0"/>
+              <a:t>Kwartler CSCI 96</a:t>
+            </a:r>
+          </a:p>
+        </p:txBody>
+      </p:sp>
+    </p:spTree>
+    <p:extLst>
+      <p:ext uri="{BB962C8B-B14F-4D97-AF65-F5344CB8AC3E}">
+        <p14:creationId xmlns:p14="http://schemas.microsoft.com/office/powerpoint/2010/main" val="2554696910"/>
+      </p:ext>
+    </p:extLst>
+  </p:cSld>
+  <p:clrMapOvr>
+    <a:masterClrMapping/>
+  </p:clrMapOvr>
+  <p:timing>
+    <p:tnLst>
+      <p:par>
+        <p:cTn id="1" dur="indefinite" restart="never" nodeType="tmRoot">
+          <p:childTnLst>
+            <p:seq concurrent="1" nextAc="seek">
+              <p:cTn id="2" dur="indefinite" nodeType="mainSeq">
+                <p:childTnLst>
+                  <p:par>
+                    <p:cTn id="3" fill="hold">
+                      <p:stCondLst>
+                        <p:cond delay="indefinite"/>
+                      </p:stCondLst>
+                      <p:childTnLst>
+                        <p:par>
+                          <p:cTn id="4" fill="hold">
+                            <p:stCondLst>
+                              <p:cond delay="0"/>
+                            </p:stCondLst>
+                            <p:childTnLst>
+                              <p:par>
+                                <p:cTn id="5" presetID="1" presetClass="entr" presetSubtype="0" fill="hold" nodeType="clickEffect">
+                                  <p:stCondLst>
+                                    <p:cond delay="0"/>
+                                  </p:stCondLst>
+                                  <p:childTnLst>
+                                    <p:set>
+                                      <p:cBhvr>
+                                        <p:cTn id="6" dur="1" fill="hold">
+                                          <p:stCondLst>
+                                            <p:cond delay="0"/>
+                                          </p:stCondLst>
+                                        </p:cTn>
+                                        <p:tgtEl>
+                                          <p:spTgt spid="7"/>
+                                        </p:tgtEl>
+                                        <p:attrNameLst>
+                                          <p:attrName>style.visibility</p:attrName>
+                                        </p:attrNameLst>
+                                      </p:cBhvr>
+                                      <p:to>
+                                        <p:strVal val="visible"/>
+                                      </p:to>
+                                    </p:set>
+                                  </p:childTnLst>
+                                </p:cTn>
+                              </p:par>
+                            </p:childTnLst>
+                          </p:cTn>
+                        </p:par>
+                      </p:childTnLst>
+                    </p:cTn>
+                  </p:par>
+                  <p:par>
+                    <p:cTn id="7" fill="hold">
+                      <p:stCondLst>
+                        <p:cond delay="indefinite"/>
+                      </p:stCondLst>
+                      <p:childTnLst>
+                        <p:par>
+                          <p:cTn id="8" fill="hold">
+                            <p:stCondLst>
+                              <p:cond delay="0"/>
+                            </p:stCondLst>
+                            <p:childTnLst>
+                              <p:par>
+                                <p:cTn id="9" presetID="1" presetClass="entr" presetSubtype="0" fill="hold" grpId="0" nodeType="clickEffect">
+                                  <p:stCondLst>
+                                    <p:cond delay="0"/>
+                                  </p:stCondLst>
+                                  <p:childTnLst>
+                                    <p:set>
+                                      <p:cBhvr>
+                                        <p:cTn id="10" dur="1" fill="hold">
+                                          <p:stCondLst>
+                                            <p:cond delay="0"/>
+                                          </p:stCondLst>
+                                        </p:cTn>
+                                        <p:tgtEl>
+                                          <p:spTgt spid="4"/>
+                                        </p:tgtEl>
+                                        <p:attrNameLst>
+                                          <p:attrName>style.visibility</p:attrName>
+                                        </p:attrNameLst>
+                                      </p:cBhvr>
+                                      <p:to>
+                                        <p:strVal val="visible"/>
+                                      </p:to>
+                                    </p:set>
+                                  </p:childTnLst>
+                                </p:cTn>
+                              </p:par>
+                            </p:childTnLst>
+                          </p:cTn>
+                        </p:par>
+                      </p:childTnLst>
+                    </p:cTn>
+                  </p:par>
+                </p:childTnLst>
+              </p:cTn>
+              <p:prevCondLst>
+                <p:cond evt="onPrev" delay="0">
+                  <p:tgtEl>
+                    <p:sldTgt/>
+                  </p:tgtEl>
+                </p:cond>
+              </p:prevCondLst>
+              <p:nextCondLst>
+                <p:cond evt="onNext" delay="0">
+                  <p:tgtEl>
+                    <p:sldTgt/>
+                  </p:tgtEl>
+                </p:cond>
+              </p:nextCondLst>
+            </p:seq>
+          </p:childTnLst>
+        </p:cTn>
+      </p:par>
+    </p:tnLst>
+    <p:bldLst>
+      <p:bldP spid="4" grpId="0" animBg="1"/>
+    </p:bldLst>
+  </p:timing>
 </p:sld>
 </file>
 
@@ -10385,7 +10863,7 @@
           <a:p>
             <a:fld id="{9B19E99B-5349-415A-8E56-8E989211A366}" type="datetime1">
               <a:rPr lang="en-US" smtClean="0"/>
-              <a:t>3/21/22</a:t>
+              <a:t>10/23/22</a:t>
             </a:fld>
             <a:endParaRPr lang="en-US"/>
           </a:p>
@@ -10468,7 +10946,7 @@
       </p:grpSpPr>
       <p:sp>
         <p:nvSpPr>
-          <p:cNvPr id="15362" name="Title 1"/>
+          <p:cNvPr id="16386" name="Title 1"/>
           <p:cNvSpPr>
             <a:spLocks noGrp="1"/>
           </p:cNvSpPr>
@@ -10482,15 +10960,15 @@
           <a:lstStyle/>
           <a:p>
             <a:r>
-              <a:rPr lang="en-US" dirty="0"/>
-              <a:t>Time Series Partitioning is not random</a:t>
-            </a:r>
-          </a:p>
-        </p:txBody>
-      </p:sp>
-      <p:sp>
-        <p:nvSpPr>
-          <p:cNvPr id="15363" name="Content Placeholder 2"/>
+              <a:rPr lang="en-US"/>
+              <a:t>Summary	</a:t>
+            </a:r>
+          </a:p>
+        </p:txBody>
+      </p:sp>
+      <p:sp>
+        <p:nvSpPr>
+          <p:cNvPr id="16387" name="Content Placeholder 2"/>
           <p:cNvSpPr>
             <a:spLocks noGrp="1"/>
           </p:cNvSpPr>
@@ -10500,19 +10978,31 @@
         </p:nvSpPr>
         <p:spPr>
           <a:xfrm>
-            <a:off x="2250830" y="1998450"/>
-            <a:ext cx="6712267" cy="3303491"/>
-          </a:xfrm>
-        </p:spPr>
-        <p:txBody>
-          <a:bodyPr>
-            <a:normAutofit/>
-          </a:bodyPr>
-          <a:lstStyle/>
-          <a:p>
-            <a:r>
-              <a:rPr lang="en-US" sz="2000" b="1" dirty="0"/>
-              <a:t>Random partitioning would leave holes in the data, which causes problems</a:t>
+            <a:off x="914400" y="2057400"/>
+            <a:ext cx="7772400" cy="3962400"/>
+          </a:xfrm>
+        </p:spPr>
+        <p:txBody>
+          <a:bodyPr/>
+          <a:lstStyle/>
+          <a:p>
+            <a:pPr>
+              <a:buFont typeface="Wingdings 2" pitchFamily="18" charset="2"/>
+              <a:buNone/>
+            </a:pPr>
+            <a:r>
+              <a:rPr lang="en-US" b="1"/>
+              <a:t>Focus is to predict (not describe/explain)</a:t>
+            </a:r>
+          </a:p>
+          <a:p>
+            <a:pPr>
+              <a:buFont typeface="Wingdings 2" pitchFamily="18" charset="2"/>
+              <a:buNone/>
+            </a:pPr>
+            <a:r>
+              <a:rPr lang="en-US" b="1"/>
+              <a:t>Four components</a:t>
             </a:r>
           </a:p>
           <a:p>
@@ -10521,14 +11011,8 @@
               <a:buNone/>
             </a:pPr>
             <a:r>
-              <a:rPr lang="en-US" sz="1600" dirty="0"/>
-              <a:t>Forecasting methods assume regular sequential data</a:t>
-            </a:r>
-          </a:p>
-          <a:p>
-            <a:r>
-              <a:rPr lang="en-US" sz="2000" b="1" dirty="0"/>
-              <a:t>Instead of random selection, divide data into two parts</a:t>
+              <a:rPr lang="en-US" sz="2000"/>
+              <a:t>Level</a:t>
             </a:r>
           </a:p>
           <a:p>
@@ -10537,8 +11021,8 @@
               <a:buNone/>
             </a:pPr>
             <a:r>
-              <a:rPr lang="en-US" sz="1600" dirty="0"/>
-              <a:t>Train on early data</a:t>
+              <a:rPr lang="en-US" sz="2000"/>
+              <a:t>Trend</a:t>
             </a:r>
           </a:p>
           <a:p>
@@ -10547,27 +11031,8 @@
               <a:buNone/>
             </a:pPr>
             <a:r>
-              <a:rPr lang="en-US" sz="1600" dirty="0"/>
-              <a:t>Validate on later data</a:t>
-            </a:r>
-          </a:p>
-          <a:p>
-            <a:pPr marL="114300" lvl="1" indent="-114300"/>
-            <a:r>
-              <a:rPr lang="en-US" sz="2000" b="1" dirty="0"/>
-              <a:t>Performance can be assessed against the “naïve benchmark” &amp; historical accuracy </a:t>
-            </a:r>
-            <a:r>
-              <a:rPr lang="en-US" sz="1600" dirty="0"/>
-              <a:t> </a:t>
-            </a:r>
-            <a:r>
-              <a:rPr lang="en-US" sz="1600" i="1" dirty="0"/>
-              <a:t>naïve forecast </a:t>
-            </a:r>
-            <a:r>
-              <a:rPr lang="en-US" sz="1600" dirty="0"/>
-              <a:t>is simply the most recent value in the time series </a:t>
+              <a:rPr lang="en-US" sz="2000"/>
+              <a:t>Seasonality</a:t>
             </a:r>
           </a:p>
           <a:p>
@@ -10575,540 +11040,11 @@
               <a:buFont typeface="Wingdings 2" pitchFamily="18" charset="2"/>
               <a:buNone/>
             </a:pPr>
-            <a:endParaRPr lang="en-US" sz="1600" dirty="0"/>
-          </a:p>
-        </p:txBody>
-      </p:sp>
-      <p:grpSp>
-        <p:nvGrpSpPr>
-          <p:cNvPr id="7" name="Group 6"/>
-          <p:cNvGrpSpPr/>
-          <p:nvPr/>
-        </p:nvGrpSpPr>
-        <p:grpSpPr>
-          <a:xfrm rot="5400000">
-            <a:off x="-1226298" y="3141897"/>
-            <a:ext cx="5070649" cy="1358267"/>
-            <a:chOff x="742950" y="4288805"/>
-            <a:chExt cx="7562851" cy="1358267"/>
-          </a:xfrm>
-        </p:grpSpPr>
-        <p:sp>
-          <p:nvSpPr>
-            <p:cNvPr id="2" name="Right Arrow 1"/>
-            <p:cNvSpPr/>
-            <p:nvPr/>
-          </p:nvSpPr>
-          <p:spPr>
-            <a:xfrm>
-              <a:off x="742950" y="5061284"/>
-              <a:ext cx="7548563" cy="585788"/>
-            </a:xfrm>
-            <a:prstGeom prst="rightArrow">
-              <a:avLst/>
-            </a:prstGeom>
-            <a:solidFill>
-              <a:schemeClr val="accent4"/>
-            </a:solidFill>
-            <a:ln>
-              <a:noFill/>
-            </a:ln>
-          </p:spPr>
-          <p:style>
-            <a:lnRef idx="2">
-              <a:schemeClr val="accent1">
-                <a:shade val="50000"/>
-              </a:schemeClr>
-            </a:lnRef>
-            <a:fillRef idx="1">
-              <a:schemeClr val="accent1"/>
-            </a:fillRef>
-            <a:effectRef idx="0">
-              <a:schemeClr val="accent1"/>
-            </a:effectRef>
-            <a:fontRef idx="minor">
-              <a:schemeClr val="lt1"/>
-            </a:fontRef>
-          </p:style>
-          <p:txBody>
-            <a:bodyPr rtlCol="0" anchor="ctr"/>
-            <a:lstStyle/>
-            <a:p>
-              <a:pPr algn="ctr"/>
-              <a:r>
-                <a:rPr lang="en-US" dirty="0"/>
-                <a:t>Temporal Data Points</a:t>
-              </a:r>
-            </a:p>
-          </p:txBody>
-        </p:sp>
-        <p:sp>
-          <p:nvSpPr>
-            <p:cNvPr id="5" name="Right Arrow 4"/>
-            <p:cNvSpPr/>
-            <p:nvPr/>
-          </p:nvSpPr>
-          <p:spPr>
-            <a:xfrm>
-              <a:off x="742951" y="4293389"/>
-              <a:ext cx="7548563" cy="585788"/>
-            </a:xfrm>
-            <a:prstGeom prst="rightArrow">
-              <a:avLst/>
-            </a:prstGeom>
-            <a:solidFill>
-              <a:schemeClr val="accent4"/>
-            </a:solidFill>
-            <a:ln>
-              <a:noFill/>
-            </a:ln>
-          </p:spPr>
-          <p:style>
-            <a:lnRef idx="2">
-              <a:schemeClr val="accent1">
-                <a:shade val="50000"/>
-              </a:schemeClr>
-            </a:lnRef>
-            <a:fillRef idx="1">
-              <a:schemeClr val="accent1"/>
-            </a:fillRef>
-            <a:effectRef idx="0">
-              <a:schemeClr val="accent1"/>
-            </a:effectRef>
-            <a:fontRef idx="minor">
-              <a:schemeClr val="lt1"/>
-            </a:fontRef>
-          </p:style>
-          <p:txBody>
-            <a:bodyPr rtlCol="0" anchor="ctr"/>
-            <a:lstStyle/>
-            <a:p>
-              <a:pPr algn="ctr"/>
-              <a:r>
-                <a:rPr lang="en-US" dirty="0"/>
-                <a:t>Training Data</a:t>
-              </a:r>
-            </a:p>
-          </p:txBody>
-        </p:sp>
-        <p:sp>
-          <p:nvSpPr>
-            <p:cNvPr id="6" name="Right Arrow 5"/>
-            <p:cNvSpPr/>
-            <p:nvPr/>
-          </p:nvSpPr>
-          <p:spPr>
-            <a:xfrm>
-              <a:off x="5757864" y="4288805"/>
-              <a:ext cx="2547937" cy="585788"/>
-            </a:xfrm>
-            <a:prstGeom prst="rightArrow">
-              <a:avLst/>
-            </a:prstGeom>
-            <a:solidFill>
-              <a:schemeClr val="accent3"/>
-            </a:solidFill>
-            <a:ln>
-              <a:noFill/>
-            </a:ln>
-          </p:spPr>
-          <p:style>
-            <a:lnRef idx="2">
-              <a:schemeClr val="accent1">
-                <a:shade val="50000"/>
-              </a:schemeClr>
-            </a:lnRef>
-            <a:fillRef idx="1">
-              <a:schemeClr val="accent1"/>
-            </a:fillRef>
-            <a:effectRef idx="0">
-              <a:schemeClr val="accent1"/>
-            </a:effectRef>
-            <a:fontRef idx="minor">
-              <a:schemeClr val="lt1"/>
-            </a:fontRef>
-          </p:style>
-          <p:txBody>
-            <a:bodyPr rtlCol="0" anchor="ctr"/>
-            <a:lstStyle/>
-            <a:p>
-              <a:pPr algn="ctr"/>
-              <a:r>
-                <a:rPr lang="en-US" dirty="0"/>
-                <a:t>Validation</a:t>
-              </a:r>
-            </a:p>
-          </p:txBody>
-        </p:sp>
-        <p:sp>
-          <p:nvSpPr>
-            <p:cNvPr id="3" name="Isosceles Triangle 2"/>
-            <p:cNvSpPr/>
-            <p:nvPr/>
-          </p:nvSpPr>
-          <p:spPr>
-            <a:xfrm>
-              <a:off x="3569494" y="4872037"/>
-              <a:ext cx="1400174" cy="271463"/>
-            </a:xfrm>
-            <a:prstGeom prst="triangle">
-              <a:avLst/>
-            </a:prstGeom>
-            <a:solidFill>
-              <a:schemeClr val="accent6"/>
-            </a:solidFill>
-            <a:ln>
-              <a:noFill/>
-            </a:ln>
-          </p:spPr>
-          <p:style>
-            <a:lnRef idx="2">
-              <a:schemeClr val="accent1">
-                <a:shade val="50000"/>
-              </a:schemeClr>
-            </a:lnRef>
-            <a:fillRef idx="1">
-              <a:schemeClr val="accent1"/>
-            </a:fillRef>
-            <a:effectRef idx="0">
-              <a:schemeClr val="accent1"/>
-            </a:effectRef>
-            <a:fontRef idx="minor">
-              <a:schemeClr val="lt1"/>
-            </a:fontRef>
-          </p:style>
-          <p:txBody>
-            <a:bodyPr rtlCol="0" anchor="ctr"/>
-            <a:lstStyle/>
-            <a:p>
-              <a:pPr algn="ctr"/>
-              <a:endParaRPr lang="en-US"/>
-            </a:p>
-          </p:txBody>
-        </p:sp>
-      </p:grpSp>
-      <p:sp>
-        <p:nvSpPr>
-          <p:cNvPr id="4" name="Rectangle 3"/>
-          <p:cNvSpPr/>
-          <p:nvPr/>
-        </p:nvSpPr>
-        <p:spPr>
-          <a:xfrm>
-            <a:off x="2250830" y="5743574"/>
-            <a:ext cx="6712267" cy="385763"/>
-          </a:xfrm>
-          <a:prstGeom prst="rect">
-            <a:avLst/>
-          </a:prstGeom>
-          <a:ln>
-            <a:noFill/>
-          </a:ln>
-        </p:spPr>
-        <p:style>
-          <a:lnRef idx="2">
-            <a:schemeClr val="accent1">
-              <a:shade val="50000"/>
-            </a:schemeClr>
-          </a:lnRef>
-          <a:fillRef idx="1">
-            <a:schemeClr val="accent1"/>
-          </a:fillRef>
-          <a:effectRef idx="0">
-            <a:schemeClr val="accent1"/>
-          </a:effectRef>
-          <a:fontRef idx="minor">
-            <a:schemeClr val="lt1"/>
-          </a:fontRef>
-        </p:style>
-        <p:txBody>
-          <a:bodyPr rtlCol="0" anchor="ctr"/>
-          <a:lstStyle/>
-          <a:p>
-            <a:pPr algn="ctr"/>
-            <a:r>
-              <a:rPr lang="en-US" dirty="0"/>
-              <a:t>Sub-setting data with regard to time is called “out of time” sampling.</a:t>
-            </a:r>
-          </a:p>
-        </p:txBody>
-      </p:sp>
-      <p:sp>
-        <p:nvSpPr>
-          <p:cNvPr id="10" name="Date Placeholder 3"/>
-          <p:cNvSpPr>
-            <a:spLocks noGrp="1"/>
-          </p:cNvSpPr>
-          <p:nvPr>
-            <p:ph type="dt" sz="half" idx="10"/>
-          </p:nvPr>
-        </p:nvSpPr>
-        <p:spPr>
-          <a:xfrm>
-            <a:off x="628650" y="6356351"/>
-            <a:ext cx="2057400" cy="365125"/>
-          </a:xfrm>
-        </p:spPr>
-        <p:txBody>
-          <a:bodyPr/>
-          <a:lstStyle/>
-          <a:p>
-            <a:fld id="{D753EFC8-4232-4598-94F6-94C0EBAFC469}" type="datetime1">
-              <a:rPr lang="en-US" smtClean="0"/>
-              <a:t>3/21/22</a:t>
-            </a:fld>
-            <a:endParaRPr lang="en-US"/>
-          </a:p>
-        </p:txBody>
-      </p:sp>
-      <p:sp>
-        <p:nvSpPr>
-          <p:cNvPr id="11" name="Slide Number Placeholder 4"/>
-          <p:cNvSpPr>
-            <a:spLocks noGrp="1"/>
-          </p:cNvSpPr>
-          <p:nvPr>
-            <p:ph type="sldNum" sz="quarter" idx="12"/>
-          </p:nvPr>
-        </p:nvSpPr>
-        <p:spPr>
-          <a:xfrm>
-            <a:off x="6457950" y="6356351"/>
-            <a:ext cx="857250" cy="365125"/>
-          </a:xfrm>
-        </p:spPr>
-        <p:txBody>
-          <a:bodyPr/>
-          <a:lstStyle/>
-          <a:p>
-            <a:r>
-              <a:rPr lang="en-US" dirty="0"/>
-              <a:t>19</a:t>
-            </a:r>
-          </a:p>
-        </p:txBody>
-      </p:sp>
-      <p:sp>
-        <p:nvSpPr>
-          <p:cNvPr id="12" name="Footer Placeholder 5"/>
-          <p:cNvSpPr>
-            <a:spLocks noGrp="1"/>
-          </p:cNvSpPr>
-          <p:nvPr>
-            <p:ph type="ftr" sz="quarter" idx="3"/>
-          </p:nvPr>
-        </p:nvSpPr>
-        <p:spPr>
-          <a:xfrm>
-            <a:off x="3028950" y="6356351"/>
-            <a:ext cx="3086100" cy="365125"/>
-          </a:xfrm>
-        </p:spPr>
-        <p:txBody>
-          <a:bodyPr/>
-          <a:lstStyle/>
-          <a:p>
-            <a:r>
-              <a:rPr lang="en-US" dirty="0"/>
-              <a:t>Kwartler CSCI 96</a:t>
-            </a:r>
-          </a:p>
-        </p:txBody>
-      </p:sp>
-    </p:spTree>
-    <p:extLst>
-      <p:ext uri="{BB962C8B-B14F-4D97-AF65-F5344CB8AC3E}">
-        <p14:creationId xmlns:p14="http://schemas.microsoft.com/office/powerpoint/2010/main" val="2554696910"/>
-      </p:ext>
-    </p:extLst>
-  </p:cSld>
-  <p:clrMapOvr>
-    <a:masterClrMapping/>
-  </p:clrMapOvr>
-  <p:timing>
-    <p:tnLst>
-      <p:par>
-        <p:cTn id="1" dur="indefinite" restart="never" nodeType="tmRoot">
-          <p:childTnLst>
-            <p:seq concurrent="1" nextAc="seek">
-              <p:cTn id="2" dur="indefinite" nodeType="mainSeq">
-                <p:childTnLst>
-                  <p:par>
-                    <p:cTn id="3" fill="hold">
-                      <p:stCondLst>
-                        <p:cond delay="indefinite"/>
-                      </p:stCondLst>
-                      <p:childTnLst>
-                        <p:par>
-                          <p:cTn id="4" fill="hold">
-                            <p:stCondLst>
-                              <p:cond delay="0"/>
-                            </p:stCondLst>
-                            <p:childTnLst>
-                              <p:par>
-                                <p:cTn id="5" presetID="1" presetClass="entr" presetSubtype="0" fill="hold" nodeType="clickEffect">
-                                  <p:stCondLst>
-                                    <p:cond delay="0"/>
-                                  </p:stCondLst>
-                                  <p:childTnLst>
-                                    <p:set>
-                                      <p:cBhvr>
-                                        <p:cTn id="6" dur="1" fill="hold">
-                                          <p:stCondLst>
-                                            <p:cond delay="0"/>
-                                          </p:stCondLst>
-                                        </p:cTn>
-                                        <p:tgtEl>
-                                          <p:spTgt spid="7"/>
-                                        </p:tgtEl>
-                                        <p:attrNameLst>
-                                          <p:attrName>style.visibility</p:attrName>
-                                        </p:attrNameLst>
-                                      </p:cBhvr>
-                                      <p:to>
-                                        <p:strVal val="visible"/>
-                                      </p:to>
-                                    </p:set>
-                                  </p:childTnLst>
-                                </p:cTn>
-                              </p:par>
-                            </p:childTnLst>
-                          </p:cTn>
-                        </p:par>
-                      </p:childTnLst>
-                    </p:cTn>
-                  </p:par>
-                  <p:par>
-                    <p:cTn id="7" fill="hold">
-                      <p:stCondLst>
-                        <p:cond delay="indefinite"/>
-                      </p:stCondLst>
-                      <p:childTnLst>
-                        <p:par>
-                          <p:cTn id="8" fill="hold">
-                            <p:stCondLst>
-                              <p:cond delay="0"/>
-                            </p:stCondLst>
-                            <p:childTnLst>
-                              <p:par>
-                                <p:cTn id="9" presetID="1" presetClass="entr" presetSubtype="0" fill="hold" grpId="0" nodeType="clickEffect">
-                                  <p:stCondLst>
-                                    <p:cond delay="0"/>
-                                  </p:stCondLst>
-                                  <p:childTnLst>
-                                    <p:set>
-                                      <p:cBhvr>
-                                        <p:cTn id="10" dur="1" fill="hold">
-                                          <p:stCondLst>
-                                            <p:cond delay="0"/>
-                                          </p:stCondLst>
-                                        </p:cTn>
-                                        <p:tgtEl>
-                                          <p:spTgt spid="4"/>
-                                        </p:tgtEl>
-                                        <p:attrNameLst>
-                                          <p:attrName>style.visibility</p:attrName>
-                                        </p:attrNameLst>
-                                      </p:cBhvr>
-                                      <p:to>
-                                        <p:strVal val="visible"/>
-                                      </p:to>
-                                    </p:set>
-                                  </p:childTnLst>
-                                </p:cTn>
-                              </p:par>
-                            </p:childTnLst>
-                          </p:cTn>
-                        </p:par>
-                      </p:childTnLst>
-                    </p:cTn>
-                  </p:par>
-                </p:childTnLst>
-              </p:cTn>
-              <p:prevCondLst>
-                <p:cond evt="onPrev" delay="0">
-                  <p:tgtEl>
-                    <p:sldTgt/>
-                  </p:tgtEl>
-                </p:cond>
-              </p:prevCondLst>
-              <p:nextCondLst>
-                <p:cond evt="onNext" delay="0">
-                  <p:tgtEl>
-                    <p:sldTgt/>
-                  </p:tgtEl>
-                </p:cond>
-              </p:nextCondLst>
-            </p:seq>
-          </p:childTnLst>
-        </p:cTn>
-      </p:par>
-    </p:tnLst>
-    <p:bldLst>
-      <p:bldP spid="4" grpId="0" animBg="1"/>
-    </p:bldLst>
-  </p:timing>
-</p:sld>
-</file>
-
-<file path=ppt/slides/slide21.xml><?xml version="1.0" encoding="utf-8"?>
-<p:sld xmlns:a="http://schemas.openxmlformats.org/drawingml/2006/main" xmlns:r="http://schemas.openxmlformats.org/officeDocument/2006/relationships" xmlns:p="http://schemas.openxmlformats.org/presentationml/2006/main">
-  <p:cSld>
-    <p:spTree>
-      <p:nvGrpSpPr>
-        <p:cNvPr id="1" name=""/>
-        <p:cNvGrpSpPr/>
-        <p:nvPr/>
-      </p:nvGrpSpPr>
-      <p:grpSpPr>
-        <a:xfrm>
-          <a:off x="0" y="0"/>
-          <a:ext cx="0" cy="0"/>
-          <a:chOff x="0" y="0"/>
-          <a:chExt cx="0" cy="0"/>
-        </a:xfrm>
-      </p:grpSpPr>
-      <p:sp>
-        <p:nvSpPr>
-          <p:cNvPr id="16386" name="Title 1"/>
-          <p:cNvSpPr>
-            <a:spLocks noGrp="1"/>
-          </p:cNvSpPr>
-          <p:nvPr>
-            <p:ph type="title"/>
-          </p:nvPr>
-        </p:nvSpPr>
-        <p:spPr/>
-        <p:txBody>
-          <a:bodyPr/>
-          <a:lstStyle/>
-          <a:p>
-            <a:r>
-              <a:rPr lang="en-US"/>
-              <a:t>Summary	</a:t>
-            </a:r>
-          </a:p>
-        </p:txBody>
-      </p:sp>
-      <p:sp>
-        <p:nvSpPr>
-          <p:cNvPr id="16387" name="Content Placeholder 2"/>
-          <p:cNvSpPr>
-            <a:spLocks noGrp="1"/>
-          </p:cNvSpPr>
-          <p:nvPr>
-            <p:ph sz="quarter" idx="1"/>
-          </p:nvPr>
-        </p:nvSpPr>
-        <p:spPr>
-          <a:xfrm>
-            <a:off x="914400" y="2057400"/>
-            <a:ext cx="7772400" cy="3962400"/>
-          </a:xfrm>
-        </p:spPr>
-        <p:txBody>
-          <a:bodyPr/>
-          <a:lstStyle/>
+            <a:r>
+              <a:rPr lang="en-US" sz="2000"/>
+              <a:t>Noise</a:t>
+            </a:r>
+          </a:p>
           <a:p>
             <a:pPr>
               <a:buFont typeface="Wingdings 2" pitchFamily="18" charset="2"/>
@@ -11116,66 +11052,6 @@
             </a:pPr>
             <a:r>
               <a:rPr lang="en-US" b="1"/>
-              <a:t>Focus is to predict (not describe/explain)</a:t>
-            </a:r>
-          </a:p>
-          <a:p>
-            <a:pPr>
-              <a:buFont typeface="Wingdings 2" pitchFamily="18" charset="2"/>
-              <a:buNone/>
-            </a:pPr>
-            <a:r>
-              <a:rPr lang="en-US" b="1"/>
-              <a:t>Four components</a:t>
-            </a:r>
-          </a:p>
-          <a:p>
-            <a:pPr lvl="1">
-              <a:buFont typeface="Wingdings 2" pitchFamily="18" charset="2"/>
-              <a:buNone/>
-            </a:pPr>
-            <a:r>
-              <a:rPr lang="en-US" sz="2000"/>
-              <a:t>Level</a:t>
-            </a:r>
-          </a:p>
-          <a:p>
-            <a:pPr lvl="1">
-              <a:buFont typeface="Wingdings 2" pitchFamily="18" charset="2"/>
-              <a:buNone/>
-            </a:pPr>
-            <a:r>
-              <a:rPr lang="en-US" sz="2000"/>
-              <a:t>Trend</a:t>
-            </a:r>
-          </a:p>
-          <a:p>
-            <a:pPr lvl="1">
-              <a:buFont typeface="Wingdings 2" pitchFamily="18" charset="2"/>
-              <a:buNone/>
-            </a:pPr>
-            <a:r>
-              <a:rPr lang="en-US" sz="2000"/>
-              <a:t>Seasonality</a:t>
-            </a:r>
-          </a:p>
-          <a:p>
-            <a:pPr lvl="1">
-              <a:buFont typeface="Wingdings 2" pitchFamily="18" charset="2"/>
-              <a:buNone/>
-            </a:pPr>
-            <a:r>
-              <a:rPr lang="en-US" sz="2000"/>
-              <a:t>Noise</a:t>
-            </a:r>
-          </a:p>
-          <a:p>
-            <a:pPr>
-              <a:buFont typeface="Wingdings 2" pitchFamily="18" charset="2"/>
-              <a:buNone/>
-            </a:pPr>
-            <a:r>
-              <a:rPr lang="en-US" b="1"/>
               <a:t>Partition data by dividing into early/late</a:t>
             </a:r>
           </a:p>
@@ -11206,7 +11082,7 @@
           <a:p>
             <a:fld id="{D753EFC8-4232-4598-94F6-94C0EBAFC469}" type="datetime1">
               <a:rPr lang="en-US" smtClean="0"/>
-              <a:t>3/21/22</a:t>
+              <a:t>10/23/22</a:t>
             </a:fld>
             <a:endParaRPr lang="en-US"/>
           </a:p>
@@ -11279,7 +11155,7 @@
 </p:sld>
 </file>
 
-<file path=ppt/slides/slide22.xml><?xml version="1.0" encoding="utf-8"?>
+<file path=ppt/slides/slide21.xml><?xml version="1.0" encoding="utf-8"?>
 <p:sld xmlns:a="http://schemas.openxmlformats.org/drawingml/2006/main" xmlns:r="http://schemas.openxmlformats.org/officeDocument/2006/relationships" xmlns:p="http://schemas.openxmlformats.org/presentationml/2006/main">
   <p:cSld>
     <p:spTree>
@@ -11304,7 +11180,7 @@
           </p:cNvGraphicFramePr>
           <p:nvPr>
             <p:custDataLst>
-              <p:tags r:id="rId2"/>
+              <p:tags r:id="rId1"/>
             </p:custDataLst>
           </p:nvPr>
         </p:nvGraphicFramePr>
@@ -11316,12 +11192,12 @@
           <a:graphicData uri="http://schemas.openxmlformats.org/presentationml/2006/ole">
             <mc:AlternateContent xmlns:mc="http://schemas.openxmlformats.org/markup-compatibility/2006">
               <mc:Choice xmlns:v="urn:schemas-microsoft-com:vml" Requires="v">
-                <p:oleObj spid="_x0000_s3140" name="think-cell Slide" r:id="rId5" imgW="270" imgH="270" progId="TCLayout.ActiveDocument.1">
+                <p:oleObj name="think-cell Slide" r:id="rId4" imgW="270" imgH="270" progId="TCLayout.ActiveDocument.1">
                   <p:embed/>
                 </p:oleObj>
               </mc:Choice>
               <mc:Fallback>
-                <p:oleObj name="think-cell Slide" r:id="rId5" imgW="270" imgH="270" progId="TCLayout.ActiveDocument.1">
+                <p:oleObj name="think-cell Slide" r:id="rId4" imgW="270" imgH="270" progId="TCLayout.ActiveDocument.1">
                   <p:embed/>
                   <p:pic>
                     <p:nvPicPr>
@@ -11330,7 +11206,7 @@
                       <p:nvPr/>
                     </p:nvPicPr>
                     <p:blipFill>
-                      <a:blip r:embed="rId6"/>
+                      <a:blip r:embed="rId5"/>
                       <a:stretch>
                         <a:fillRect/>
                       </a:stretch>
@@ -11360,7 +11236,7 @@
           <p:nvPr/>
         </p:nvPicPr>
         <p:blipFill rotWithShape="1">
-          <a:blip r:embed="rId7">
+          <a:blip r:embed="rId6">
             <a:extLst>
               <a:ext uri="{28A0092B-C50C-407E-A947-70E740481C1C}">
                 <a14:useLocalDpi xmlns:a14="http://schemas.microsoft.com/office/drawing/2010/main" val="0"/>
@@ -11677,7 +11553,7 @@
           <a:p>
             <a:fld id="{D753EFC8-4232-4598-94F6-94C0EBAFC469}" type="datetime1">
               <a:rPr lang="en-US" smtClean="0"/>
-              <a:t>3/21/22</a:t>
+              <a:t>10/23/22</a:t>
             </a:fld>
             <a:endParaRPr lang="en-US"/>
           </a:p>
@@ -11741,6 +11617,158 @@
     <p:extLst>
       <p:ext uri="{BB962C8B-B14F-4D97-AF65-F5344CB8AC3E}">
         <p14:creationId xmlns:p14="http://schemas.microsoft.com/office/powerpoint/2010/main" val="3126673486"/>
+      </p:ext>
+    </p:extLst>
+  </p:cSld>
+  <p:clrMapOvr>
+    <a:masterClrMapping/>
+  </p:clrMapOvr>
+</p:sld>
+</file>
+
+<file path=ppt/slides/slide22.xml><?xml version="1.0" encoding="utf-8"?>
+<p:sld xmlns:a="http://schemas.openxmlformats.org/drawingml/2006/main" xmlns:r="http://schemas.openxmlformats.org/officeDocument/2006/relationships" xmlns:p="http://schemas.openxmlformats.org/presentationml/2006/main">
+  <p:cSld>
+    <p:spTree>
+      <p:nvGrpSpPr>
+        <p:cNvPr id="1" name=""/>
+        <p:cNvGrpSpPr/>
+        <p:nvPr/>
+      </p:nvGrpSpPr>
+      <p:grpSpPr>
+        <a:xfrm>
+          <a:off x="0" y="0"/>
+          <a:ext cx="0" cy="0"/>
+          <a:chOff x="0" y="0"/>
+          <a:chExt cx="0" cy="0"/>
+        </a:xfrm>
+      </p:grpSpPr>
+      <p:sp>
+        <p:nvSpPr>
+          <p:cNvPr id="2" name="Title 1"/>
+          <p:cNvSpPr>
+            <a:spLocks noGrp="1"/>
+          </p:cNvSpPr>
+          <p:nvPr>
+            <p:ph type="title"/>
+          </p:nvPr>
+        </p:nvSpPr>
+        <p:spPr/>
+        <p:txBody>
+          <a:bodyPr/>
+          <a:lstStyle/>
+          <a:p>
+            <a:r>
+              <a:rPr lang="en-US" dirty="0"/>
+              <a:t>Open </a:t>
+            </a:r>
+            <a:r>
+              <a:rPr lang="en-US" dirty="0" err="1"/>
+              <a:t>B_getRevenueData.R</a:t>
+            </a:r>
+            <a:endParaRPr lang="en-US" dirty="0"/>
+          </a:p>
+        </p:txBody>
+      </p:sp>
+      <p:sp>
+        <p:nvSpPr>
+          <p:cNvPr id="3" name="Content Placeholder 2"/>
+          <p:cNvSpPr>
+            <a:spLocks noGrp="1"/>
+          </p:cNvSpPr>
+          <p:nvPr>
+            <p:ph idx="1"/>
+          </p:nvPr>
+        </p:nvSpPr>
+        <p:spPr>
+          <a:xfrm>
+            <a:off x="660734" y="1464273"/>
+            <a:ext cx="7886700" cy="488853"/>
+          </a:xfrm>
+        </p:spPr>
+        <p:txBody>
+          <a:bodyPr/>
+          <a:lstStyle/>
+          <a:p>
+            <a:r>
+              <a:rPr lang="en-US" dirty="0"/>
+              <a:t>Let’s recent real time series and plot it.</a:t>
+            </a:r>
+          </a:p>
+        </p:txBody>
+      </p:sp>
+      <p:sp>
+        <p:nvSpPr>
+          <p:cNvPr id="4" name="Date Placeholder 3"/>
+          <p:cNvSpPr>
+            <a:spLocks noGrp="1"/>
+          </p:cNvSpPr>
+          <p:nvPr>
+            <p:ph type="dt" sz="half" idx="10"/>
+          </p:nvPr>
+        </p:nvSpPr>
+        <p:spPr/>
+        <p:txBody>
+          <a:bodyPr/>
+          <a:lstStyle/>
+          <a:p>
+            <a:fld id="{D753EFC8-4232-4598-94F6-94C0EBAFC469}" type="datetime1">
+              <a:rPr lang="en-US" smtClean="0"/>
+              <a:t>10/23/22</a:t>
+            </a:fld>
+            <a:endParaRPr lang="en-US"/>
+          </a:p>
+        </p:txBody>
+      </p:sp>
+      <p:sp>
+        <p:nvSpPr>
+          <p:cNvPr id="5" name="Slide Number Placeholder 4"/>
+          <p:cNvSpPr>
+            <a:spLocks noGrp="1"/>
+          </p:cNvSpPr>
+          <p:nvPr>
+            <p:ph type="sldNum" sz="quarter" idx="12"/>
+          </p:nvPr>
+        </p:nvSpPr>
+        <p:spPr/>
+        <p:txBody>
+          <a:bodyPr/>
+          <a:lstStyle/>
+          <a:p>
+            <a:fld id="{37290FF7-652B-4475-AEAB-8B1A5D23AE09}" type="slidenum">
+              <a:rPr lang="en-US" smtClean="0"/>
+              <a:t>22</a:t>
+            </a:fld>
+            <a:endParaRPr lang="en-US"/>
+          </a:p>
+        </p:txBody>
+      </p:sp>
+      <p:sp>
+        <p:nvSpPr>
+          <p:cNvPr id="6" name="Footer Placeholder 5"/>
+          <p:cNvSpPr>
+            <a:spLocks noGrp="1"/>
+          </p:cNvSpPr>
+          <p:nvPr>
+            <p:ph type="ftr" sz="quarter" idx="3"/>
+          </p:nvPr>
+        </p:nvSpPr>
+        <p:spPr/>
+        <p:txBody>
+          <a:bodyPr/>
+          <a:lstStyle/>
+          <a:p>
+            <a:r>
+              <a:rPr lang="en-US" dirty="0"/>
+              <a:t>Kwartler CSCI 96</a:t>
+            </a:r>
+          </a:p>
+        </p:txBody>
+      </p:sp>
+    </p:spTree>
+    <p:extLst>
+      <p:ext uri="{BB962C8B-B14F-4D97-AF65-F5344CB8AC3E}">
+        <p14:creationId xmlns:p14="http://schemas.microsoft.com/office/powerpoint/2010/main" val="89552989"/>
       </p:ext>
     </p:extLst>
   </p:cSld>
@@ -11767,158 +11795,6 @@
           <a:chExt cx="0" cy="0"/>
         </a:xfrm>
       </p:grpSpPr>
-      <p:sp>
-        <p:nvSpPr>
-          <p:cNvPr id="2" name="Title 1"/>
-          <p:cNvSpPr>
-            <a:spLocks noGrp="1"/>
-          </p:cNvSpPr>
-          <p:nvPr>
-            <p:ph type="title"/>
-          </p:nvPr>
-        </p:nvSpPr>
-        <p:spPr/>
-        <p:txBody>
-          <a:bodyPr/>
-          <a:lstStyle/>
-          <a:p>
-            <a:r>
-              <a:rPr lang="en-US" dirty="0"/>
-              <a:t>Open </a:t>
-            </a:r>
-            <a:r>
-              <a:rPr lang="en-US" dirty="0" err="1"/>
-              <a:t>C_getRevenueData.R</a:t>
-            </a:r>
-            <a:endParaRPr lang="en-US" dirty="0"/>
-          </a:p>
-        </p:txBody>
-      </p:sp>
-      <p:sp>
-        <p:nvSpPr>
-          <p:cNvPr id="3" name="Content Placeholder 2"/>
-          <p:cNvSpPr>
-            <a:spLocks noGrp="1"/>
-          </p:cNvSpPr>
-          <p:nvPr>
-            <p:ph idx="1"/>
-          </p:nvPr>
-        </p:nvSpPr>
-        <p:spPr>
-          <a:xfrm>
-            <a:off x="660734" y="1464273"/>
-            <a:ext cx="7886700" cy="488853"/>
-          </a:xfrm>
-        </p:spPr>
-        <p:txBody>
-          <a:bodyPr/>
-          <a:lstStyle/>
-          <a:p>
-            <a:r>
-              <a:rPr lang="en-US" dirty="0"/>
-              <a:t>Let’s grab a time series &amp; plot it</a:t>
-            </a:r>
-          </a:p>
-        </p:txBody>
-      </p:sp>
-      <p:sp>
-        <p:nvSpPr>
-          <p:cNvPr id="4" name="Date Placeholder 3"/>
-          <p:cNvSpPr>
-            <a:spLocks noGrp="1"/>
-          </p:cNvSpPr>
-          <p:nvPr>
-            <p:ph type="dt" sz="half" idx="10"/>
-          </p:nvPr>
-        </p:nvSpPr>
-        <p:spPr/>
-        <p:txBody>
-          <a:bodyPr/>
-          <a:lstStyle/>
-          <a:p>
-            <a:fld id="{D753EFC8-4232-4598-94F6-94C0EBAFC469}" type="datetime1">
-              <a:rPr lang="en-US" smtClean="0"/>
-              <a:t>3/21/22</a:t>
-            </a:fld>
-            <a:endParaRPr lang="en-US"/>
-          </a:p>
-        </p:txBody>
-      </p:sp>
-      <p:sp>
-        <p:nvSpPr>
-          <p:cNvPr id="5" name="Slide Number Placeholder 4"/>
-          <p:cNvSpPr>
-            <a:spLocks noGrp="1"/>
-          </p:cNvSpPr>
-          <p:nvPr>
-            <p:ph type="sldNum" sz="quarter" idx="12"/>
-          </p:nvPr>
-        </p:nvSpPr>
-        <p:spPr/>
-        <p:txBody>
-          <a:bodyPr/>
-          <a:lstStyle/>
-          <a:p>
-            <a:fld id="{37290FF7-652B-4475-AEAB-8B1A5D23AE09}" type="slidenum">
-              <a:rPr lang="en-US" smtClean="0"/>
-              <a:t>23</a:t>
-            </a:fld>
-            <a:endParaRPr lang="en-US"/>
-          </a:p>
-        </p:txBody>
-      </p:sp>
-      <p:sp>
-        <p:nvSpPr>
-          <p:cNvPr id="6" name="Footer Placeholder 5"/>
-          <p:cNvSpPr>
-            <a:spLocks noGrp="1"/>
-          </p:cNvSpPr>
-          <p:nvPr>
-            <p:ph type="ftr" sz="quarter" idx="3"/>
-          </p:nvPr>
-        </p:nvSpPr>
-        <p:spPr/>
-        <p:txBody>
-          <a:bodyPr/>
-          <a:lstStyle/>
-          <a:p>
-            <a:r>
-              <a:rPr lang="en-US" dirty="0"/>
-              <a:t>Kwartler CSCI 96</a:t>
-            </a:r>
-          </a:p>
-        </p:txBody>
-      </p:sp>
-    </p:spTree>
-    <p:extLst>
-      <p:ext uri="{BB962C8B-B14F-4D97-AF65-F5344CB8AC3E}">
-        <p14:creationId xmlns:p14="http://schemas.microsoft.com/office/powerpoint/2010/main" val="89552989"/>
-      </p:ext>
-    </p:extLst>
-  </p:cSld>
-  <p:clrMapOvr>
-    <a:masterClrMapping/>
-  </p:clrMapOvr>
-</p:sld>
-</file>
-
-<file path=ppt/slides/slide24.xml><?xml version="1.0" encoding="utf-8"?>
-<p:sld xmlns:a="http://schemas.openxmlformats.org/drawingml/2006/main" xmlns:r="http://schemas.openxmlformats.org/officeDocument/2006/relationships" xmlns:p="http://schemas.openxmlformats.org/presentationml/2006/main">
-  <p:cSld>
-    <p:spTree>
-      <p:nvGrpSpPr>
-        <p:cNvPr id="1" name=""/>
-        <p:cNvGrpSpPr/>
-        <p:nvPr/>
-      </p:nvGrpSpPr>
-      <p:grpSpPr>
-        <a:xfrm>
-          <a:off x="0" y="0"/>
-          <a:ext cx="0" cy="0"/>
-          <a:chOff x="0" y="0"/>
-          <a:chExt cx="0" cy="0"/>
-        </a:xfrm>
-      </p:grpSpPr>
       <p:graphicFrame>
         <p:nvGraphicFramePr>
           <p:cNvPr id="15" name="Object 14" hidden="1"/>
@@ -11927,7 +11803,7 @@
           </p:cNvGraphicFramePr>
           <p:nvPr>
             <p:custDataLst>
-              <p:tags r:id="rId2"/>
+              <p:tags r:id="rId1"/>
             </p:custDataLst>
           </p:nvPr>
         </p:nvGraphicFramePr>
@@ -11939,12 +11815,12 @@
           <a:graphicData uri="http://schemas.openxmlformats.org/presentationml/2006/ole">
             <mc:AlternateContent xmlns:mc="http://schemas.openxmlformats.org/markup-compatibility/2006">
               <mc:Choice xmlns:v="urn:schemas-microsoft-com:vml" Requires="v">
-                <p:oleObj spid="_x0000_s17471" name="think-cell Slide" r:id="rId5" imgW="270" imgH="270" progId="TCLayout.ActiveDocument.1">
+                <p:oleObj name="think-cell Slide" r:id="rId4" imgW="270" imgH="270" progId="TCLayout.ActiveDocument.1">
                   <p:embed/>
                 </p:oleObj>
               </mc:Choice>
               <mc:Fallback>
-                <p:oleObj name="think-cell Slide" r:id="rId5" imgW="270" imgH="270" progId="TCLayout.ActiveDocument.1">
+                <p:oleObj name="think-cell Slide" r:id="rId4" imgW="270" imgH="270" progId="TCLayout.ActiveDocument.1">
                   <p:embed/>
                   <p:pic>
                     <p:nvPicPr>
@@ -11953,7 +11829,7 @@
                       <p:nvPr/>
                     </p:nvPicPr>
                     <p:blipFill>
-                      <a:blip r:embed="rId6"/>
+                      <a:blip r:embed="rId5"/>
                       <a:stretch>
                         <a:fillRect/>
                       </a:stretch>
@@ -12135,7 +12011,7 @@
           <a:p>
             <a:fld id="{D753EFC8-4232-4598-94F6-94C0EBAFC469}" type="datetime1">
               <a:rPr lang="en-US" smtClean="0"/>
-              <a:t>3/21/22</a:t>
+              <a:t>10/23/22</a:t>
             </a:fld>
             <a:endParaRPr lang="en-US"/>
           </a:p>
@@ -12197,10 +12073,10 @@
       </p:sp>
       <p:pic>
         <p:nvPicPr>
-          <p:cNvPr id="3" name="Picture 2">
+          <p:cNvPr id="5" name="Picture 4">
             <a:extLst>
               <a:ext uri="{FF2B5EF4-FFF2-40B4-BE49-F238E27FC236}">
-                <a16:creationId xmlns:a16="http://schemas.microsoft.com/office/drawing/2014/main" id="{92F7419C-30BD-4543-9C4A-F394191670E7}"/>
+                <a16:creationId xmlns:a16="http://schemas.microsoft.com/office/drawing/2014/main" id="{5045CB26-96B9-985B-E409-BD3E5C349B6D}"/>
               </a:ext>
             </a:extLst>
           </p:cNvPr>
@@ -12209,16 +12085,15 @@
           </p:cNvPicPr>
           <p:nvPr/>
         </p:nvPicPr>
-        <p:blipFill>
-          <a:blip r:embed="rId7"/>
-          <a:stretch>
-            <a:fillRect/>
-          </a:stretch>
+        <p:blipFill rotWithShape="1">
+          <a:blip r:embed="rId6"/>
+          <a:srcRect b="5448"/>
+          <a:stretch/>
         </p:blipFill>
         <p:spPr>
           <a:xfrm>
-            <a:off x="2407076" y="1554644"/>
-            <a:ext cx="4329847" cy="4303229"/>
+            <a:off x="1612557" y="1531952"/>
+            <a:ext cx="5918886" cy="4197340"/>
           </a:xfrm>
           <a:prstGeom prst="rect">
             <a:avLst/>
@@ -12238,7 +12113,7 @@
 </p:sld>
 </file>
 
-<file path=ppt/slides/slide25.xml><?xml version="1.0" encoding="utf-8"?>
+<file path=ppt/slides/slide24.xml><?xml version="1.0" encoding="utf-8"?>
 <p:sld xmlns:a="http://schemas.openxmlformats.org/drawingml/2006/main" xmlns:r="http://schemas.openxmlformats.org/officeDocument/2006/relationships" xmlns:p="http://schemas.openxmlformats.org/presentationml/2006/main">
   <p:cSld>
     <p:spTree>
@@ -12708,7 +12583,7 @@
           <a:p>
             <a:fld id="{9B19E99B-5349-415A-8E56-8E989211A366}" type="datetime1">
               <a:rPr lang="en-US" smtClean="0"/>
-              <a:t>3/21/22</a:t>
+              <a:t>10/23/22</a:t>
             </a:fld>
             <a:endParaRPr lang="en-US"/>
           </a:p>
@@ -12753,7 +12628,7 @@
           <a:p>
             <a:fld id="{37290FF7-652B-4475-AEAB-8B1A5D23AE09}" type="slidenum">
               <a:rPr lang="en-US" smtClean="0"/>
-              <a:t>25</a:t>
+              <a:t>24</a:t>
             </a:fld>
             <a:endParaRPr lang="en-US"/>
           </a:p>
@@ -12772,7 +12647,7 @@
 </p:sld>
 </file>
 
-<file path=ppt/slides/slide26.xml><?xml version="1.0" encoding="utf-8"?>
+<file path=ppt/slides/slide25.xml><?xml version="1.0" encoding="utf-8"?>
 <p:sld xmlns:a="http://schemas.openxmlformats.org/drawingml/2006/main" xmlns:r="http://schemas.openxmlformats.org/officeDocument/2006/relationships" xmlns:p="http://schemas.openxmlformats.org/presentationml/2006/main">
   <p:cSld>
     <p:spTree>
@@ -12797,7 +12672,7 @@
           </p:cNvGraphicFramePr>
           <p:nvPr>
             <p:custDataLst>
-              <p:tags r:id="rId2"/>
+              <p:tags r:id="rId1"/>
             </p:custDataLst>
           </p:nvPr>
         </p:nvGraphicFramePr>
@@ -12809,12 +12684,12 @@
           <a:graphicData uri="http://schemas.openxmlformats.org/presentationml/2006/ole">
             <mc:AlternateContent xmlns:mc="http://schemas.openxmlformats.org/markup-compatibility/2006">
               <mc:Choice xmlns:v="urn:schemas-microsoft-com:vml" Requires="v">
-                <p:oleObj spid="_x0000_s5188" name="think-cell Slide" r:id="rId5" imgW="270" imgH="270" progId="TCLayout.ActiveDocument.1">
+                <p:oleObj name="think-cell Slide" r:id="rId4" imgW="270" imgH="270" progId="TCLayout.ActiveDocument.1">
                   <p:embed/>
                 </p:oleObj>
               </mc:Choice>
               <mc:Fallback>
-                <p:oleObj name="think-cell Slide" r:id="rId5" imgW="270" imgH="270" progId="TCLayout.ActiveDocument.1">
+                <p:oleObj name="think-cell Slide" r:id="rId4" imgW="270" imgH="270" progId="TCLayout.ActiveDocument.1">
                   <p:embed/>
                   <p:pic>
                     <p:nvPicPr>
@@ -12823,7 +12698,7 @@
                       <p:nvPr/>
                     </p:nvPicPr>
                     <p:blipFill>
-                      <a:blip r:embed="rId6"/>
+                      <a:blip r:embed="rId5"/>
                       <a:stretch>
                         <a:fillRect/>
                       </a:stretch>
@@ -13628,7 +13503,7 @@
             <a:pPr algn="ctr"/>
             <a:r>
               <a:rPr lang="en-US" dirty="0"/>
-              <a:t>ARIMA &amp; Linear Model Forecasting is in the Appendix presentation.  </a:t>
+              <a:t>ARIMA &amp; Linear Model Forecasting is in the Appendix presentation &amp; book.  </a:t>
             </a:r>
           </a:p>
         </p:txBody>
@@ -13655,7 +13530,7 @@
           <a:p>
             <a:fld id="{D753EFC8-4232-4598-94F6-94C0EBAFC469}" type="datetime1">
               <a:rPr lang="en-US" smtClean="0"/>
-              <a:t>3/21/22</a:t>
+              <a:t>10/23/22</a:t>
             </a:fld>
             <a:endParaRPr lang="en-US"/>
           </a:p>
@@ -13728,7 +13603,7 @@
 </p:sld>
 </file>
 
-<file path=ppt/slides/slide27.xml><?xml version="1.0" encoding="utf-8"?>
+<file path=ppt/slides/slide26.xml><?xml version="1.0" encoding="utf-8"?>
 <p:sld xmlns:a="http://schemas.openxmlformats.org/drawingml/2006/main" xmlns:r="http://schemas.openxmlformats.org/officeDocument/2006/relationships" xmlns:p="http://schemas.openxmlformats.org/presentationml/2006/main">
   <p:cSld>
     <p:spTree>
@@ -14167,7 +14042,7 @@
           <a:p>
             <a:fld id="{D753EFC8-4232-4598-94F6-94C0EBAFC469}" type="datetime1">
               <a:rPr lang="en-US" smtClean="0"/>
-              <a:t>3/21/22</a:t>
+              <a:t>10/23/22</a:t>
             </a:fld>
             <a:endParaRPr lang="en-US"/>
           </a:p>
@@ -14240,7 +14115,7 @@
 </p:sld>
 </file>
 
-<file path=ppt/slides/slide28.xml><?xml version="1.0" encoding="utf-8"?>
+<file path=ppt/slides/slide27.xml><?xml version="1.0" encoding="utf-8"?>
 <p:sld xmlns:a="http://schemas.openxmlformats.org/drawingml/2006/main" xmlns:r="http://schemas.openxmlformats.org/officeDocument/2006/relationships" xmlns:p="http://schemas.openxmlformats.org/presentationml/2006/main">
   <p:cSld>
     <p:spTree>
@@ -14296,7 +14171,7 @@
           <a:p>
             <a:fld id="{D753EFC8-4232-4598-94F6-94C0EBAFC469}" type="datetime1">
               <a:rPr lang="en-US" smtClean="0"/>
-              <a:t>3/21/22</a:t>
+              <a:t>10/23/22</a:t>
             </a:fld>
             <a:endParaRPr lang="en-US"/>
           </a:p>
@@ -14319,7 +14194,7 @@
           <a:p>
             <a:fld id="{37290FF7-652B-4475-AEAB-8B1A5D23AE09}" type="slidenum">
               <a:rPr lang="en-US" smtClean="0"/>
-              <a:t>28</a:t>
+              <a:t>27</a:t>
             </a:fld>
             <a:endParaRPr lang="en-US"/>
           </a:p>
@@ -14569,6 +14444,288 @@
 </p:sld>
 </file>
 
+<file path=ppt/slides/slide28.xml><?xml version="1.0" encoding="utf-8"?>
+<p:sld xmlns:a="http://schemas.openxmlformats.org/drawingml/2006/main" xmlns:r="http://schemas.openxmlformats.org/officeDocument/2006/relationships" xmlns:p="http://schemas.openxmlformats.org/presentationml/2006/main">
+  <p:cSld>
+    <p:spTree>
+      <p:nvGrpSpPr>
+        <p:cNvPr id="1" name=""/>
+        <p:cNvGrpSpPr/>
+        <p:nvPr/>
+      </p:nvGrpSpPr>
+      <p:grpSpPr>
+        <a:xfrm>
+          <a:off x="0" y="0"/>
+          <a:ext cx="0" cy="0"/>
+          <a:chOff x="0" y="0"/>
+          <a:chExt cx="0" cy="0"/>
+        </a:xfrm>
+      </p:grpSpPr>
+      <p:sp>
+        <p:nvSpPr>
+          <p:cNvPr id="2" name="Title 1"/>
+          <p:cNvSpPr>
+            <a:spLocks noGrp="1"/>
+          </p:cNvSpPr>
+          <p:nvPr>
+            <p:ph type="title"/>
+          </p:nvPr>
+        </p:nvSpPr>
+        <p:spPr/>
+        <p:txBody>
+          <a:bodyPr/>
+          <a:lstStyle/>
+          <a:p>
+            <a:r>
+              <a:rPr lang="en-US" dirty="0"/>
+              <a:t>Naïve Forecast - Mean</a:t>
+            </a:r>
+          </a:p>
+        </p:txBody>
+      </p:sp>
+      <p:sp>
+        <p:nvSpPr>
+          <p:cNvPr id="4" name="Date Placeholder 3"/>
+          <p:cNvSpPr>
+            <a:spLocks noGrp="1"/>
+          </p:cNvSpPr>
+          <p:nvPr>
+            <p:ph type="dt" sz="half" idx="10"/>
+          </p:nvPr>
+        </p:nvSpPr>
+        <p:spPr/>
+        <p:txBody>
+          <a:bodyPr/>
+          <a:lstStyle/>
+          <a:p>
+            <a:fld id="{D753EFC8-4232-4598-94F6-94C0EBAFC469}" type="datetime1">
+              <a:rPr lang="en-US" smtClean="0"/>
+              <a:t>10/23/22</a:t>
+            </a:fld>
+            <a:endParaRPr lang="en-US"/>
+          </a:p>
+        </p:txBody>
+      </p:sp>
+      <p:sp>
+        <p:nvSpPr>
+          <p:cNvPr id="5" name="Slide Number Placeholder 4"/>
+          <p:cNvSpPr>
+            <a:spLocks noGrp="1"/>
+          </p:cNvSpPr>
+          <p:nvPr>
+            <p:ph type="sldNum" sz="quarter" idx="12"/>
+          </p:nvPr>
+        </p:nvSpPr>
+        <p:spPr/>
+        <p:txBody>
+          <a:bodyPr/>
+          <a:lstStyle/>
+          <a:p>
+            <a:fld id="{37290FF7-652B-4475-AEAB-8B1A5D23AE09}" type="slidenum">
+              <a:rPr lang="en-US" smtClean="0"/>
+              <a:t>28</a:t>
+            </a:fld>
+            <a:endParaRPr lang="en-US"/>
+          </a:p>
+        </p:txBody>
+      </p:sp>
+      <p:sp>
+        <p:nvSpPr>
+          <p:cNvPr id="6" name="Footer Placeholder 5"/>
+          <p:cNvSpPr>
+            <a:spLocks noGrp="1"/>
+          </p:cNvSpPr>
+          <p:nvPr>
+            <p:ph type="ftr" sz="quarter" idx="3"/>
+          </p:nvPr>
+        </p:nvSpPr>
+        <p:spPr/>
+        <p:txBody>
+          <a:bodyPr/>
+          <a:lstStyle/>
+          <a:p>
+            <a:r>
+              <a:rPr lang="en-US" dirty="0"/>
+              <a:t>Kwartler CSCI 96</a:t>
+            </a:r>
+          </a:p>
+        </p:txBody>
+      </p:sp>
+      <p:sp>
+        <p:nvSpPr>
+          <p:cNvPr id="13" name="TextBox 12"/>
+          <p:cNvSpPr txBox="1"/>
+          <p:nvPr/>
+        </p:nvSpPr>
+        <p:spPr>
+          <a:xfrm>
+            <a:off x="6110783" y="1992574"/>
+            <a:ext cx="2647666" cy="923330"/>
+          </a:xfrm>
+          <a:prstGeom prst="rect">
+            <a:avLst/>
+          </a:prstGeom>
+          <a:solidFill>
+            <a:schemeClr val="accent5"/>
+          </a:solidFill>
+        </p:spPr>
+        <p:txBody>
+          <a:bodyPr wrap="square" rtlCol="0">
+            <a:spAutoFit/>
+          </a:bodyPr>
+          <a:lstStyle/>
+          <a:p>
+            <a:r>
+              <a:rPr lang="en-US" dirty="0"/>
+              <a:t>Takes the mean for the series and repeats as future forecasts.</a:t>
+            </a:r>
+          </a:p>
+        </p:txBody>
+      </p:sp>
+      <p:sp>
+        <p:nvSpPr>
+          <p:cNvPr id="14" name="TextBox 13"/>
+          <p:cNvSpPr txBox="1"/>
+          <p:nvPr/>
+        </p:nvSpPr>
+        <p:spPr>
+          <a:xfrm>
+            <a:off x="6110783" y="3152129"/>
+            <a:ext cx="2647666" cy="369332"/>
+          </a:xfrm>
+          <a:prstGeom prst="rect">
+            <a:avLst/>
+          </a:prstGeom>
+          <a:solidFill>
+            <a:schemeClr val="accent5"/>
+          </a:solidFill>
+        </p:spPr>
+        <p:txBody>
+          <a:bodyPr wrap="square" rtlCol="0">
+            <a:spAutoFit/>
+          </a:bodyPr>
+          <a:lstStyle/>
+          <a:p>
+            <a:r>
+              <a:rPr lang="en-US" dirty="0"/>
+              <a:t>Does this look accurate?</a:t>
+            </a:r>
+          </a:p>
+        </p:txBody>
+      </p:sp>
+      <p:sp>
+        <p:nvSpPr>
+          <p:cNvPr id="15" name="TextBox 14"/>
+          <p:cNvSpPr txBox="1"/>
+          <p:nvPr/>
+        </p:nvSpPr>
+        <p:spPr>
+          <a:xfrm>
+            <a:off x="6110783" y="3757685"/>
+            <a:ext cx="2647666" cy="646331"/>
+          </a:xfrm>
+          <a:prstGeom prst="rect">
+            <a:avLst/>
+          </a:prstGeom>
+          <a:solidFill>
+            <a:schemeClr val="accent5"/>
+          </a:solidFill>
+        </p:spPr>
+        <p:txBody>
+          <a:bodyPr wrap="square" rtlCol="0">
+            <a:spAutoFit/>
+          </a:bodyPr>
+          <a:lstStyle/>
+          <a:p>
+            <a:r>
+              <a:rPr lang="en-US" dirty="0"/>
+              <a:t>When would this be appropriate?</a:t>
+            </a:r>
+          </a:p>
+        </p:txBody>
+      </p:sp>
+      <p:sp>
+        <p:nvSpPr>
+          <p:cNvPr id="16" name="Isosceles Triangle 15"/>
+          <p:cNvSpPr/>
+          <p:nvPr/>
+        </p:nvSpPr>
+        <p:spPr>
+          <a:xfrm rot="5400000">
+            <a:off x="3944202" y="3493828"/>
+            <a:ext cx="3930554" cy="327548"/>
+          </a:xfrm>
+          <a:prstGeom prst="triangle">
+            <a:avLst/>
+          </a:prstGeom>
+        </p:spPr>
+        <p:style>
+          <a:lnRef idx="2">
+            <a:schemeClr val="accent1">
+              <a:shade val="50000"/>
+            </a:schemeClr>
+          </a:lnRef>
+          <a:fillRef idx="1">
+            <a:schemeClr val="accent1"/>
+          </a:fillRef>
+          <a:effectRef idx="0">
+            <a:schemeClr val="accent1"/>
+          </a:effectRef>
+          <a:fontRef idx="minor">
+            <a:schemeClr val="lt1"/>
+          </a:fontRef>
+        </p:style>
+        <p:txBody>
+          <a:bodyPr rtlCol="0" anchor="ctr"/>
+          <a:lstStyle/>
+          <a:p>
+            <a:pPr algn="ctr"/>
+            <a:endParaRPr lang="en-US"/>
+          </a:p>
+        </p:txBody>
+      </p:sp>
+      <p:pic>
+        <p:nvPicPr>
+          <p:cNvPr id="3" name="Picture 2"/>
+          <p:cNvPicPr>
+            <a:picLocks noChangeAspect="1"/>
+          </p:cNvPicPr>
+          <p:nvPr/>
+        </p:nvPicPr>
+        <p:blipFill>
+          <a:blip r:embed="rId2"/>
+          <a:stretch>
+            <a:fillRect/>
+          </a:stretch>
+        </p:blipFill>
+        <p:spPr>
+          <a:xfrm>
+            <a:off x="347914" y="1719011"/>
+            <a:ext cx="5232492" cy="3799473"/>
+          </a:xfrm>
+          <a:prstGeom prst="rect">
+            <a:avLst/>
+          </a:prstGeom>
+          <a:ln>
+            <a:solidFill>
+              <a:schemeClr val="tx1"/>
+            </a:solidFill>
+          </a:ln>
+        </p:spPr>
+      </p:pic>
+    </p:spTree>
+    <p:extLst>
+      <p:ext uri="{BB962C8B-B14F-4D97-AF65-F5344CB8AC3E}">
+        <p14:creationId xmlns:p14="http://schemas.microsoft.com/office/powerpoint/2010/main" val="30219645"/>
+      </p:ext>
+    </p:extLst>
+  </p:cSld>
+  <p:clrMapOvr>
+    <a:masterClrMapping/>
+  </p:clrMapOvr>
+</p:sld>
+</file>
+
 <file path=ppt/slides/slide29.xml><?xml version="1.0" encoding="utf-8"?>
 <p:sld xmlns:a="http://schemas.openxmlformats.org/drawingml/2006/main" xmlns:r="http://schemas.openxmlformats.org/officeDocument/2006/relationships" xmlns:p="http://schemas.openxmlformats.org/presentationml/2006/main">
   <p:cSld>
@@ -14588,7 +14745,13 @@
       </p:grpSpPr>
       <p:sp>
         <p:nvSpPr>
-          <p:cNvPr id="2" name="Title 1"/>
+          <p:cNvPr id="2" name="Title 1">
+            <a:extLst>
+              <a:ext uri="{FF2B5EF4-FFF2-40B4-BE49-F238E27FC236}">
+                <a16:creationId xmlns:a16="http://schemas.microsoft.com/office/drawing/2014/main" id="{5533E071-0ADE-9A4E-A6F7-62FB33F085AF}"/>
+              </a:ext>
+            </a:extLst>
+          </p:cNvPr>
           <p:cNvSpPr>
             <a:spLocks noGrp="1"/>
           </p:cNvSpPr>
@@ -14596,21 +14759,32 @@
             <p:ph type="title"/>
           </p:nvPr>
         </p:nvSpPr>
-        <p:spPr/>
+        <p:spPr>
+          <a:xfrm>
+            <a:off x="0" y="365126"/>
+            <a:ext cx="9144000" cy="591477"/>
+          </a:xfrm>
+        </p:spPr>
         <p:txBody>
           <a:bodyPr/>
           <a:lstStyle/>
           <a:p>
             <a:r>
-              <a:rPr lang="en-US" dirty="0"/>
-              <a:t>Naïve Forecast - Mean</a:t>
-            </a:r>
-          </a:p>
-        </p:txBody>
-      </p:sp>
-      <p:sp>
-        <p:nvSpPr>
-          <p:cNvPr id="4" name="Date Placeholder 3"/>
+              <a:rPr lang="en-US" sz="2800" dirty="0"/>
+              <a:t>Naïve Mean doesn’t look good but sometimes is relevant.</a:t>
+            </a:r>
+          </a:p>
+        </p:txBody>
+      </p:sp>
+      <p:sp>
+        <p:nvSpPr>
+          <p:cNvPr id="4" name="Date Placeholder 3">
+            <a:extLst>
+              <a:ext uri="{FF2B5EF4-FFF2-40B4-BE49-F238E27FC236}">
+                <a16:creationId xmlns:a16="http://schemas.microsoft.com/office/drawing/2014/main" id="{F75BC2AE-E38D-FB48-8B3F-2923EA9D858D}"/>
+              </a:ext>
+            </a:extLst>
+          </p:cNvPr>
           <p:cNvSpPr>
             <a:spLocks noGrp="1"/>
           </p:cNvSpPr>
@@ -14625,7 +14799,7 @@
           <a:p>
             <a:fld id="{D753EFC8-4232-4598-94F6-94C0EBAFC469}" type="datetime1">
               <a:rPr lang="en-US" smtClean="0"/>
-              <a:t>3/21/22</a:t>
+              <a:t>10/23/22</a:t>
             </a:fld>
             <a:endParaRPr lang="en-US"/>
           </a:p>
@@ -14633,7 +14807,13 @@
       </p:sp>
       <p:sp>
         <p:nvSpPr>
-          <p:cNvPr id="5" name="Slide Number Placeholder 4"/>
+          <p:cNvPr id="5" name="Slide Number Placeholder 4">
+            <a:extLst>
+              <a:ext uri="{FF2B5EF4-FFF2-40B4-BE49-F238E27FC236}">
+                <a16:creationId xmlns:a16="http://schemas.microsoft.com/office/drawing/2014/main" id="{FA6E5CC1-A103-AF4F-BFAE-18737C6E816F}"/>
+              </a:ext>
+            </a:extLst>
+          </p:cNvPr>
           <p:cNvSpPr>
             <a:spLocks noGrp="1"/>
           </p:cNvSpPr>
@@ -14656,7 +14836,13 @@
       </p:sp>
       <p:sp>
         <p:nvSpPr>
-          <p:cNvPr id="6" name="Footer Placeholder 5"/>
+          <p:cNvPr id="6" name="Footer Placeholder 5">
+            <a:extLst>
+              <a:ext uri="{FF2B5EF4-FFF2-40B4-BE49-F238E27FC236}">
+                <a16:creationId xmlns:a16="http://schemas.microsoft.com/office/drawing/2014/main" id="{DA41FE2B-BB90-A449-96F5-D8765AD35723}"/>
+              </a:ext>
+            </a:extLst>
+          </p:cNvPr>
           <p:cNvSpPr>
             <a:spLocks noGrp="1"/>
           </p:cNvSpPr>
@@ -14670,117 +14856,61 @@
           <a:lstStyle/>
           <a:p>
             <a:r>
-              <a:rPr lang="en-US" dirty="0"/>
+              <a:rPr lang="en-US"/>
               <a:t>Kwartler CSCI 96</a:t>
             </a:r>
-          </a:p>
-        </p:txBody>
-      </p:sp>
-      <p:sp>
-        <p:nvSpPr>
-          <p:cNvPr id="13" name="TextBox 12"/>
-          <p:cNvSpPr txBox="1"/>
+            <a:endParaRPr lang="en-US" dirty="0"/>
+          </a:p>
+        </p:txBody>
+      </p:sp>
+      <p:pic>
+        <p:nvPicPr>
+          <p:cNvPr id="7" name="Picture 6">
+            <a:extLst>
+              <a:ext uri="{FF2B5EF4-FFF2-40B4-BE49-F238E27FC236}">
+                <a16:creationId xmlns:a16="http://schemas.microsoft.com/office/drawing/2014/main" id="{DB1B65AF-834B-2742-B418-7D6574CCC900}"/>
+              </a:ext>
+            </a:extLst>
+          </p:cNvPr>
+          <p:cNvPicPr>
+            <a:picLocks noChangeAspect="1"/>
+          </p:cNvPicPr>
           <p:nvPr/>
-        </p:nvSpPr>
-        <p:spPr>
-          <a:xfrm>
-            <a:off x="6110783" y="1992574"/>
-            <a:ext cx="2647666" cy="923330"/>
+        </p:nvPicPr>
+        <p:blipFill>
+          <a:blip r:embed="rId2"/>
+          <a:stretch>
+            <a:fillRect/>
+          </a:stretch>
+        </p:blipFill>
+        <p:spPr>
+          <a:xfrm>
+            <a:off x="120511" y="1311713"/>
+            <a:ext cx="8807092" cy="3935536"/>
           </a:xfrm>
           <a:prstGeom prst="rect">
             <a:avLst/>
           </a:prstGeom>
-          <a:solidFill>
-            <a:schemeClr val="accent5"/>
-          </a:solidFill>
-        </p:spPr>
-        <p:txBody>
-          <a:bodyPr wrap="square" rtlCol="0">
-            <a:spAutoFit/>
-          </a:bodyPr>
-          <a:lstStyle/>
-          <a:p>
-            <a:r>
-              <a:rPr lang="en-US" dirty="0"/>
-              <a:t>Takes the mean for the series and repeats as future forecasts.</a:t>
-            </a:r>
-          </a:p>
-        </p:txBody>
-      </p:sp>
-      <p:sp>
-        <p:nvSpPr>
-          <p:cNvPr id="14" name="TextBox 13"/>
-          <p:cNvSpPr txBox="1"/>
-          <p:nvPr/>
-        </p:nvSpPr>
-        <p:spPr>
-          <a:xfrm>
-            <a:off x="6110783" y="3152129"/>
-            <a:ext cx="2647666" cy="369332"/>
-          </a:xfrm>
-          <a:prstGeom prst="rect">
-            <a:avLst/>
-          </a:prstGeom>
-          <a:solidFill>
-            <a:schemeClr val="accent5"/>
-          </a:solidFill>
-        </p:spPr>
-        <p:txBody>
-          <a:bodyPr wrap="square" rtlCol="0">
-            <a:spAutoFit/>
-          </a:bodyPr>
-          <a:lstStyle/>
-          <a:p>
-            <a:r>
-              <a:rPr lang="en-US" dirty="0"/>
-              <a:t>Does this look accurate?</a:t>
-            </a:r>
-          </a:p>
-        </p:txBody>
-      </p:sp>
-      <p:sp>
-        <p:nvSpPr>
-          <p:cNvPr id="15" name="TextBox 14"/>
-          <p:cNvSpPr txBox="1"/>
-          <p:nvPr/>
-        </p:nvSpPr>
-        <p:spPr>
-          <a:xfrm>
-            <a:off x="6110783" y="3757685"/>
-            <a:ext cx="2647666" cy="646331"/>
-          </a:xfrm>
-          <a:prstGeom prst="rect">
-            <a:avLst/>
-          </a:prstGeom>
-          <a:solidFill>
-            <a:schemeClr val="accent5"/>
-          </a:solidFill>
-        </p:spPr>
-        <p:txBody>
-          <a:bodyPr wrap="square" rtlCol="0">
-            <a:spAutoFit/>
-          </a:bodyPr>
-          <a:lstStyle/>
-          <a:p>
-            <a:r>
-              <a:rPr lang="en-US" dirty="0"/>
-              <a:t>When would this be appropriate?</a:t>
-            </a:r>
-          </a:p>
-        </p:txBody>
-      </p:sp>
-      <p:sp>
-        <p:nvSpPr>
-          <p:cNvPr id="16" name="Isosceles Triangle 15"/>
+        </p:spPr>
+      </p:pic>
+      <p:sp>
+        <p:nvSpPr>
+          <p:cNvPr id="10" name="Rectangle 9">
+            <a:extLst>
+              <a:ext uri="{FF2B5EF4-FFF2-40B4-BE49-F238E27FC236}">
+                <a16:creationId xmlns:a16="http://schemas.microsoft.com/office/drawing/2014/main" id="{E6826E4F-52EE-114E-B68F-D41CE4F007E0}"/>
+              </a:ext>
+            </a:extLst>
+          </p:cNvPr>
           <p:cNvSpPr/>
           <p:nvPr/>
         </p:nvSpPr>
         <p:spPr>
-          <a:xfrm rot="5400000">
-            <a:off x="3944202" y="3493828"/>
-            <a:ext cx="3930554" cy="327548"/>
-          </a:xfrm>
-          <a:prstGeom prst="triangle">
+          <a:xfrm>
+            <a:off x="368968" y="5614738"/>
+            <a:ext cx="8486274" cy="561474"/>
+          </a:xfrm>
+          <a:prstGeom prst="rect">
             <a:avLst/>
           </a:prstGeom>
         </p:spPr>
@@ -14805,43 +14935,24 @@
           <a:lstStyle/>
           <a:p>
             <a:pPr algn="ctr"/>
-            <a:endParaRPr lang="en-US"/>
-          </a:p>
-        </p:txBody>
-      </p:sp>
-      <p:pic>
-        <p:nvPicPr>
-          <p:cNvPr id="3" name="Picture 2"/>
-          <p:cNvPicPr>
-            <a:picLocks noChangeAspect="1"/>
-          </p:cNvPicPr>
-          <p:nvPr/>
-        </p:nvPicPr>
-        <p:blipFill>
-          <a:blip r:embed="rId2"/>
-          <a:stretch>
-            <a:fillRect/>
-          </a:stretch>
-        </p:blipFill>
-        <p:spPr>
-          <a:xfrm>
-            <a:off x="347914" y="1719011"/>
-            <a:ext cx="5232492" cy="3799473"/>
-          </a:xfrm>
-          <a:prstGeom prst="rect">
-            <a:avLst/>
-          </a:prstGeom>
-          <a:ln>
-            <a:solidFill>
-              <a:schemeClr val="tx1"/>
-            </a:solidFill>
-          </a:ln>
-        </p:spPr>
-      </p:pic>
+            <a:r>
+              <a:rPr lang="en-US" dirty="0"/>
+              <a:t>Series in a range with some underlying stability</a:t>
+            </a:r>
+          </a:p>
+          <a:p>
+            <a:pPr algn="ctr"/>
+            <a:r>
+              <a:rPr lang="en-US" dirty="0"/>
+              <a:t> (steel producers are usually a stable business)</a:t>
+            </a:r>
+          </a:p>
+        </p:txBody>
+      </p:sp>
     </p:spTree>
     <p:extLst>
       <p:ext uri="{BB962C8B-B14F-4D97-AF65-F5344CB8AC3E}">
-        <p14:creationId xmlns:p14="http://schemas.microsoft.com/office/powerpoint/2010/main" val="30219645"/>
+        <p14:creationId xmlns:p14="http://schemas.microsoft.com/office/powerpoint/2010/main" val="4046325887"/>
       </p:ext>
     </p:extLst>
   </p:cSld>
@@ -14891,7 +15002,7 @@
           <a:p>
             <a:fld id="{6700A58B-DD98-43D0-B791-721480A02982}" type="datetime1">
               <a:rPr lang="en-US" smtClean="0"/>
-              <a:t>3/21/22</a:t>
+              <a:t>10/23/22</a:t>
             </a:fld>
             <a:endParaRPr lang="en-US"/>
           </a:p>
@@ -15287,13 +15398,7 @@
       </p:grpSpPr>
       <p:sp>
         <p:nvSpPr>
-          <p:cNvPr id="2" name="Title 1">
-            <a:extLst>
-              <a:ext uri="{FF2B5EF4-FFF2-40B4-BE49-F238E27FC236}">
-                <a16:creationId xmlns:a16="http://schemas.microsoft.com/office/drawing/2014/main" id="{5533E071-0ADE-9A4E-A6F7-62FB33F085AF}"/>
-              </a:ext>
-            </a:extLst>
-          </p:cNvPr>
+          <p:cNvPr id="2" name="Title 1"/>
           <p:cNvSpPr>
             <a:spLocks noGrp="1"/>
           </p:cNvSpPr>
@@ -15301,32 +15406,21 @@
             <p:ph type="title"/>
           </p:nvPr>
         </p:nvSpPr>
-        <p:spPr>
-          <a:xfrm>
-            <a:off x="0" y="365126"/>
-            <a:ext cx="9144000" cy="591477"/>
-          </a:xfrm>
-        </p:spPr>
+        <p:spPr/>
         <p:txBody>
           <a:bodyPr/>
           <a:lstStyle/>
           <a:p>
             <a:r>
-              <a:rPr lang="en-US" sz="2800" dirty="0"/>
-              <a:t>Naïve Mean doesn’t look good but sometimes is relevant.</a:t>
-            </a:r>
-          </a:p>
-        </p:txBody>
-      </p:sp>
-      <p:sp>
-        <p:nvSpPr>
-          <p:cNvPr id="4" name="Date Placeholder 3">
-            <a:extLst>
-              <a:ext uri="{FF2B5EF4-FFF2-40B4-BE49-F238E27FC236}">
-                <a16:creationId xmlns:a16="http://schemas.microsoft.com/office/drawing/2014/main" id="{F75BC2AE-E38D-FB48-8B3F-2923EA9D858D}"/>
-              </a:ext>
-            </a:extLst>
-          </p:cNvPr>
+              <a:rPr lang="en-US" dirty="0"/>
+              <a:t>Revisiting Naïve Forecast - Mean</a:t>
+            </a:r>
+          </a:p>
+        </p:txBody>
+      </p:sp>
+      <p:sp>
+        <p:nvSpPr>
+          <p:cNvPr id="4" name="Date Placeholder 3"/>
           <p:cNvSpPr>
             <a:spLocks noGrp="1"/>
           </p:cNvSpPr>
@@ -15341,7 +15435,7 @@
           <a:p>
             <a:fld id="{D753EFC8-4232-4598-94F6-94C0EBAFC469}" type="datetime1">
               <a:rPr lang="en-US" smtClean="0"/>
-              <a:t>3/21/22</a:t>
+              <a:t>10/23/22</a:t>
             </a:fld>
             <a:endParaRPr lang="en-US"/>
           </a:p>
@@ -15349,13 +15443,7 @@
       </p:sp>
       <p:sp>
         <p:nvSpPr>
-          <p:cNvPr id="5" name="Slide Number Placeholder 4">
-            <a:extLst>
-              <a:ext uri="{FF2B5EF4-FFF2-40B4-BE49-F238E27FC236}">
-                <a16:creationId xmlns:a16="http://schemas.microsoft.com/office/drawing/2014/main" id="{FA6E5CC1-A103-AF4F-BFAE-18737C6E816F}"/>
-              </a:ext>
-            </a:extLst>
-          </p:cNvPr>
+          <p:cNvPr id="5" name="Slide Number Placeholder 4"/>
           <p:cNvSpPr>
             <a:spLocks noGrp="1"/>
           </p:cNvSpPr>
@@ -15378,13 +15466,7 @@
       </p:sp>
       <p:sp>
         <p:nvSpPr>
-          <p:cNvPr id="6" name="Footer Placeholder 5">
-            <a:extLst>
-              <a:ext uri="{FF2B5EF4-FFF2-40B4-BE49-F238E27FC236}">
-                <a16:creationId xmlns:a16="http://schemas.microsoft.com/office/drawing/2014/main" id="{DA41FE2B-BB90-A449-96F5-D8765AD35723}"/>
-              </a:ext>
-            </a:extLst>
-          </p:cNvPr>
+          <p:cNvPr id="6" name="Footer Placeholder 5"/>
           <p:cNvSpPr>
             <a:spLocks noGrp="1"/>
           </p:cNvSpPr>
@@ -15398,22 +15480,15 @@
           <a:lstStyle/>
           <a:p>
             <a:r>
-              <a:rPr lang="en-US"/>
+              <a:rPr lang="en-US" dirty="0"/>
               <a:t>Kwartler CSCI 96</a:t>
             </a:r>
-            <a:endParaRPr lang="en-US" dirty="0"/>
           </a:p>
         </p:txBody>
       </p:sp>
       <p:pic>
         <p:nvPicPr>
-          <p:cNvPr id="7" name="Picture 6">
-            <a:extLst>
-              <a:ext uri="{FF2B5EF4-FFF2-40B4-BE49-F238E27FC236}">
-                <a16:creationId xmlns:a16="http://schemas.microsoft.com/office/drawing/2014/main" id="{DB1B65AF-834B-2742-B418-7D6574CCC900}"/>
-              </a:ext>
-            </a:extLst>
-          </p:cNvPr>
+          <p:cNvPr id="11" name="Picture 10"/>
           <p:cNvPicPr>
             <a:picLocks noChangeAspect="1"/>
           </p:cNvPicPr>
@@ -15427,32 +15502,62 @@
         </p:blipFill>
         <p:spPr>
           <a:xfrm>
-            <a:off x="120511" y="1311713"/>
-            <a:ext cx="8807092" cy="3935536"/>
+            <a:off x="425588" y="1610438"/>
+            <a:ext cx="5210937" cy="4368766"/>
           </a:xfrm>
           <a:prstGeom prst="rect">
             <a:avLst/>
           </a:prstGeom>
+          <a:ln>
+            <a:solidFill>
+              <a:schemeClr val="accent4"/>
+            </a:solidFill>
+          </a:ln>
         </p:spPr>
       </p:pic>
       <p:sp>
         <p:nvSpPr>
-          <p:cNvPr id="10" name="Rectangle 9">
-            <a:extLst>
-              <a:ext uri="{FF2B5EF4-FFF2-40B4-BE49-F238E27FC236}">
-                <a16:creationId xmlns:a16="http://schemas.microsoft.com/office/drawing/2014/main" id="{E6826E4F-52EE-114E-B68F-D41CE4F007E0}"/>
-              </a:ext>
-            </a:extLst>
-          </p:cNvPr>
+          <p:cNvPr id="13" name="TextBox 12"/>
+          <p:cNvSpPr txBox="1"/>
+          <p:nvPr/>
+        </p:nvSpPr>
+        <p:spPr>
+          <a:xfrm>
+            <a:off x="6110783" y="1992574"/>
+            <a:ext cx="2647666" cy="923330"/>
+          </a:xfrm>
+          <a:prstGeom prst="rect">
+            <a:avLst/>
+          </a:prstGeom>
+          <a:solidFill>
+            <a:schemeClr val="accent5"/>
+          </a:solidFill>
+        </p:spPr>
+        <p:txBody>
+          <a:bodyPr wrap="square" rtlCol="0">
+            <a:spAutoFit/>
+          </a:bodyPr>
+          <a:lstStyle/>
+          <a:p>
+            <a:r>
+              <a:rPr lang="en-US" dirty="0"/>
+              <a:t>Takes the mean for the series and repeats as future forecasts.</a:t>
+            </a:r>
+          </a:p>
+        </p:txBody>
+      </p:sp>
+      <p:sp>
+        <p:nvSpPr>
+          <p:cNvPr id="16" name="Isosceles Triangle 15"/>
           <p:cNvSpPr/>
           <p:nvPr/>
         </p:nvSpPr>
         <p:spPr>
-          <a:xfrm>
-            <a:off x="368968" y="5614738"/>
-            <a:ext cx="8486274" cy="561474"/>
-          </a:xfrm>
-          <a:prstGeom prst="rect">
+          <a:xfrm rot="5400000">
+            <a:off x="3944202" y="3493828"/>
+            <a:ext cx="3930554" cy="327548"/>
+          </a:xfrm>
+          <a:prstGeom prst="triangle">
             <a:avLst/>
           </a:prstGeom>
         </p:spPr>
@@ -15477,24 +15582,14 @@
           <a:lstStyle/>
           <a:p>
             <a:pPr algn="ctr"/>
-            <a:r>
-              <a:rPr lang="en-US" dirty="0"/>
-              <a:t>Series in a range with some underlying stability</a:t>
-            </a:r>
-          </a:p>
-          <a:p>
-            <a:pPr algn="ctr"/>
-            <a:r>
-              <a:rPr lang="en-US" dirty="0"/>
-              <a:t> (steel producers are usually a stable business)</a:t>
-            </a:r>
+            <a:endParaRPr lang="en-US"/>
           </a:p>
         </p:txBody>
       </p:sp>
     </p:spTree>
     <p:extLst>
       <p:ext uri="{BB962C8B-B14F-4D97-AF65-F5344CB8AC3E}">
-        <p14:creationId xmlns:p14="http://schemas.microsoft.com/office/powerpoint/2010/main" val="4046325887"/>
+        <p14:creationId xmlns:p14="http://schemas.microsoft.com/office/powerpoint/2010/main" val="1416428872"/>
       </p:ext>
     </p:extLst>
   </p:cSld>
@@ -15538,7 +15633,7 @@
           <a:p>
             <a:r>
               <a:rPr lang="en-US" dirty="0"/>
-              <a:t>Revisiting Naïve Forecast - Mean</a:t>
+              <a:t>Naïve Forecast - Drift</a:t>
             </a:r>
           </a:p>
         </p:txBody>
@@ -15560,7 +15655,7 @@
           <a:p>
             <a:fld id="{D753EFC8-4232-4598-94F6-94C0EBAFC469}" type="datetime1">
               <a:rPr lang="en-US" smtClean="0"/>
-              <a:t>3/21/22</a:t>
+              <a:t>10/23/22</a:t>
             </a:fld>
             <a:endParaRPr lang="en-US"/>
           </a:p>
@@ -15584,226 +15679,6 @@
             <a:fld id="{37290FF7-652B-4475-AEAB-8B1A5D23AE09}" type="slidenum">
               <a:rPr lang="en-US" smtClean="0"/>
               <a:t>31</a:t>
-            </a:fld>
-            <a:endParaRPr lang="en-US"/>
-          </a:p>
-        </p:txBody>
-      </p:sp>
-      <p:sp>
-        <p:nvSpPr>
-          <p:cNvPr id="6" name="Footer Placeholder 5"/>
-          <p:cNvSpPr>
-            <a:spLocks noGrp="1"/>
-          </p:cNvSpPr>
-          <p:nvPr>
-            <p:ph type="ftr" sz="quarter" idx="3"/>
-          </p:nvPr>
-        </p:nvSpPr>
-        <p:spPr/>
-        <p:txBody>
-          <a:bodyPr/>
-          <a:lstStyle/>
-          <a:p>
-            <a:r>
-              <a:rPr lang="en-US" dirty="0"/>
-              <a:t>Kwartler CSCI 96</a:t>
-            </a:r>
-          </a:p>
-        </p:txBody>
-      </p:sp>
-      <p:pic>
-        <p:nvPicPr>
-          <p:cNvPr id="11" name="Picture 10"/>
-          <p:cNvPicPr>
-            <a:picLocks noChangeAspect="1"/>
-          </p:cNvPicPr>
-          <p:nvPr/>
-        </p:nvPicPr>
-        <p:blipFill>
-          <a:blip r:embed="rId2"/>
-          <a:stretch>
-            <a:fillRect/>
-          </a:stretch>
-        </p:blipFill>
-        <p:spPr>
-          <a:xfrm>
-            <a:off x="425588" y="1610438"/>
-            <a:ext cx="5210937" cy="4368766"/>
-          </a:xfrm>
-          <a:prstGeom prst="rect">
-            <a:avLst/>
-          </a:prstGeom>
-          <a:ln>
-            <a:solidFill>
-              <a:schemeClr val="accent4"/>
-            </a:solidFill>
-          </a:ln>
-        </p:spPr>
-      </p:pic>
-      <p:sp>
-        <p:nvSpPr>
-          <p:cNvPr id="13" name="TextBox 12"/>
-          <p:cNvSpPr txBox="1"/>
-          <p:nvPr/>
-        </p:nvSpPr>
-        <p:spPr>
-          <a:xfrm>
-            <a:off x="6110783" y="1992574"/>
-            <a:ext cx="2647666" cy="923330"/>
-          </a:xfrm>
-          <a:prstGeom prst="rect">
-            <a:avLst/>
-          </a:prstGeom>
-          <a:solidFill>
-            <a:schemeClr val="accent5"/>
-          </a:solidFill>
-        </p:spPr>
-        <p:txBody>
-          <a:bodyPr wrap="square" rtlCol="0">
-            <a:spAutoFit/>
-          </a:bodyPr>
-          <a:lstStyle/>
-          <a:p>
-            <a:r>
-              <a:rPr lang="en-US" dirty="0"/>
-              <a:t>Takes the mean for the series and repeats as future forecasts.</a:t>
-            </a:r>
-          </a:p>
-        </p:txBody>
-      </p:sp>
-      <p:sp>
-        <p:nvSpPr>
-          <p:cNvPr id="16" name="Isosceles Triangle 15"/>
-          <p:cNvSpPr/>
-          <p:nvPr/>
-        </p:nvSpPr>
-        <p:spPr>
-          <a:xfrm rot="5400000">
-            <a:off x="3944202" y="3493828"/>
-            <a:ext cx="3930554" cy="327548"/>
-          </a:xfrm>
-          <a:prstGeom prst="triangle">
-            <a:avLst/>
-          </a:prstGeom>
-        </p:spPr>
-        <p:style>
-          <a:lnRef idx="2">
-            <a:schemeClr val="accent1">
-              <a:shade val="50000"/>
-            </a:schemeClr>
-          </a:lnRef>
-          <a:fillRef idx="1">
-            <a:schemeClr val="accent1"/>
-          </a:fillRef>
-          <a:effectRef idx="0">
-            <a:schemeClr val="accent1"/>
-          </a:effectRef>
-          <a:fontRef idx="minor">
-            <a:schemeClr val="lt1"/>
-          </a:fontRef>
-        </p:style>
-        <p:txBody>
-          <a:bodyPr rtlCol="0" anchor="ctr"/>
-          <a:lstStyle/>
-          <a:p>
-            <a:pPr algn="ctr"/>
-            <a:endParaRPr lang="en-US"/>
-          </a:p>
-        </p:txBody>
-      </p:sp>
-    </p:spTree>
-    <p:extLst>
-      <p:ext uri="{BB962C8B-B14F-4D97-AF65-F5344CB8AC3E}">
-        <p14:creationId xmlns:p14="http://schemas.microsoft.com/office/powerpoint/2010/main" val="1416428872"/>
-      </p:ext>
-    </p:extLst>
-  </p:cSld>
-  <p:clrMapOvr>
-    <a:masterClrMapping/>
-  </p:clrMapOvr>
-</p:sld>
-</file>
-
-<file path=ppt/slides/slide32.xml><?xml version="1.0" encoding="utf-8"?>
-<p:sld xmlns:a="http://schemas.openxmlformats.org/drawingml/2006/main" xmlns:r="http://schemas.openxmlformats.org/officeDocument/2006/relationships" xmlns:p="http://schemas.openxmlformats.org/presentationml/2006/main">
-  <p:cSld>
-    <p:spTree>
-      <p:nvGrpSpPr>
-        <p:cNvPr id="1" name=""/>
-        <p:cNvGrpSpPr/>
-        <p:nvPr/>
-      </p:nvGrpSpPr>
-      <p:grpSpPr>
-        <a:xfrm>
-          <a:off x="0" y="0"/>
-          <a:ext cx="0" cy="0"/>
-          <a:chOff x="0" y="0"/>
-          <a:chExt cx="0" cy="0"/>
-        </a:xfrm>
-      </p:grpSpPr>
-      <p:sp>
-        <p:nvSpPr>
-          <p:cNvPr id="2" name="Title 1"/>
-          <p:cNvSpPr>
-            <a:spLocks noGrp="1"/>
-          </p:cNvSpPr>
-          <p:nvPr>
-            <p:ph type="title"/>
-          </p:nvPr>
-        </p:nvSpPr>
-        <p:spPr/>
-        <p:txBody>
-          <a:bodyPr/>
-          <a:lstStyle/>
-          <a:p>
-            <a:r>
-              <a:rPr lang="en-US" dirty="0"/>
-              <a:t>Naïve Forecast - Drift</a:t>
-            </a:r>
-          </a:p>
-        </p:txBody>
-      </p:sp>
-      <p:sp>
-        <p:nvSpPr>
-          <p:cNvPr id="4" name="Date Placeholder 3"/>
-          <p:cNvSpPr>
-            <a:spLocks noGrp="1"/>
-          </p:cNvSpPr>
-          <p:nvPr>
-            <p:ph type="dt" sz="half" idx="10"/>
-          </p:nvPr>
-        </p:nvSpPr>
-        <p:spPr/>
-        <p:txBody>
-          <a:bodyPr/>
-          <a:lstStyle/>
-          <a:p>
-            <a:fld id="{D753EFC8-4232-4598-94F6-94C0EBAFC469}" type="datetime1">
-              <a:rPr lang="en-US" smtClean="0"/>
-              <a:t>3/21/22</a:t>
-            </a:fld>
-            <a:endParaRPr lang="en-US"/>
-          </a:p>
-        </p:txBody>
-      </p:sp>
-      <p:sp>
-        <p:nvSpPr>
-          <p:cNvPr id="5" name="Slide Number Placeholder 4"/>
-          <p:cNvSpPr>
-            <a:spLocks noGrp="1"/>
-          </p:cNvSpPr>
-          <p:nvPr>
-            <p:ph type="sldNum" sz="quarter" idx="12"/>
-          </p:nvPr>
-        </p:nvSpPr>
-        <p:spPr/>
-        <p:txBody>
-          <a:bodyPr/>
-          <a:lstStyle/>
-          <a:p>
-            <a:fld id="{37290FF7-652B-4475-AEAB-8B1A5D23AE09}" type="slidenum">
-              <a:rPr lang="en-US" smtClean="0"/>
-              <a:t>32</a:t>
             </a:fld>
             <a:endParaRPr lang="en-US"/>
           </a:p>
@@ -16027,6 +15902,394 @@
     <p:extLst>
       <p:ext uri="{BB962C8B-B14F-4D97-AF65-F5344CB8AC3E}">
         <p14:creationId xmlns:p14="http://schemas.microsoft.com/office/powerpoint/2010/main" val="4188930853"/>
+      </p:ext>
+    </p:extLst>
+  </p:cSld>
+  <p:clrMapOvr>
+    <a:masterClrMapping/>
+  </p:clrMapOvr>
+  <p:timing>
+    <p:tnLst>
+      <p:par>
+        <p:cTn id="1" dur="indefinite" restart="never" nodeType="tmRoot">
+          <p:childTnLst>
+            <p:seq concurrent="1" nextAc="seek">
+              <p:cTn id="2" dur="indefinite" nodeType="mainSeq">
+                <p:childTnLst>
+                  <p:par>
+                    <p:cTn id="3" fill="hold">
+                      <p:stCondLst>
+                        <p:cond delay="indefinite"/>
+                      </p:stCondLst>
+                      <p:childTnLst>
+                        <p:par>
+                          <p:cTn id="4" fill="hold">
+                            <p:stCondLst>
+                              <p:cond delay="0"/>
+                            </p:stCondLst>
+                            <p:childTnLst>
+                              <p:par>
+                                <p:cTn id="5" presetID="1" presetClass="entr" presetSubtype="0" fill="hold" grpId="0" nodeType="clickEffect">
+                                  <p:stCondLst>
+                                    <p:cond delay="0"/>
+                                  </p:stCondLst>
+                                  <p:childTnLst>
+                                    <p:set>
+                                      <p:cBhvr>
+                                        <p:cTn id="6" dur="1" fill="hold">
+                                          <p:stCondLst>
+                                            <p:cond delay="0"/>
+                                          </p:stCondLst>
+                                        </p:cTn>
+                                        <p:tgtEl>
+                                          <p:spTgt spid="15"/>
+                                        </p:tgtEl>
+                                        <p:attrNameLst>
+                                          <p:attrName>style.visibility</p:attrName>
+                                        </p:attrNameLst>
+                                      </p:cBhvr>
+                                      <p:to>
+                                        <p:strVal val="visible"/>
+                                      </p:to>
+                                    </p:set>
+                                  </p:childTnLst>
+                                </p:cTn>
+                              </p:par>
+                              <p:par>
+                                <p:cTn id="7" presetID="1" presetClass="entr" presetSubtype="0" fill="hold" grpId="0" nodeType="withEffect">
+                                  <p:stCondLst>
+                                    <p:cond delay="0"/>
+                                  </p:stCondLst>
+                                  <p:childTnLst>
+                                    <p:set>
+                                      <p:cBhvr>
+                                        <p:cTn id="8" dur="1" fill="hold">
+                                          <p:stCondLst>
+                                            <p:cond delay="0"/>
+                                          </p:stCondLst>
+                                        </p:cTn>
+                                        <p:tgtEl>
+                                          <p:spTgt spid="14"/>
+                                        </p:tgtEl>
+                                        <p:attrNameLst>
+                                          <p:attrName>style.visibility</p:attrName>
+                                        </p:attrNameLst>
+                                      </p:cBhvr>
+                                      <p:to>
+                                        <p:strVal val="visible"/>
+                                      </p:to>
+                                    </p:set>
+                                  </p:childTnLst>
+                                </p:cTn>
+                              </p:par>
+                            </p:childTnLst>
+                          </p:cTn>
+                        </p:par>
+                      </p:childTnLst>
+                    </p:cTn>
+                  </p:par>
+                </p:childTnLst>
+              </p:cTn>
+              <p:prevCondLst>
+                <p:cond evt="onPrev" delay="0">
+                  <p:tgtEl>
+                    <p:sldTgt/>
+                  </p:tgtEl>
+                </p:cond>
+              </p:prevCondLst>
+              <p:nextCondLst>
+                <p:cond evt="onNext" delay="0">
+                  <p:tgtEl>
+                    <p:sldTgt/>
+                  </p:tgtEl>
+                </p:cond>
+              </p:nextCondLst>
+            </p:seq>
+          </p:childTnLst>
+        </p:cTn>
+      </p:par>
+    </p:tnLst>
+    <p:bldLst>
+      <p:bldP spid="14" grpId="0" animBg="1"/>
+      <p:bldP spid="15" grpId="0" animBg="1"/>
+    </p:bldLst>
+  </p:timing>
+</p:sld>
+</file>
+
+<file path=ppt/slides/slide32.xml><?xml version="1.0" encoding="utf-8"?>
+<p:sld xmlns:a="http://schemas.openxmlformats.org/drawingml/2006/main" xmlns:r="http://schemas.openxmlformats.org/officeDocument/2006/relationships" xmlns:p="http://schemas.openxmlformats.org/presentationml/2006/main">
+  <p:cSld>
+    <p:spTree>
+      <p:nvGrpSpPr>
+        <p:cNvPr id="1" name=""/>
+        <p:cNvGrpSpPr/>
+        <p:nvPr/>
+      </p:nvGrpSpPr>
+      <p:grpSpPr>
+        <a:xfrm>
+          <a:off x="0" y="0"/>
+          <a:ext cx="0" cy="0"/>
+          <a:chOff x="0" y="0"/>
+          <a:chExt cx="0" cy="0"/>
+        </a:xfrm>
+      </p:grpSpPr>
+      <p:pic>
+        <p:nvPicPr>
+          <p:cNvPr id="3" name="Picture 2"/>
+          <p:cNvPicPr>
+            <a:picLocks noChangeAspect="1"/>
+          </p:cNvPicPr>
+          <p:nvPr/>
+        </p:nvPicPr>
+        <p:blipFill>
+          <a:blip r:embed="rId2"/>
+          <a:stretch>
+            <a:fillRect/>
+          </a:stretch>
+        </p:blipFill>
+        <p:spPr>
+          <a:xfrm>
+            <a:off x="309252" y="1569493"/>
+            <a:ext cx="5380095" cy="4510585"/>
+          </a:xfrm>
+          <a:prstGeom prst="rect">
+            <a:avLst/>
+          </a:prstGeom>
+          <a:ln>
+            <a:solidFill>
+              <a:schemeClr val="accent4"/>
+            </a:solidFill>
+          </a:ln>
+        </p:spPr>
+      </p:pic>
+      <p:sp>
+        <p:nvSpPr>
+          <p:cNvPr id="2" name="Title 1"/>
+          <p:cNvSpPr>
+            <a:spLocks noGrp="1"/>
+          </p:cNvSpPr>
+          <p:nvPr>
+            <p:ph type="title"/>
+          </p:nvPr>
+        </p:nvSpPr>
+        <p:spPr/>
+        <p:txBody>
+          <a:bodyPr/>
+          <a:lstStyle/>
+          <a:p>
+            <a:r>
+              <a:rPr lang="en-US" dirty="0"/>
+              <a:t>Naïve Forecast – Naïve (true)</a:t>
+            </a:r>
+          </a:p>
+        </p:txBody>
+      </p:sp>
+      <p:sp>
+        <p:nvSpPr>
+          <p:cNvPr id="4" name="Date Placeholder 3"/>
+          <p:cNvSpPr>
+            <a:spLocks noGrp="1"/>
+          </p:cNvSpPr>
+          <p:nvPr>
+            <p:ph type="dt" sz="half" idx="10"/>
+          </p:nvPr>
+        </p:nvSpPr>
+        <p:spPr/>
+        <p:txBody>
+          <a:bodyPr/>
+          <a:lstStyle/>
+          <a:p>
+            <a:fld id="{D753EFC8-4232-4598-94F6-94C0EBAFC469}" type="datetime1">
+              <a:rPr lang="en-US" smtClean="0"/>
+              <a:t>10/23/22</a:t>
+            </a:fld>
+            <a:endParaRPr lang="en-US"/>
+          </a:p>
+        </p:txBody>
+      </p:sp>
+      <p:sp>
+        <p:nvSpPr>
+          <p:cNvPr id="5" name="Slide Number Placeholder 4"/>
+          <p:cNvSpPr>
+            <a:spLocks noGrp="1"/>
+          </p:cNvSpPr>
+          <p:nvPr>
+            <p:ph type="sldNum" sz="quarter" idx="12"/>
+          </p:nvPr>
+        </p:nvSpPr>
+        <p:spPr/>
+        <p:txBody>
+          <a:bodyPr/>
+          <a:lstStyle/>
+          <a:p>
+            <a:fld id="{37290FF7-652B-4475-AEAB-8B1A5D23AE09}" type="slidenum">
+              <a:rPr lang="en-US" smtClean="0"/>
+              <a:t>32</a:t>
+            </a:fld>
+            <a:endParaRPr lang="en-US"/>
+          </a:p>
+        </p:txBody>
+      </p:sp>
+      <p:sp>
+        <p:nvSpPr>
+          <p:cNvPr id="6" name="Footer Placeholder 5"/>
+          <p:cNvSpPr>
+            <a:spLocks noGrp="1"/>
+          </p:cNvSpPr>
+          <p:nvPr>
+            <p:ph type="ftr" sz="quarter" idx="3"/>
+          </p:nvPr>
+        </p:nvSpPr>
+        <p:spPr/>
+        <p:txBody>
+          <a:bodyPr/>
+          <a:lstStyle/>
+          <a:p>
+            <a:r>
+              <a:rPr lang="en-US" dirty="0"/>
+              <a:t>Kwartler CSCI 96</a:t>
+            </a:r>
+          </a:p>
+        </p:txBody>
+      </p:sp>
+      <p:sp>
+        <p:nvSpPr>
+          <p:cNvPr id="13" name="TextBox 12"/>
+          <p:cNvSpPr txBox="1"/>
+          <p:nvPr/>
+        </p:nvSpPr>
+        <p:spPr>
+          <a:xfrm>
+            <a:off x="6110783" y="1992574"/>
+            <a:ext cx="2647666" cy="369332"/>
+          </a:xfrm>
+          <a:prstGeom prst="rect">
+            <a:avLst/>
+          </a:prstGeom>
+          <a:solidFill>
+            <a:schemeClr val="accent5"/>
+          </a:solidFill>
+        </p:spPr>
+        <p:txBody>
+          <a:bodyPr wrap="square" rtlCol="0">
+            <a:spAutoFit/>
+          </a:bodyPr>
+          <a:lstStyle/>
+          <a:p>
+            <a:r>
+              <a:rPr lang="en-US" dirty="0"/>
+              <a:t>Uses last value as future.</a:t>
+            </a:r>
+          </a:p>
+        </p:txBody>
+      </p:sp>
+      <p:sp>
+        <p:nvSpPr>
+          <p:cNvPr id="14" name="TextBox 13"/>
+          <p:cNvSpPr txBox="1"/>
+          <p:nvPr/>
+        </p:nvSpPr>
+        <p:spPr>
+          <a:xfrm>
+            <a:off x="6151727" y="2756344"/>
+            <a:ext cx="2647666" cy="369332"/>
+          </a:xfrm>
+          <a:prstGeom prst="rect">
+            <a:avLst/>
+          </a:prstGeom>
+          <a:solidFill>
+            <a:schemeClr val="accent5"/>
+          </a:solidFill>
+        </p:spPr>
+        <p:txBody>
+          <a:bodyPr wrap="square" rtlCol="0">
+            <a:spAutoFit/>
+          </a:bodyPr>
+          <a:lstStyle/>
+          <a:p>
+            <a:r>
+              <a:rPr lang="en-US" dirty="0"/>
+              <a:t>Does this look accurate?</a:t>
+            </a:r>
+          </a:p>
+        </p:txBody>
+      </p:sp>
+      <p:sp>
+        <p:nvSpPr>
+          <p:cNvPr id="15" name="TextBox 14"/>
+          <p:cNvSpPr txBox="1"/>
+          <p:nvPr/>
+        </p:nvSpPr>
+        <p:spPr>
+          <a:xfrm>
+            <a:off x="6192670" y="3457436"/>
+            <a:ext cx="2647666" cy="1477328"/>
+          </a:xfrm>
+          <a:prstGeom prst="rect">
+            <a:avLst/>
+          </a:prstGeom>
+          <a:solidFill>
+            <a:schemeClr val="accent5"/>
+          </a:solidFill>
+        </p:spPr>
+        <p:txBody>
+          <a:bodyPr wrap="square" rtlCol="0">
+            <a:spAutoFit/>
+          </a:bodyPr>
+          <a:lstStyle/>
+          <a:p>
+            <a:r>
+              <a:rPr lang="en-US" dirty="0"/>
+              <a:t>Accuracy hurt by trend and seasonality.  Use when you see a plateau in the data, meaning diminishing trend.</a:t>
+            </a:r>
+          </a:p>
+        </p:txBody>
+      </p:sp>
+      <p:sp>
+        <p:nvSpPr>
+          <p:cNvPr id="18" name="Isosceles Triangle 17"/>
+          <p:cNvSpPr/>
+          <p:nvPr/>
+        </p:nvSpPr>
+        <p:spPr>
+          <a:xfrm rot="5400000">
+            <a:off x="3944202" y="3493828"/>
+            <a:ext cx="3930554" cy="327548"/>
+          </a:xfrm>
+          <a:prstGeom prst="triangle">
+            <a:avLst/>
+          </a:prstGeom>
+        </p:spPr>
+        <p:style>
+          <a:lnRef idx="2">
+            <a:schemeClr val="accent1">
+              <a:shade val="50000"/>
+            </a:schemeClr>
+          </a:lnRef>
+          <a:fillRef idx="1">
+            <a:schemeClr val="accent1"/>
+          </a:fillRef>
+          <a:effectRef idx="0">
+            <a:schemeClr val="accent1"/>
+          </a:effectRef>
+          <a:fontRef idx="minor">
+            <a:schemeClr val="lt1"/>
+          </a:fontRef>
+        </p:style>
+        <p:txBody>
+          <a:bodyPr rtlCol="0" anchor="ctr"/>
+          <a:lstStyle/>
+          <a:p>
+            <a:pPr algn="ctr"/>
+            <a:endParaRPr lang="en-US"/>
+          </a:p>
+        </p:txBody>
+      </p:sp>
+    </p:spTree>
+    <p:extLst>
+      <p:ext uri="{BB962C8B-B14F-4D97-AF65-F5344CB8AC3E}">
+        <p14:creationId xmlns:p14="http://schemas.microsoft.com/office/powerpoint/2010/main" val="1893348398"/>
       </p:ext>
     </p:extLst>
   </p:cSld>
@@ -16161,7 +16424,7 @@
       </p:grpSpPr>
       <p:pic>
         <p:nvPicPr>
-          <p:cNvPr id="3" name="Picture 2"/>
+          <p:cNvPr id="8" name="Picture 7"/>
           <p:cNvPicPr>
             <a:picLocks noChangeAspect="1"/>
           </p:cNvPicPr>
@@ -16175,8 +16438,8 @@
         </p:blipFill>
         <p:spPr>
           <a:xfrm>
-            <a:off x="309252" y="1569493"/>
-            <a:ext cx="5380095" cy="4510585"/>
+            <a:off x="309252" y="1563632"/>
+            <a:ext cx="5381864" cy="4512067"/>
           </a:xfrm>
           <a:prstGeom prst="rect">
             <a:avLst/>
@@ -16205,7 +16468,7 @@
           <a:p>
             <a:r>
               <a:rPr lang="en-US" dirty="0"/>
-              <a:t>Naïve Forecast – Naïve (true)</a:t>
+              <a:t>Naïve Forecast – Naïve Seasonal</a:t>
             </a:r>
           </a:p>
         </p:txBody>
@@ -16227,7 +16490,7 @@
           <a:p>
             <a:fld id="{D753EFC8-4232-4598-94F6-94C0EBAFC469}" type="datetime1">
               <a:rPr lang="en-US" smtClean="0"/>
-              <a:t>3/21/22</a:t>
+              <a:t>10/23/22</a:t>
             </a:fld>
             <a:endParaRPr lang="en-US"/>
           </a:p>
@@ -16287,7 +16550,7 @@
         <p:spPr>
           <a:xfrm>
             <a:off x="6110783" y="1992574"/>
-            <a:ext cx="2647666" cy="369332"/>
+            <a:ext cx="2647666" cy="1200329"/>
           </a:xfrm>
           <a:prstGeom prst="rect">
             <a:avLst/>
@@ -16304,7 +16567,7 @@
           <a:p>
             <a:r>
               <a:rPr lang="en-US" dirty="0"/>
-              <a:t>Uses last value as future.</a:t>
+              <a:t>Uses last corresponding seasonal values in a repeating pattern.  Good if no trend.</a:t>
             </a:r>
           </a:p>
         </p:txBody>
@@ -16317,7 +16580,7 @@
         </p:nvSpPr>
         <p:spPr>
           <a:xfrm>
-            <a:off x="6151727" y="2756344"/>
+            <a:off x="6110783" y="3438733"/>
             <a:ext cx="2647666" cy="369332"/>
           </a:xfrm>
           <a:prstGeom prst="rect">
@@ -16348,8 +16611,8 @@
         </p:nvSpPr>
         <p:spPr>
           <a:xfrm>
-            <a:off x="6192670" y="3457436"/>
-            <a:ext cx="2647666" cy="1477328"/>
+            <a:off x="6110783" y="4044289"/>
+            <a:ext cx="2647666" cy="1200329"/>
           </a:xfrm>
           <a:prstGeom prst="rect">
             <a:avLst/>
@@ -16366,7 +16629,7 @@
           <a:p>
             <a:r>
               <a:rPr lang="en-US" dirty="0"/>
-              <a:t>Accuracy hurt by trend and seasonality.  Use when you see a plateau in the data, meaning diminishing trend.</a:t>
+              <a:t>When would this be appropriate?  When the series is flat (no trend) but has a repeating pattern.</a:t>
             </a:r>
           </a:p>
         </p:txBody>
@@ -16414,394 +16677,6 @@
     </p:spTree>
     <p:extLst>
       <p:ext uri="{BB962C8B-B14F-4D97-AF65-F5344CB8AC3E}">
-        <p14:creationId xmlns:p14="http://schemas.microsoft.com/office/powerpoint/2010/main" val="1893348398"/>
-      </p:ext>
-    </p:extLst>
-  </p:cSld>
-  <p:clrMapOvr>
-    <a:masterClrMapping/>
-  </p:clrMapOvr>
-  <p:timing>
-    <p:tnLst>
-      <p:par>
-        <p:cTn id="1" dur="indefinite" restart="never" nodeType="tmRoot">
-          <p:childTnLst>
-            <p:seq concurrent="1" nextAc="seek">
-              <p:cTn id="2" dur="indefinite" nodeType="mainSeq">
-                <p:childTnLst>
-                  <p:par>
-                    <p:cTn id="3" fill="hold">
-                      <p:stCondLst>
-                        <p:cond delay="indefinite"/>
-                      </p:stCondLst>
-                      <p:childTnLst>
-                        <p:par>
-                          <p:cTn id="4" fill="hold">
-                            <p:stCondLst>
-                              <p:cond delay="0"/>
-                            </p:stCondLst>
-                            <p:childTnLst>
-                              <p:par>
-                                <p:cTn id="5" presetID="1" presetClass="entr" presetSubtype="0" fill="hold" grpId="0" nodeType="clickEffect">
-                                  <p:stCondLst>
-                                    <p:cond delay="0"/>
-                                  </p:stCondLst>
-                                  <p:childTnLst>
-                                    <p:set>
-                                      <p:cBhvr>
-                                        <p:cTn id="6" dur="1" fill="hold">
-                                          <p:stCondLst>
-                                            <p:cond delay="0"/>
-                                          </p:stCondLst>
-                                        </p:cTn>
-                                        <p:tgtEl>
-                                          <p:spTgt spid="15"/>
-                                        </p:tgtEl>
-                                        <p:attrNameLst>
-                                          <p:attrName>style.visibility</p:attrName>
-                                        </p:attrNameLst>
-                                      </p:cBhvr>
-                                      <p:to>
-                                        <p:strVal val="visible"/>
-                                      </p:to>
-                                    </p:set>
-                                  </p:childTnLst>
-                                </p:cTn>
-                              </p:par>
-                              <p:par>
-                                <p:cTn id="7" presetID="1" presetClass="entr" presetSubtype="0" fill="hold" grpId="0" nodeType="withEffect">
-                                  <p:stCondLst>
-                                    <p:cond delay="0"/>
-                                  </p:stCondLst>
-                                  <p:childTnLst>
-                                    <p:set>
-                                      <p:cBhvr>
-                                        <p:cTn id="8" dur="1" fill="hold">
-                                          <p:stCondLst>
-                                            <p:cond delay="0"/>
-                                          </p:stCondLst>
-                                        </p:cTn>
-                                        <p:tgtEl>
-                                          <p:spTgt spid="14"/>
-                                        </p:tgtEl>
-                                        <p:attrNameLst>
-                                          <p:attrName>style.visibility</p:attrName>
-                                        </p:attrNameLst>
-                                      </p:cBhvr>
-                                      <p:to>
-                                        <p:strVal val="visible"/>
-                                      </p:to>
-                                    </p:set>
-                                  </p:childTnLst>
-                                </p:cTn>
-                              </p:par>
-                            </p:childTnLst>
-                          </p:cTn>
-                        </p:par>
-                      </p:childTnLst>
-                    </p:cTn>
-                  </p:par>
-                </p:childTnLst>
-              </p:cTn>
-              <p:prevCondLst>
-                <p:cond evt="onPrev" delay="0">
-                  <p:tgtEl>
-                    <p:sldTgt/>
-                  </p:tgtEl>
-                </p:cond>
-              </p:prevCondLst>
-              <p:nextCondLst>
-                <p:cond evt="onNext" delay="0">
-                  <p:tgtEl>
-                    <p:sldTgt/>
-                  </p:tgtEl>
-                </p:cond>
-              </p:nextCondLst>
-            </p:seq>
-          </p:childTnLst>
-        </p:cTn>
-      </p:par>
-    </p:tnLst>
-    <p:bldLst>
-      <p:bldP spid="14" grpId="0" animBg="1"/>
-      <p:bldP spid="15" grpId="0" animBg="1"/>
-    </p:bldLst>
-  </p:timing>
-</p:sld>
-</file>
-
-<file path=ppt/slides/slide34.xml><?xml version="1.0" encoding="utf-8"?>
-<p:sld xmlns:a="http://schemas.openxmlformats.org/drawingml/2006/main" xmlns:r="http://schemas.openxmlformats.org/officeDocument/2006/relationships" xmlns:p="http://schemas.openxmlformats.org/presentationml/2006/main">
-  <p:cSld>
-    <p:spTree>
-      <p:nvGrpSpPr>
-        <p:cNvPr id="1" name=""/>
-        <p:cNvGrpSpPr/>
-        <p:nvPr/>
-      </p:nvGrpSpPr>
-      <p:grpSpPr>
-        <a:xfrm>
-          <a:off x="0" y="0"/>
-          <a:ext cx="0" cy="0"/>
-          <a:chOff x="0" y="0"/>
-          <a:chExt cx="0" cy="0"/>
-        </a:xfrm>
-      </p:grpSpPr>
-      <p:pic>
-        <p:nvPicPr>
-          <p:cNvPr id="8" name="Picture 7"/>
-          <p:cNvPicPr>
-            <a:picLocks noChangeAspect="1"/>
-          </p:cNvPicPr>
-          <p:nvPr/>
-        </p:nvPicPr>
-        <p:blipFill>
-          <a:blip r:embed="rId2"/>
-          <a:stretch>
-            <a:fillRect/>
-          </a:stretch>
-        </p:blipFill>
-        <p:spPr>
-          <a:xfrm>
-            <a:off x="309252" y="1563632"/>
-            <a:ext cx="5381864" cy="4512067"/>
-          </a:xfrm>
-          <a:prstGeom prst="rect">
-            <a:avLst/>
-          </a:prstGeom>
-          <a:ln>
-            <a:solidFill>
-              <a:schemeClr val="accent4"/>
-            </a:solidFill>
-          </a:ln>
-        </p:spPr>
-      </p:pic>
-      <p:sp>
-        <p:nvSpPr>
-          <p:cNvPr id="2" name="Title 1"/>
-          <p:cNvSpPr>
-            <a:spLocks noGrp="1"/>
-          </p:cNvSpPr>
-          <p:nvPr>
-            <p:ph type="title"/>
-          </p:nvPr>
-        </p:nvSpPr>
-        <p:spPr/>
-        <p:txBody>
-          <a:bodyPr/>
-          <a:lstStyle/>
-          <a:p>
-            <a:r>
-              <a:rPr lang="en-US" dirty="0"/>
-              <a:t>Naïve Forecast – Naïve Seasonal</a:t>
-            </a:r>
-          </a:p>
-        </p:txBody>
-      </p:sp>
-      <p:sp>
-        <p:nvSpPr>
-          <p:cNvPr id="4" name="Date Placeholder 3"/>
-          <p:cNvSpPr>
-            <a:spLocks noGrp="1"/>
-          </p:cNvSpPr>
-          <p:nvPr>
-            <p:ph type="dt" sz="half" idx="10"/>
-          </p:nvPr>
-        </p:nvSpPr>
-        <p:spPr/>
-        <p:txBody>
-          <a:bodyPr/>
-          <a:lstStyle/>
-          <a:p>
-            <a:fld id="{D753EFC8-4232-4598-94F6-94C0EBAFC469}" type="datetime1">
-              <a:rPr lang="en-US" smtClean="0"/>
-              <a:t>3/21/22</a:t>
-            </a:fld>
-            <a:endParaRPr lang="en-US"/>
-          </a:p>
-        </p:txBody>
-      </p:sp>
-      <p:sp>
-        <p:nvSpPr>
-          <p:cNvPr id="5" name="Slide Number Placeholder 4"/>
-          <p:cNvSpPr>
-            <a:spLocks noGrp="1"/>
-          </p:cNvSpPr>
-          <p:nvPr>
-            <p:ph type="sldNum" sz="quarter" idx="12"/>
-          </p:nvPr>
-        </p:nvSpPr>
-        <p:spPr/>
-        <p:txBody>
-          <a:bodyPr/>
-          <a:lstStyle/>
-          <a:p>
-            <a:fld id="{37290FF7-652B-4475-AEAB-8B1A5D23AE09}" type="slidenum">
-              <a:rPr lang="en-US" smtClean="0"/>
-              <a:t>34</a:t>
-            </a:fld>
-            <a:endParaRPr lang="en-US"/>
-          </a:p>
-        </p:txBody>
-      </p:sp>
-      <p:sp>
-        <p:nvSpPr>
-          <p:cNvPr id="6" name="Footer Placeholder 5"/>
-          <p:cNvSpPr>
-            <a:spLocks noGrp="1"/>
-          </p:cNvSpPr>
-          <p:nvPr>
-            <p:ph type="ftr" sz="quarter" idx="3"/>
-          </p:nvPr>
-        </p:nvSpPr>
-        <p:spPr/>
-        <p:txBody>
-          <a:bodyPr/>
-          <a:lstStyle/>
-          <a:p>
-            <a:r>
-              <a:rPr lang="en-US" dirty="0"/>
-              <a:t>Kwartler CSCI 96</a:t>
-            </a:r>
-          </a:p>
-        </p:txBody>
-      </p:sp>
-      <p:sp>
-        <p:nvSpPr>
-          <p:cNvPr id="13" name="TextBox 12"/>
-          <p:cNvSpPr txBox="1"/>
-          <p:nvPr/>
-        </p:nvSpPr>
-        <p:spPr>
-          <a:xfrm>
-            <a:off x="6110783" y="1992574"/>
-            <a:ext cx="2647666" cy="1200329"/>
-          </a:xfrm>
-          <a:prstGeom prst="rect">
-            <a:avLst/>
-          </a:prstGeom>
-          <a:solidFill>
-            <a:schemeClr val="accent5"/>
-          </a:solidFill>
-        </p:spPr>
-        <p:txBody>
-          <a:bodyPr wrap="square" rtlCol="0">
-            <a:spAutoFit/>
-          </a:bodyPr>
-          <a:lstStyle/>
-          <a:p>
-            <a:r>
-              <a:rPr lang="en-US" dirty="0"/>
-              <a:t>Uses last corresponding seasonal values in a repeating pattern.  Good if no trend.</a:t>
-            </a:r>
-          </a:p>
-        </p:txBody>
-      </p:sp>
-      <p:sp>
-        <p:nvSpPr>
-          <p:cNvPr id="14" name="TextBox 13"/>
-          <p:cNvSpPr txBox="1"/>
-          <p:nvPr/>
-        </p:nvSpPr>
-        <p:spPr>
-          <a:xfrm>
-            <a:off x="6110783" y="3438733"/>
-            <a:ext cx="2647666" cy="369332"/>
-          </a:xfrm>
-          <a:prstGeom prst="rect">
-            <a:avLst/>
-          </a:prstGeom>
-          <a:solidFill>
-            <a:schemeClr val="accent5"/>
-          </a:solidFill>
-        </p:spPr>
-        <p:txBody>
-          <a:bodyPr wrap="square" rtlCol="0">
-            <a:spAutoFit/>
-          </a:bodyPr>
-          <a:lstStyle/>
-          <a:p>
-            <a:r>
-              <a:rPr lang="en-US" dirty="0"/>
-              <a:t>Does this look accurate?</a:t>
-            </a:r>
-          </a:p>
-        </p:txBody>
-      </p:sp>
-      <p:sp>
-        <p:nvSpPr>
-          <p:cNvPr id="15" name="TextBox 14"/>
-          <p:cNvSpPr txBox="1"/>
-          <p:nvPr/>
-        </p:nvSpPr>
-        <p:spPr>
-          <a:xfrm>
-            <a:off x="6110783" y="4044289"/>
-            <a:ext cx="2647666" cy="1200329"/>
-          </a:xfrm>
-          <a:prstGeom prst="rect">
-            <a:avLst/>
-          </a:prstGeom>
-          <a:solidFill>
-            <a:schemeClr val="accent5"/>
-          </a:solidFill>
-        </p:spPr>
-        <p:txBody>
-          <a:bodyPr wrap="square" rtlCol="0">
-            <a:spAutoFit/>
-          </a:bodyPr>
-          <a:lstStyle/>
-          <a:p>
-            <a:r>
-              <a:rPr lang="en-US" dirty="0"/>
-              <a:t>When would this be appropriate?  When the series is flat (no trend) but has a repeating pattern.</a:t>
-            </a:r>
-          </a:p>
-        </p:txBody>
-      </p:sp>
-      <p:sp>
-        <p:nvSpPr>
-          <p:cNvPr id="18" name="Isosceles Triangle 17"/>
-          <p:cNvSpPr/>
-          <p:nvPr/>
-        </p:nvSpPr>
-        <p:spPr>
-          <a:xfrm rot="5400000">
-            <a:off x="3944202" y="3493828"/>
-            <a:ext cx="3930554" cy="327548"/>
-          </a:xfrm>
-          <a:prstGeom prst="triangle">
-            <a:avLst/>
-          </a:prstGeom>
-        </p:spPr>
-        <p:style>
-          <a:lnRef idx="2">
-            <a:schemeClr val="accent1">
-              <a:shade val="50000"/>
-            </a:schemeClr>
-          </a:lnRef>
-          <a:fillRef idx="1">
-            <a:schemeClr val="accent1"/>
-          </a:fillRef>
-          <a:effectRef idx="0">
-            <a:schemeClr val="accent1"/>
-          </a:effectRef>
-          <a:fontRef idx="minor">
-            <a:schemeClr val="lt1"/>
-          </a:fontRef>
-        </p:style>
-        <p:txBody>
-          <a:bodyPr rtlCol="0" anchor="ctr"/>
-          <a:lstStyle/>
-          <a:p>
-            <a:pPr algn="ctr"/>
-            <a:endParaRPr lang="en-US"/>
-          </a:p>
-        </p:txBody>
-      </p:sp>
-    </p:spTree>
-    <p:extLst>
-      <p:ext uri="{BB962C8B-B14F-4D97-AF65-F5344CB8AC3E}">
         <p14:creationId xmlns:p14="http://schemas.microsoft.com/office/powerpoint/2010/main" val="1917961160"/>
       </p:ext>
     </p:extLst>
@@ -16812,7 +16687,7 @@
 </p:sld>
 </file>
 
-<file path=ppt/slides/slide35.xml><?xml version="1.0" encoding="utf-8"?>
+<file path=ppt/slides/slide34.xml><?xml version="1.0" encoding="utf-8"?>
 <p:sld xmlns:a="http://schemas.openxmlformats.org/drawingml/2006/main" xmlns:r="http://schemas.openxmlformats.org/officeDocument/2006/relationships" xmlns:p="http://schemas.openxmlformats.org/presentationml/2006/main">
   <p:cSld>
     <p:spTree>
@@ -17120,7 +16995,7 @@
           <a:p>
             <a:fld id="{D753EFC8-4232-4598-94F6-94C0EBAFC469}" type="datetime1">
               <a:rPr lang="en-US" smtClean="0"/>
-              <a:t>3/21/22</a:t>
+              <a:t>10/23/22</a:t>
             </a:fld>
             <a:endParaRPr lang="en-US"/>
           </a:p>
@@ -17143,7 +17018,7 @@
           <a:p>
             <a:fld id="{37290FF7-652B-4475-AEAB-8B1A5D23AE09}" type="slidenum">
               <a:rPr lang="en-US" smtClean="0"/>
-              <a:t>35</a:t>
+              <a:t>34</a:t>
             </a:fld>
             <a:endParaRPr lang="en-US"/>
           </a:p>
@@ -17401,6 +17276,577 @@
     <p:extLst>
       <p:ext uri="{BB962C8B-B14F-4D97-AF65-F5344CB8AC3E}">
         <p14:creationId xmlns:p14="http://schemas.microsoft.com/office/powerpoint/2010/main" val="3867388101"/>
+      </p:ext>
+    </p:extLst>
+  </p:cSld>
+  <p:clrMapOvr>
+    <a:masterClrMapping/>
+  </p:clrMapOvr>
+</p:sld>
+</file>
+
+<file path=ppt/slides/slide35.xml><?xml version="1.0" encoding="utf-8"?>
+<p:sld xmlns:a="http://schemas.openxmlformats.org/drawingml/2006/main" xmlns:r="http://schemas.openxmlformats.org/officeDocument/2006/relationships" xmlns:p="http://schemas.openxmlformats.org/presentationml/2006/main">
+  <p:cSld>
+    <p:spTree>
+      <p:nvGrpSpPr>
+        <p:cNvPr id="1" name=""/>
+        <p:cNvGrpSpPr/>
+        <p:nvPr/>
+      </p:nvGrpSpPr>
+      <p:grpSpPr>
+        <a:xfrm>
+          <a:off x="0" y="0"/>
+          <a:ext cx="0" cy="0"/>
+          <a:chOff x="0" y="0"/>
+          <a:chExt cx="0" cy="0"/>
+        </a:xfrm>
+      </p:grpSpPr>
+      <p:sp>
+        <p:nvSpPr>
+          <p:cNvPr id="2" name="Title 1"/>
+          <p:cNvSpPr>
+            <a:spLocks noGrp="1"/>
+          </p:cNvSpPr>
+          <p:nvPr>
+            <p:ph type="title"/>
+          </p:nvPr>
+        </p:nvSpPr>
+        <p:spPr/>
+        <p:txBody>
+          <a:bodyPr/>
+          <a:lstStyle/>
+          <a:p>
+            <a:r>
+              <a:rPr lang="en-US" dirty="0"/>
+              <a:t>Shaded Forecast Area?</a:t>
+            </a:r>
+          </a:p>
+        </p:txBody>
+      </p:sp>
+      <p:sp>
+        <p:nvSpPr>
+          <p:cNvPr id="4" name="Date Placeholder 3"/>
+          <p:cNvSpPr>
+            <a:spLocks noGrp="1"/>
+          </p:cNvSpPr>
+          <p:nvPr>
+            <p:ph type="dt" sz="half" idx="10"/>
+          </p:nvPr>
+        </p:nvSpPr>
+        <p:spPr/>
+        <p:txBody>
+          <a:bodyPr/>
+          <a:lstStyle/>
+          <a:p>
+            <a:fld id="{D753EFC8-4232-4598-94F6-94C0EBAFC469}" type="datetime1">
+              <a:rPr lang="en-US" smtClean="0"/>
+              <a:t>10/23/22</a:t>
+            </a:fld>
+            <a:endParaRPr lang="en-US"/>
+          </a:p>
+        </p:txBody>
+      </p:sp>
+      <p:sp>
+        <p:nvSpPr>
+          <p:cNvPr id="5" name="Slide Number Placeholder 4"/>
+          <p:cNvSpPr>
+            <a:spLocks noGrp="1"/>
+          </p:cNvSpPr>
+          <p:nvPr>
+            <p:ph type="sldNum" sz="quarter" idx="12"/>
+          </p:nvPr>
+        </p:nvSpPr>
+        <p:spPr/>
+        <p:txBody>
+          <a:bodyPr/>
+          <a:lstStyle/>
+          <a:p>
+            <a:fld id="{37290FF7-652B-4475-AEAB-8B1A5D23AE09}" type="slidenum">
+              <a:rPr lang="en-US" smtClean="0"/>
+              <a:t>35</a:t>
+            </a:fld>
+            <a:endParaRPr lang="en-US"/>
+          </a:p>
+        </p:txBody>
+      </p:sp>
+      <p:sp>
+        <p:nvSpPr>
+          <p:cNvPr id="6" name="Footer Placeholder 5"/>
+          <p:cNvSpPr>
+            <a:spLocks noGrp="1"/>
+          </p:cNvSpPr>
+          <p:nvPr>
+            <p:ph type="ftr" sz="quarter" idx="3"/>
+          </p:nvPr>
+        </p:nvSpPr>
+        <p:spPr/>
+        <p:txBody>
+          <a:bodyPr/>
+          <a:lstStyle/>
+          <a:p>
+            <a:r>
+              <a:rPr lang="en-US" dirty="0"/>
+              <a:t>Kwartler CSCI 96</a:t>
+            </a:r>
+          </a:p>
+        </p:txBody>
+      </p:sp>
+      <p:pic>
+        <p:nvPicPr>
+          <p:cNvPr id="12" name="Picture 11"/>
+          <p:cNvPicPr>
+            <a:picLocks noChangeAspect="1"/>
+          </p:cNvPicPr>
+          <p:nvPr/>
+        </p:nvPicPr>
+        <p:blipFill rotWithShape="1">
+          <a:blip r:embed="rId2"/>
+          <a:srcRect l="75705" t="13454" r="5640" b="53169"/>
+          <a:stretch/>
+        </p:blipFill>
+        <p:spPr>
+          <a:xfrm>
+            <a:off x="505063" y="1491917"/>
+            <a:ext cx="3890472" cy="4172600"/>
+          </a:xfrm>
+          <a:prstGeom prst="rect">
+            <a:avLst/>
+          </a:prstGeom>
+          <a:ln>
+            <a:solidFill>
+              <a:schemeClr val="accent4"/>
+            </a:solidFill>
+          </a:ln>
+        </p:spPr>
+      </p:pic>
+      <p:sp>
+        <p:nvSpPr>
+          <p:cNvPr id="13" name="TextBox 12"/>
+          <p:cNvSpPr txBox="1"/>
+          <p:nvPr/>
+        </p:nvSpPr>
+        <p:spPr>
+          <a:xfrm>
+            <a:off x="5277854" y="1403560"/>
+            <a:ext cx="3625516" cy="3662541"/>
+          </a:xfrm>
+          <a:prstGeom prst="rect">
+            <a:avLst/>
+          </a:prstGeom>
+          <a:noFill/>
+        </p:spPr>
+        <p:txBody>
+          <a:bodyPr wrap="square" rtlCol="0">
+            <a:spAutoFit/>
+          </a:bodyPr>
+          <a:lstStyle/>
+          <a:p>
+            <a:pPr marL="109538" indent="-109538">
+              <a:buFont typeface="Arial" panose="020B0604020202020204" pitchFamily="34" charset="0"/>
+              <a:buChar char="•"/>
+            </a:pPr>
+            <a:r>
+              <a:rPr lang="en-US" sz="2400" dirty="0"/>
+              <a:t>Laying the normal distribution onto the forecast you get a probability centered at the forecast.</a:t>
+            </a:r>
+          </a:p>
+          <a:p>
+            <a:pPr marL="109538" indent="-109538">
+              <a:buFont typeface="Arial" panose="020B0604020202020204" pitchFamily="34" charset="0"/>
+              <a:buChar char="•"/>
+            </a:pPr>
+            <a:r>
+              <a:rPr lang="en-US" sz="2400" dirty="0"/>
+              <a:t>Green is the “point estimate”</a:t>
+            </a:r>
+          </a:p>
+          <a:p>
+            <a:pPr marL="566738" lvl="1" indent="-109538">
+              <a:buFont typeface="Arial" panose="020B0604020202020204" pitchFamily="34" charset="0"/>
+              <a:buChar char="•"/>
+            </a:pPr>
+            <a:r>
+              <a:rPr lang="en-US" altLang="en-US" sz="1600" dirty="0">
+                <a:solidFill>
+                  <a:srgbClr val="000000"/>
+                </a:solidFill>
+                <a:latin typeface="Consolas" panose="020B0609020204030204" pitchFamily="49" charset="0"/>
+                <a:cs typeface="Consolas" panose="020B0609020204030204" pitchFamily="49" charset="0"/>
+              </a:rPr>
+              <a:t>Lo 80 </a:t>
+            </a:r>
+          </a:p>
+          <a:p>
+            <a:pPr marL="566738" lvl="1" indent="-109538">
+              <a:buFont typeface="Arial" panose="020B0604020202020204" pitchFamily="34" charset="0"/>
+              <a:buChar char="•"/>
+            </a:pPr>
+            <a:r>
+              <a:rPr lang="en-US" altLang="en-US" sz="1600" dirty="0">
+                <a:solidFill>
+                  <a:srgbClr val="000000"/>
+                </a:solidFill>
+                <a:latin typeface="Consolas" panose="020B0609020204030204" pitchFamily="49" charset="0"/>
+                <a:cs typeface="Consolas" panose="020B0609020204030204" pitchFamily="49" charset="0"/>
+              </a:rPr>
+              <a:t>Hi 80 </a:t>
+            </a:r>
+          </a:p>
+          <a:p>
+            <a:pPr marL="566738" lvl="1" indent="-109538">
+              <a:buFont typeface="Arial" panose="020B0604020202020204" pitchFamily="34" charset="0"/>
+              <a:buChar char="•"/>
+            </a:pPr>
+            <a:r>
+              <a:rPr lang="en-US" altLang="en-US" sz="1600" dirty="0">
+                <a:solidFill>
+                  <a:srgbClr val="000000"/>
+                </a:solidFill>
+                <a:latin typeface="Consolas" panose="020B0609020204030204" pitchFamily="49" charset="0"/>
+                <a:cs typeface="Consolas" panose="020B0609020204030204" pitchFamily="49" charset="0"/>
+              </a:rPr>
+              <a:t>Lo 95 </a:t>
+            </a:r>
+          </a:p>
+          <a:p>
+            <a:pPr marL="566738" lvl="1" indent="-109538">
+              <a:buFont typeface="Arial" panose="020B0604020202020204" pitchFamily="34" charset="0"/>
+              <a:buChar char="•"/>
+            </a:pPr>
+            <a:r>
+              <a:rPr lang="en-US" altLang="en-US" sz="1600" dirty="0">
+                <a:solidFill>
+                  <a:srgbClr val="000000"/>
+                </a:solidFill>
+                <a:latin typeface="Consolas" panose="020B0609020204030204" pitchFamily="49" charset="0"/>
+                <a:cs typeface="Consolas" panose="020B0609020204030204" pitchFamily="49" charset="0"/>
+              </a:rPr>
+              <a:t>Hi 95</a:t>
+            </a:r>
+            <a:endParaRPr lang="en-US" sz="1600" dirty="0">
+              <a:latin typeface="Consolas" panose="020B0609020204030204" pitchFamily="49" charset="0"/>
+              <a:cs typeface="Consolas" panose="020B0609020204030204" pitchFamily="49" charset="0"/>
+            </a:endParaRPr>
+          </a:p>
+        </p:txBody>
+      </p:sp>
+      <p:pic>
+        <p:nvPicPr>
+          <p:cNvPr id="18" name="Picture 2" descr="Image result for normal distribution curve transparent"/>
+          <p:cNvPicPr>
+            <a:picLocks noChangeAspect="1" noChangeArrowheads="1"/>
+          </p:cNvPicPr>
+          <p:nvPr/>
+        </p:nvPicPr>
+        <p:blipFill rotWithShape="1">
+          <a:blip r:embed="rId3">
+            <a:extLst>
+              <a:ext uri="{28A0092B-C50C-407E-A947-70E740481C1C}">
+                <a14:useLocalDpi xmlns:a14="http://schemas.microsoft.com/office/drawing/2010/main" val="0"/>
+              </a:ext>
+            </a:extLst>
+          </a:blip>
+          <a:srcRect l="6709" t="11922"/>
+          <a:stretch/>
+        </p:blipFill>
+        <p:spPr bwMode="auto">
+          <a:xfrm rot="5400000">
+            <a:off x="943677" y="3322570"/>
+            <a:ext cx="4684298" cy="1215493"/>
+          </a:xfrm>
+          <a:prstGeom prst="rect">
+            <a:avLst/>
+          </a:prstGeom>
+          <a:noFill/>
+          <a:extLst>
+            <a:ext uri="{909E8E84-426E-40DD-AFC4-6F175D3DCCD1}">
+              <a14:hiddenFill xmlns:a14="http://schemas.microsoft.com/office/drawing/2010/main">
+                <a:solidFill>
+                  <a:srgbClr val="FFFFFF"/>
+                </a:solidFill>
+              </a14:hiddenFill>
+            </a:ext>
+          </a:extLst>
+        </p:spPr>
+      </p:pic>
+      <p:sp>
+        <p:nvSpPr>
+          <p:cNvPr id="8" name="Oval 7"/>
+          <p:cNvSpPr/>
+          <p:nvPr/>
+        </p:nvSpPr>
+        <p:spPr>
+          <a:xfrm>
+            <a:off x="2713704" y="3045541"/>
+            <a:ext cx="125362" cy="125362"/>
+          </a:xfrm>
+          <a:prstGeom prst="ellipse">
+            <a:avLst/>
+          </a:prstGeom>
+          <a:solidFill>
+            <a:srgbClr val="FFC000"/>
+          </a:solidFill>
+          <a:ln>
+            <a:solidFill>
+              <a:srgbClr val="FFC000"/>
+            </a:solidFill>
+          </a:ln>
+        </p:spPr>
+        <p:style>
+          <a:lnRef idx="2">
+            <a:schemeClr val="accent1">
+              <a:shade val="50000"/>
+            </a:schemeClr>
+          </a:lnRef>
+          <a:fillRef idx="1">
+            <a:schemeClr val="accent1"/>
+          </a:fillRef>
+          <a:effectRef idx="0">
+            <a:schemeClr val="accent1"/>
+          </a:effectRef>
+          <a:fontRef idx="minor">
+            <a:schemeClr val="lt1"/>
+          </a:fontRef>
+        </p:style>
+        <p:txBody>
+          <a:bodyPr rtlCol="0" anchor="ctr"/>
+          <a:lstStyle/>
+          <a:p>
+            <a:pPr algn="ctr"/>
+            <a:endParaRPr lang="en-US"/>
+          </a:p>
+        </p:txBody>
+      </p:sp>
+      <p:sp>
+        <p:nvSpPr>
+          <p:cNvPr id="31" name="Oval 30"/>
+          <p:cNvSpPr/>
+          <p:nvPr/>
+        </p:nvSpPr>
+        <p:spPr>
+          <a:xfrm>
+            <a:off x="2703872" y="4510547"/>
+            <a:ext cx="125362" cy="125362"/>
+          </a:xfrm>
+          <a:prstGeom prst="ellipse">
+            <a:avLst/>
+          </a:prstGeom>
+          <a:solidFill>
+            <a:srgbClr val="FF0000"/>
+          </a:solidFill>
+          <a:ln>
+            <a:solidFill>
+              <a:srgbClr val="FF0000"/>
+            </a:solidFill>
+          </a:ln>
+        </p:spPr>
+        <p:style>
+          <a:lnRef idx="2">
+            <a:schemeClr val="accent1">
+              <a:shade val="50000"/>
+            </a:schemeClr>
+          </a:lnRef>
+          <a:fillRef idx="1">
+            <a:schemeClr val="accent1"/>
+          </a:fillRef>
+          <a:effectRef idx="0">
+            <a:schemeClr val="accent1"/>
+          </a:effectRef>
+          <a:fontRef idx="minor">
+            <a:schemeClr val="lt1"/>
+          </a:fontRef>
+        </p:style>
+        <p:txBody>
+          <a:bodyPr rtlCol="0" anchor="ctr"/>
+          <a:lstStyle/>
+          <a:p>
+            <a:pPr algn="ctr"/>
+            <a:endParaRPr lang="en-US"/>
+          </a:p>
+        </p:txBody>
+      </p:sp>
+      <p:sp>
+        <p:nvSpPr>
+          <p:cNvPr id="32" name="Oval 31"/>
+          <p:cNvSpPr/>
+          <p:nvPr/>
+        </p:nvSpPr>
+        <p:spPr>
+          <a:xfrm>
+            <a:off x="2703872" y="3610896"/>
+            <a:ext cx="125362" cy="125362"/>
+          </a:xfrm>
+          <a:prstGeom prst="ellipse">
+            <a:avLst/>
+          </a:prstGeom>
+          <a:solidFill>
+            <a:srgbClr val="00B050"/>
+          </a:solidFill>
+          <a:ln>
+            <a:solidFill>
+              <a:srgbClr val="00B050"/>
+            </a:solidFill>
+          </a:ln>
+        </p:spPr>
+        <p:style>
+          <a:lnRef idx="2">
+            <a:schemeClr val="accent1">
+              <a:shade val="50000"/>
+            </a:schemeClr>
+          </a:lnRef>
+          <a:fillRef idx="1">
+            <a:schemeClr val="accent1"/>
+          </a:fillRef>
+          <a:effectRef idx="0">
+            <a:schemeClr val="accent1"/>
+          </a:effectRef>
+          <a:fontRef idx="minor">
+            <a:schemeClr val="lt1"/>
+          </a:fontRef>
+        </p:style>
+        <p:txBody>
+          <a:bodyPr rtlCol="0" anchor="ctr"/>
+          <a:lstStyle/>
+          <a:p>
+            <a:pPr algn="ctr"/>
+            <a:endParaRPr lang="en-US"/>
+          </a:p>
+        </p:txBody>
+      </p:sp>
+      <p:cxnSp>
+        <p:nvCxnSpPr>
+          <p:cNvPr id="10" name="Straight Arrow Connector 9"/>
+          <p:cNvCxnSpPr>
+            <a:cxnSpLocks/>
+            <a:stCxn id="31" idx="6"/>
+          </p:cNvCxnSpPr>
+          <p:nvPr/>
+        </p:nvCxnSpPr>
+        <p:spPr>
+          <a:xfrm>
+            <a:off x="2829234" y="4573228"/>
+            <a:ext cx="2914341" cy="0"/>
+          </a:xfrm>
+          <a:prstGeom prst="straightConnector1">
+            <a:avLst/>
+          </a:prstGeom>
+          <a:ln>
+            <a:solidFill>
+              <a:schemeClr val="accent3"/>
+            </a:solidFill>
+            <a:tailEnd type="triangle"/>
+          </a:ln>
+        </p:spPr>
+        <p:style>
+          <a:lnRef idx="1">
+            <a:schemeClr val="accent1"/>
+          </a:lnRef>
+          <a:fillRef idx="0">
+            <a:schemeClr val="accent1"/>
+          </a:fillRef>
+          <a:effectRef idx="0">
+            <a:schemeClr val="accent1"/>
+          </a:effectRef>
+          <a:fontRef idx="minor">
+            <a:schemeClr val="tx1"/>
+          </a:fontRef>
+        </p:style>
+      </p:cxnSp>
+      <p:cxnSp>
+        <p:nvCxnSpPr>
+          <p:cNvPr id="33" name="Straight Arrow Connector 32"/>
+          <p:cNvCxnSpPr>
+            <a:cxnSpLocks/>
+          </p:cNvCxnSpPr>
+          <p:nvPr/>
+        </p:nvCxnSpPr>
+        <p:spPr>
+          <a:xfrm>
+            <a:off x="2900363" y="3143250"/>
+            <a:ext cx="2857500" cy="985838"/>
+          </a:xfrm>
+          <a:prstGeom prst="straightConnector1">
+            <a:avLst/>
+          </a:prstGeom>
+          <a:ln>
+            <a:solidFill>
+              <a:schemeClr val="accent3"/>
+            </a:solidFill>
+            <a:tailEnd type="triangle"/>
+          </a:ln>
+        </p:spPr>
+        <p:style>
+          <a:lnRef idx="1">
+            <a:schemeClr val="accent1"/>
+          </a:lnRef>
+          <a:fillRef idx="0">
+            <a:schemeClr val="accent1"/>
+          </a:fillRef>
+          <a:effectRef idx="0">
+            <a:schemeClr val="accent1"/>
+          </a:effectRef>
+          <a:fontRef idx="minor">
+            <a:schemeClr val="tx1"/>
+          </a:fontRef>
+        </p:style>
+      </p:cxnSp>
+      <p:sp>
+        <p:nvSpPr>
+          <p:cNvPr id="3" name="Rectangle 2">
+            <a:extLst>
+              <a:ext uri="{FF2B5EF4-FFF2-40B4-BE49-F238E27FC236}">
+                <a16:creationId xmlns:a16="http://schemas.microsoft.com/office/drawing/2014/main" id="{3F8539F6-7B88-AB47-B178-13E7D711B65C}"/>
+              </a:ext>
+            </a:extLst>
+          </p:cNvPr>
+          <p:cNvSpPr/>
+          <p:nvPr/>
+        </p:nvSpPr>
+        <p:spPr>
+          <a:xfrm>
+            <a:off x="5757863" y="3981157"/>
+            <a:ext cx="924291" cy="1084944"/>
+          </a:xfrm>
+          <a:prstGeom prst="rect">
+            <a:avLst/>
+          </a:prstGeom>
+          <a:noFill/>
+          <a:ln>
+            <a:solidFill>
+              <a:schemeClr val="accent1"/>
+            </a:solidFill>
+          </a:ln>
+        </p:spPr>
+        <p:style>
+          <a:lnRef idx="2">
+            <a:schemeClr val="accent1">
+              <a:shade val="50000"/>
+            </a:schemeClr>
+          </a:lnRef>
+          <a:fillRef idx="1">
+            <a:schemeClr val="accent1"/>
+          </a:fillRef>
+          <a:effectRef idx="0">
+            <a:schemeClr val="accent1"/>
+          </a:effectRef>
+          <a:fontRef idx="minor">
+            <a:schemeClr val="lt1"/>
+          </a:fontRef>
+        </p:style>
+        <p:txBody>
+          <a:bodyPr rtlCol="0" anchor="ctr"/>
+          <a:lstStyle/>
+          <a:p>
+            <a:pPr algn="ctr"/>
+            <a:endParaRPr lang="en-US"/>
+          </a:p>
+        </p:txBody>
+      </p:sp>
+    </p:spTree>
+    <p:extLst>
+      <p:ext uri="{BB962C8B-B14F-4D97-AF65-F5344CB8AC3E}">
+        <p14:creationId xmlns:p14="http://schemas.microsoft.com/office/powerpoint/2010/main" val="1900005134"/>
       </p:ext>
     </p:extLst>
   </p:cSld>
@@ -17444,8 +17890,32 @@
           <a:p>
             <a:r>
               <a:rPr lang="en-US" dirty="0"/>
-              <a:t>Shaded Forecast Area?</a:t>
-            </a:r>
+              <a:t>Open </a:t>
+            </a:r>
+            <a:r>
+              <a:rPr lang="en-US" dirty="0" err="1"/>
+              <a:t>C_NaiveNike.R</a:t>
+            </a:r>
+            <a:endParaRPr lang="en-US" dirty="0"/>
+          </a:p>
+        </p:txBody>
+      </p:sp>
+      <p:sp>
+        <p:nvSpPr>
+          <p:cNvPr id="3" name="Content Placeholder 2"/>
+          <p:cNvSpPr>
+            <a:spLocks noGrp="1"/>
+          </p:cNvSpPr>
+          <p:nvPr>
+            <p:ph idx="1"/>
+          </p:nvPr>
+        </p:nvSpPr>
+        <p:spPr/>
+        <p:txBody>
+          <a:bodyPr/>
+          <a:lstStyle/>
+          <a:p>
+            <a:endParaRPr lang="en-US"/>
           </a:p>
         </p:txBody>
       </p:sp>
@@ -17466,7 +17936,7 @@
           <a:p>
             <a:fld id="{D753EFC8-4232-4598-94F6-94C0EBAFC469}" type="datetime1">
               <a:rPr lang="en-US" smtClean="0"/>
-              <a:t>3/21/22</a:t>
+              <a:t>10/23/22</a:t>
             </a:fld>
             <a:endParaRPr lang="en-US"/>
           </a:p>
@@ -17490,601 +17960,6 @@
             <a:fld id="{37290FF7-652B-4475-AEAB-8B1A5D23AE09}" type="slidenum">
               <a:rPr lang="en-US" smtClean="0"/>
               <a:t>36</a:t>
-            </a:fld>
-            <a:endParaRPr lang="en-US"/>
-          </a:p>
-        </p:txBody>
-      </p:sp>
-      <p:sp>
-        <p:nvSpPr>
-          <p:cNvPr id="6" name="Footer Placeholder 5"/>
-          <p:cNvSpPr>
-            <a:spLocks noGrp="1"/>
-          </p:cNvSpPr>
-          <p:nvPr>
-            <p:ph type="ftr" sz="quarter" idx="3"/>
-          </p:nvPr>
-        </p:nvSpPr>
-        <p:spPr/>
-        <p:txBody>
-          <a:bodyPr/>
-          <a:lstStyle/>
-          <a:p>
-            <a:r>
-              <a:rPr lang="en-US" dirty="0"/>
-              <a:t>Kwartler CSCI 96</a:t>
-            </a:r>
-          </a:p>
-        </p:txBody>
-      </p:sp>
-      <p:pic>
-        <p:nvPicPr>
-          <p:cNvPr id="12" name="Picture 11"/>
-          <p:cNvPicPr>
-            <a:picLocks noChangeAspect="1"/>
-          </p:cNvPicPr>
-          <p:nvPr/>
-        </p:nvPicPr>
-        <p:blipFill rotWithShape="1">
-          <a:blip r:embed="rId2"/>
-          <a:srcRect l="75705" t="13454" r="5640" b="53169"/>
-          <a:stretch/>
-        </p:blipFill>
-        <p:spPr>
-          <a:xfrm>
-            <a:off x="505063" y="1491917"/>
-            <a:ext cx="3890472" cy="4172600"/>
-          </a:xfrm>
-          <a:prstGeom prst="rect">
-            <a:avLst/>
-          </a:prstGeom>
-          <a:ln>
-            <a:solidFill>
-              <a:schemeClr val="accent4"/>
-            </a:solidFill>
-          </a:ln>
-        </p:spPr>
-      </p:pic>
-      <p:sp>
-        <p:nvSpPr>
-          <p:cNvPr id="13" name="TextBox 12"/>
-          <p:cNvSpPr txBox="1"/>
-          <p:nvPr/>
-        </p:nvSpPr>
-        <p:spPr>
-          <a:xfrm>
-            <a:off x="5277854" y="1403560"/>
-            <a:ext cx="3625516" cy="3662541"/>
-          </a:xfrm>
-          <a:prstGeom prst="rect">
-            <a:avLst/>
-          </a:prstGeom>
-          <a:noFill/>
-        </p:spPr>
-        <p:txBody>
-          <a:bodyPr wrap="square" rtlCol="0">
-            <a:spAutoFit/>
-          </a:bodyPr>
-          <a:lstStyle/>
-          <a:p>
-            <a:pPr marL="109538" indent="-109538">
-              <a:buFont typeface="Arial" panose="020B0604020202020204" pitchFamily="34" charset="0"/>
-              <a:buChar char="•"/>
-            </a:pPr>
-            <a:r>
-              <a:rPr lang="en-US" sz="2400" dirty="0"/>
-              <a:t>Laying the normal distribution onto the forecast you get a probability centered at the forecast.</a:t>
-            </a:r>
-          </a:p>
-          <a:p>
-            <a:pPr marL="109538" indent="-109538">
-              <a:buFont typeface="Arial" panose="020B0604020202020204" pitchFamily="34" charset="0"/>
-              <a:buChar char="•"/>
-            </a:pPr>
-            <a:r>
-              <a:rPr lang="en-US" sz="2400" dirty="0"/>
-              <a:t>Green is the “point estimate”</a:t>
-            </a:r>
-          </a:p>
-          <a:p>
-            <a:pPr marL="566738" lvl="1" indent="-109538">
-              <a:buFont typeface="Arial" panose="020B0604020202020204" pitchFamily="34" charset="0"/>
-              <a:buChar char="•"/>
-            </a:pPr>
-            <a:r>
-              <a:rPr lang="en-US" altLang="en-US" sz="1600" dirty="0">
-                <a:solidFill>
-                  <a:srgbClr val="000000"/>
-                </a:solidFill>
-                <a:latin typeface="Consolas" panose="020B0609020204030204" pitchFamily="49" charset="0"/>
-                <a:cs typeface="Consolas" panose="020B0609020204030204" pitchFamily="49" charset="0"/>
-              </a:rPr>
-              <a:t>Lo 80 </a:t>
-            </a:r>
-          </a:p>
-          <a:p>
-            <a:pPr marL="566738" lvl="1" indent="-109538">
-              <a:buFont typeface="Arial" panose="020B0604020202020204" pitchFamily="34" charset="0"/>
-              <a:buChar char="•"/>
-            </a:pPr>
-            <a:r>
-              <a:rPr lang="en-US" altLang="en-US" sz="1600" dirty="0">
-                <a:solidFill>
-                  <a:srgbClr val="000000"/>
-                </a:solidFill>
-                <a:latin typeface="Consolas" panose="020B0609020204030204" pitchFamily="49" charset="0"/>
-                <a:cs typeface="Consolas" panose="020B0609020204030204" pitchFamily="49" charset="0"/>
-              </a:rPr>
-              <a:t>Hi 80 </a:t>
-            </a:r>
-          </a:p>
-          <a:p>
-            <a:pPr marL="566738" lvl="1" indent="-109538">
-              <a:buFont typeface="Arial" panose="020B0604020202020204" pitchFamily="34" charset="0"/>
-              <a:buChar char="•"/>
-            </a:pPr>
-            <a:r>
-              <a:rPr lang="en-US" altLang="en-US" sz="1600" dirty="0">
-                <a:solidFill>
-                  <a:srgbClr val="000000"/>
-                </a:solidFill>
-                <a:latin typeface="Consolas" panose="020B0609020204030204" pitchFamily="49" charset="0"/>
-                <a:cs typeface="Consolas" panose="020B0609020204030204" pitchFamily="49" charset="0"/>
-              </a:rPr>
-              <a:t>Lo 95 </a:t>
-            </a:r>
-          </a:p>
-          <a:p>
-            <a:pPr marL="566738" lvl="1" indent="-109538">
-              <a:buFont typeface="Arial" panose="020B0604020202020204" pitchFamily="34" charset="0"/>
-              <a:buChar char="•"/>
-            </a:pPr>
-            <a:r>
-              <a:rPr lang="en-US" altLang="en-US" sz="1600" dirty="0">
-                <a:solidFill>
-                  <a:srgbClr val="000000"/>
-                </a:solidFill>
-                <a:latin typeface="Consolas" panose="020B0609020204030204" pitchFamily="49" charset="0"/>
-                <a:cs typeface="Consolas" panose="020B0609020204030204" pitchFamily="49" charset="0"/>
-              </a:rPr>
-              <a:t>Hi 95</a:t>
-            </a:r>
-            <a:endParaRPr lang="en-US" sz="1600" dirty="0">
-              <a:latin typeface="Consolas" panose="020B0609020204030204" pitchFamily="49" charset="0"/>
-              <a:cs typeface="Consolas" panose="020B0609020204030204" pitchFamily="49" charset="0"/>
-            </a:endParaRPr>
-          </a:p>
-        </p:txBody>
-      </p:sp>
-      <p:pic>
-        <p:nvPicPr>
-          <p:cNvPr id="18" name="Picture 2" descr="Image result for normal distribution curve transparent"/>
-          <p:cNvPicPr>
-            <a:picLocks noChangeAspect="1" noChangeArrowheads="1"/>
-          </p:cNvPicPr>
-          <p:nvPr/>
-        </p:nvPicPr>
-        <p:blipFill rotWithShape="1">
-          <a:blip r:embed="rId3">
-            <a:extLst>
-              <a:ext uri="{28A0092B-C50C-407E-A947-70E740481C1C}">
-                <a14:useLocalDpi xmlns:a14="http://schemas.microsoft.com/office/drawing/2010/main" val="0"/>
-              </a:ext>
-            </a:extLst>
-          </a:blip>
-          <a:srcRect l="6709" t="11922"/>
-          <a:stretch/>
-        </p:blipFill>
-        <p:spPr bwMode="auto">
-          <a:xfrm rot="5400000">
-            <a:off x="943677" y="3322570"/>
-            <a:ext cx="4684298" cy="1215493"/>
-          </a:xfrm>
-          <a:prstGeom prst="rect">
-            <a:avLst/>
-          </a:prstGeom>
-          <a:noFill/>
-          <a:extLst>
-            <a:ext uri="{909E8E84-426E-40DD-AFC4-6F175D3DCCD1}">
-              <a14:hiddenFill xmlns:a14="http://schemas.microsoft.com/office/drawing/2010/main">
-                <a:solidFill>
-                  <a:srgbClr val="FFFFFF"/>
-                </a:solidFill>
-              </a14:hiddenFill>
-            </a:ext>
-          </a:extLst>
-        </p:spPr>
-      </p:pic>
-      <p:sp>
-        <p:nvSpPr>
-          <p:cNvPr id="8" name="Oval 7"/>
-          <p:cNvSpPr/>
-          <p:nvPr/>
-        </p:nvSpPr>
-        <p:spPr>
-          <a:xfrm>
-            <a:off x="2713704" y="3045541"/>
-            <a:ext cx="125362" cy="125362"/>
-          </a:xfrm>
-          <a:prstGeom prst="ellipse">
-            <a:avLst/>
-          </a:prstGeom>
-          <a:solidFill>
-            <a:srgbClr val="FFC000"/>
-          </a:solidFill>
-          <a:ln>
-            <a:solidFill>
-              <a:srgbClr val="FFC000"/>
-            </a:solidFill>
-          </a:ln>
-        </p:spPr>
-        <p:style>
-          <a:lnRef idx="2">
-            <a:schemeClr val="accent1">
-              <a:shade val="50000"/>
-            </a:schemeClr>
-          </a:lnRef>
-          <a:fillRef idx="1">
-            <a:schemeClr val="accent1"/>
-          </a:fillRef>
-          <a:effectRef idx="0">
-            <a:schemeClr val="accent1"/>
-          </a:effectRef>
-          <a:fontRef idx="minor">
-            <a:schemeClr val="lt1"/>
-          </a:fontRef>
-        </p:style>
-        <p:txBody>
-          <a:bodyPr rtlCol="0" anchor="ctr"/>
-          <a:lstStyle/>
-          <a:p>
-            <a:pPr algn="ctr"/>
-            <a:endParaRPr lang="en-US"/>
-          </a:p>
-        </p:txBody>
-      </p:sp>
-      <p:sp>
-        <p:nvSpPr>
-          <p:cNvPr id="31" name="Oval 30"/>
-          <p:cNvSpPr/>
-          <p:nvPr/>
-        </p:nvSpPr>
-        <p:spPr>
-          <a:xfrm>
-            <a:off x="2703872" y="4510547"/>
-            <a:ext cx="125362" cy="125362"/>
-          </a:xfrm>
-          <a:prstGeom prst="ellipse">
-            <a:avLst/>
-          </a:prstGeom>
-          <a:solidFill>
-            <a:srgbClr val="FF0000"/>
-          </a:solidFill>
-          <a:ln>
-            <a:solidFill>
-              <a:srgbClr val="FF0000"/>
-            </a:solidFill>
-          </a:ln>
-        </p:spPr>
-        <p:style>
-          <a:lnRef idx="2">
-            <a:schemeClr val="accent1">
-              <a:shade val="50000"/>
-            </a:schemeClr>
-          </a:lnRef>
-          <a:fillRef idx="1">
-            <a:schemeClr val="accent1"/>
-          </a:fillRef>
-          <a:effectRef idx="0">
-            <a:schemeClr val="accent1"/>
-          </a:effectRef>
-          <a:fontRef idx="minor">
-            <a:schemeClr val="lt1"/>
-          </a:fontRef>
-        </p:style>
-        <p:txBody>
-          <a:bodyPr rtlCol="0" anchor="ctr"/>
-          <a:lstStyle/>
-          <a:p>
-            <a:pPr algn="ctr"/>
-            <a:endParaRPr lang="en-US"/>
-          </a:p>
-        </p:txBody>
-      </p:sp>
-      <p:sp>
-        <p:nvSpPr>
-          <p:cNvPr id="32" name="Oval 31"/>
-          <p:cNvSpPr/>
-          <p:nvPr/>
-        </p:nvSpPr>
-        <p:spPr>
-          <a:xfrm>
-            <a:off x="2703872" y="3610896"/>
-            <a:ext cx="125362" cy="125362"/>
-          </a:xfrm>
-          <a:prstGeom prst="ellipse">
-            <a:avLst/>
-          </a:prstGeom>
-          <a:solidFill>
-            <a:srgbClr val="00B050"/>
-          </a:solidFill>
-          <a:ln>
-            <a:solidFill>
-              <a:srgbClr val="00B050"/>
-            </a:solidFill>
-          </a:ln>
-        </p:spPr>
-        <p:style>
-          <a:lnRef idx="2">
-            <a:schemeClr val="accent1">
-              <a:shade val="50000"/>
-            </a:schemeClr>
-          </a:lnRef>
-          <a:fillRef idx="1">
-            <a:schemeClr val="accent1"/>
-          </a:fillRef>
-          <a:effectRef idx="0">
-            <a:schemeClr val="accent1"/>
-          </a:effectRef>
-          <a:fontRef idx="minor">
-            <a:schemeClr val="lt1"/>
-          </a:fontRef>
-        </p:style>
-        <p:txBody>
-          <a:bodyPr rtlCol="0" anchor="ctr"/>
-          <a:lstStyle/>
-          <a:p>
-            <a:pPr algn="ctr"/>
-            <a:endParaRPr lang="en-US"/>
-          </a:p>
-        </p:txBody>
-      </p:sp>
-      <p:cxnSp>
-        <p:nvCxnSpPr>
-          <p:cNvPr id="10" name="Straight Arrow Connector 9"/>
-          <p:cNvCxnSpPr>
-            <a:cxnSpLocks/>
-            <a:stCxn id="31" idx="6"/>
-          </p:cNvCxnSpPr>
-          <p:nvPr/>
-        </p:nvCxnSpPr>
-        <p:spPr>
-          <a:xfrm>
-            <a:off x="2829234" y="4573228"/>
-            <a:ext cx="2914341" cy="0"/>
-          </a:xfrm>
-          <a:prstGeom prst="straightConnector1">
-            <a:avLst/>
-          </a:prstGeom>
-          <a:ln>
-            <a:solidFill>
-              <a:schemeClr val="accent3"/>
-            </a:solidFill>
-            <a:tailEnd type="triangle"/>
-          </a:ln>
-        </p:spPr>
-        <p:style>
-          <a:lnRef idx="1">
-            <a:schemeClr val="accent1"/>
-          </a:lnRef>
-          <a:fillRef idx="0">
-            <a:schemeClr val="accent1"/>
-          </a:fillRef>
-          <a:effectRef idx="0">
-            <a:schemeClr val="accent1"/>
-          </a:effectRef>
-          <a:fontRef idx="minor">
-            <a:schemeClr val="tx1"/>
-          </a:fontRef>
-        </p:style>
-      </p:cxnSp>
-      <p:cxnSp>
-        <p:nvCxnSpPr>
-          <p:cNvPr id="33" name="Straight Arrow Connector 32"/>
-          <p:cNvCxnSpPr>
-            <a:cxnSpLocks/>
-          </p:cNvCxnSpPr>
-          <p:nvPr/>
-        </p:nvCxnSpPr>
-        <p:spPr>
-          <a:xfrm>
-            <a:off x="2900363" y="3143250"/>
-            <a:ext cx="2857500" cy="985838"/>
-          </a:xfrm>
-          <a:prstGeom prst="straightConnector1">
-            <a:avLst/>
-          </a:prstGeom>
-          <a:ln>
-            <a:solidFill>
-              <a:schemeClr val="accent3"/>
-            </a:solidFill>
-            <a:tailEnd type="triangle"/>
-          </a:ln>
-        </p:spPr>
-        <p:style>
-          <a:lnRef idx="1">
-            <a:schemeClr val="accent1"/>
-          </a:lnRef>
-          <a:fillRef idx="0">
-            <a:schemeClr val="accent1"/>
-          </a:fillRef>
-          <a:effectRef idx="0">
-            <a:schemeClr val="accent1"/>
-          </a:effectRef>
-          <a:fontRef idx="minor">
-            <a:schemeClr val="tx1"/>
-          </a:fontRef>
-        </p:style>
-      </p:cxnSp>
-      <p:sp>
-        <p:nvSpPr>
-          <p:cNvPr id="3" name="Rectangle 2">
-            <a:extLst>
-              <a:ext uri="{FF2B5EF4-FFF2-40B4-BE49-F238E27FC236}">
-                <a16:creationId xmlns:a16="http://schemas.microsoft.com/office/drawing/2014/main" id="{3F8539F6-7B88-AB47-B178-13E7D711B65C}"/>
-              </a:ext>
-            </a:extLst>
-          </p:cNvPr>
-          <p:cNvSpPr/>
-          <p:nvPr/>
-        </p:nvSpPr>
-        <p:spPr>
-          <a:xfrm>
-            <a:off x="5757863" y="3981157"/>
-            <a:ext cx="924291" cy="1084944"/>
-          </a:xfrm>
-          <a:prstGeom prst="rect">
-            <a:avLst/>
-          </a:prstGeom>
-          <a:noFill/>
-          <a:ln>
-            <a:solidFill>
-              <a:schemeClr val="accent1"/>
-            </a:solidFill>
-          </a:ln>
-        </p:spPr>
-        <p:style>
-          <a:lnRef idx="2">
-            <a:schemeClr val="accent1">
-              <a:shade val="50000"/>
-            </a:schemeClr>
-          </a:lnRef>
-          <a:fillRef idx="1">
-            <a:schemeClr val="accent1"/>
-          </a:fillRef>
-          <a:effectRef idx="0">
-            <a:schemeClr val="accent1"/>
-          </a:effectRef>
-          <a:fontRef idx="minor">
-            <a:schemeClr val="lt1"/>
-          </a:fontRef>
-        </p:style>
-        <p:txBody>
-          <a:bodyPr rtlCol="0" anchor="ctr"/>
-          <a:lstStyle/>
-          <a:p>
-            <a:pPr algn="ctr"/>
-            <a:endParaRPr lang="en-US"/>
-          </a:p>
-        </p:txBody>
-      </p:sp>
-    </p:spTree>
-    <p:extLst>
-      <p:ext uri="{BB962C8B-B14F-4D97-AF65-F5344CB8AC3E}">
-        <p14:creationId xmlns:p14="http://schemas.microsoft.com/office/powerpoint/2010/main" val="1900005134"/>
-      </p:ext>
-    </p:extLst>
-  </p:cSld>
-  <p:clrMapOvr>
-    <a:masterClrMapping/>
-  </p:clrMapOvr>
-</p:sld>
-</file>
-
-<file path=ppt/slides/slide37.xml><?xml version="1.0" encoding="utf-8"?>
-<p:sld xmlns:a="http://schemas.openxmlformats.org/drawingml/2006/main" xmlns:r="http://schemas.openxmlformats.org/officeDocument/2006/relationships" xmlns:p="http://schemas.openxmlformats.org/presentationml/2006/main">
-  <p:cSld>
-    <p:spTree>
-      <p:nvGrpSpPr>
-        <p:cNvPr id="1" name=""/>
-        <p:cNvGrpSpPr/>
-        <p:nvPr/>
-      </p:nvGrpSpPr>
-      <p:grpSpPr>
-        <a:xfrm>
-          <a:off x="0" y="0"/>
-          <a:ext cx="0" cy="0"/>
-          <a:chOff x="0" y="0"/>
-          <a:chExt cx="0" cy="0"/>
-        </a:xfrm>
-      </p:grpSpPr>
-      <p:sp>
-        <p:nvSpPr>
-          <p:cNvPr id="2" name="Title 1"/>
-          <p:cNvSpPr>
-            <a:spLocks noGrp="1"/>
-          </p:cNvSpPr>
-          <p:nvPr>
-            <p:ph type="title"/>
-          </p:nvPr>
-        </p:nvSpPr>
-        <p:spPr/>
-        <p:txBody>
-          <a:bodyPr/>
-          <a:lstStyle/>
-          <a:p>
-            <a:r>
-              <a:rPr lang="en-US" dirty="0"/>
-              <a:t>Open </a:t>
-            </a:r>
-            <a:r>
-              <a:rPr lang="en-US" dirty="0" err="1"/>
-              <a:t>D_NaiveNike.R</a:t>
-            </a:r>
-            <a:endParaRPr lang="en-US" dirty="0"/>
-          </a:p>
-        </p:txBody>
-      </p:sp>
-      <p:sp>
-        <p:nvSpPr>
-          <p:cNvPr id="3" name="Content Placeholder 2"/>
-          <p:cNvSpPr>
-            <a:spLocks noGrp="1"/>
-          </p:cNvSpPr>
-          <p:nvPr>
-            <p:ph idx="1"/>
-          </p:nvPr>
-        </p:nvSpPr>
-        <p:spPr/>
-        <p:txBody>
-          <a:bodyPr/>
-          <a:lstStyle/>
-          <a:p>
-            <a:endParaRPr lang="en-US"/>
-          </a:p>
-        </p:txBody>
-      </p:sp>
-      <p:sp>
-        <p:nvSpPr>
-          <p:cNvPr id="4" name="Date Placeholder 3"/>
-          <p:cNvSpPr>
-            <a:spLocks noGrp="1"/>
-          </p:cNvSpPr>
-          <p:nvPr>
-            <p:ph type="dt" sz="half" idx="10"/>
-          </p:nvPr>
-        </p:nvSpPr>
-        <p:spPr/>
-        <p:txBody>
-          <a:bodyPr/>
-          <a:lstStyle/>
-          <a:p>
-            <a:fld id="{D753EFC8-4232-4598-94F6-94C0EBAFC469}" type="datetime1">
-              <a:rPr lang="en-US" smtClean="0"/>
-              <a:t>3/21/22</a:t>
-            </a:fld>
-            <a:endParaRPr lang="en-US"/>
-          </a:p>
-        </p:txBody>
-      </p:sp>
-      <p:sp>
-        <p:nvSpPr>
-          <p:cNvPr id="5" name="Slide Number Placeholder 4"/>
-          <p:cNvSpPr>
-            <a:spLocks noGrp="1"/>
-          </p:cNvSpPr>
-          <p:nvPr>
-            <p:ph type="sldNum" sz="quarter" idx="12"/>
-          </p:nvPr>
-        </p:nvSpPr>
-        <p:spPr/>
-        <p:txBody>
-          <a:bodyPr/>
-          <a:lstStyle/>
-          <a:p>
-            <a:fld id="{37290FF7-652B-4475-AEAB-8B1A5D23AE09}" type="slidenum">
-              <a:rPr lang="en-US" smtClean="0"/>
-              <a:t>37</a:t>
             </a:fld>
             <a:endParaRPr lang="en-US"/>
           </a:p>
@@ -18125,7 +18000,7 @@
 </p:sld>
 </file>
 
-<file path=ppt/slides/slide38.xml><?xml version="1.0" encoding="utf-8"?>
+<file path=ppt/slides/slide37.xml><?xml version="1.0" encoding="utf-8"?>
 <p:sld xmlns:a="http://schemas.openxmlformats.org/drawingml/2006/main" xmlns:r="http://schemas.openxmlformats.org/officeDocument/2006/relationships" xmlns:p="http://schemas.openxmlformats.org/presentationml/2006/main">
   <p:cSld>
     <p:spTree>
@@ -18595,7 +18470,7 @@
           <a:p>
             <a:fld id="{9B19E99B-5349-415A-8E56-8E989211A366}" type="datetime1">
               <a:rPr lang="en-US" smtClean="0"/>
-              <a:t>3/21/22</a:t>
+              <a:t>10/23/22</a:t>
             </a:fld>
             <a:endParaRPr lang="en-US"/>
           </a:p>
@@ -18640,7 +18515,7 @@
           <a:p>
             <a:fld id="{37290FF7-652B-4475-AEAB-8B1A5D23AE09}" type="slidenum">
               <a:rPr lang="en-US" smtClean="0"/>
-              <a:t>38</a:t>
+              <a:t>37</a:t>
             </a:fld>
             <a:endParaRPr lang="en-US"/>
           </a:p>
@@ -18659,7 +18534,7 @@
 </p:sld>
 </file>
 
-<file path=ppt/slides/slide39.xml><?xml version="1.0" encoding="utf-8"?>
+<file path=ppt/slides/slide38.xml><?xml version="1.0" encoding="utf-8"?>
 <p:sld xmlns:a="http://schemas.openxmlformats.org/drawingml/2006/main" xmlns:r="http://schemas.openxmlformats.org/officeDocument/2006/relationships" xmlns:p="http://schemas.openxmlformats.org/presentationml/2006/main">
   <p:cSld>
     <p:spTree>
@@ -18763,7 +18638,7 @@
           <a:p>
             <a:fld id="{D753EFC8-4232-4598-94F6-94C0EBAFC469}" type="datetime1">
               <a:rPr lang="en-US" smtClean="0"/>
-              <a:t>3/21/22</a:t>
+              <a:t>10/23/22</a:t>
             </a:fld>
             <a:endParaRPr lang="en-US"/>
           </a:p>
@@ -18786,7 +18661,7 @@
           <a:p>
             <a:fld id="{37290FF7-652B-4475-AEAB-8B1A5D23AE09}" type="slidenum">
               <a:rPr lang="en-US" smtClean="0"/>
-              <a:t>39</a:t>
+              <a:t>38</a:t>
             </a:fld>
             <a:endParaRPr lang="en-US"/>
           </a:p>
@@ -19097,7 +18972,7 @@
 </p:sld>
 </file>
 
-<file path=ppt/slides/slide4.xml><?xml version="1.0" encoding="utf-8"?>
+<file path=ppt/slides/slide39.xml><?xml version="1.0" encoding="utf-8"?>
 <p:sld xmlns:a="http://schemas.openxmlformats.org/drawingml/2006/main" xmlns:r="http://schemas.openxmlformats.org/officeDocument/2006/relationships" xmlns:p="http://schemas.openxmlformats.org/presentationml/2006/main">
   <p:cSld>
     <p:spTree>
@@ -19116,17 +18991,33 @@
       </p:grpSpPr>
       <p:sp>
         <p:nvSpPr>
-          <p:cNvPr id="2" name="Date Placeholder 1">
-            <a:extLst>
-              <a:ext uri="{FF2B5EF4-FFF2-40B4-BE49-F238E27FC236}">
-                <a16:creationId xmlns:a16="http://schemas.microsoft.com/office/drawing/2014/main" id="{3FE42EE3-9848-4091-AB32-9CD1544500AA}"/>
-              </a:ext>
-            </a:extLst>
-          </p:cNvPr>
+          <p:cNvPr id="2" name="Title 1"/>
           <p:cNvSpPr>
             <a:spLocks noGrp="1"/>
           </p:cNvSpPr>
           <p:nvPr>
+            <p:ph type="title"/>
+          </p:nvPr>
+        </p:nvSpPr>
+        <p:spPr/>
+        <p:txBody>
+          <a:bodyPr/>
+          <a:lstStyle/>
+          <a:p>
+            <a:r>
+              <a:rPr lang="en-US" dirty="0"/>
+              <a:t>Time Series Decomposition</a:t>
+            </a:r>
+          </a:p>
+        </p:txBody>
+      </p:sp>
+      <p:sp>
+        <p:nvSpPr>
+          <p:cNvPr id="4" name="Date Placeholder 3"/>
+          <p:cNvSpPr>
+            <a:spLocks noGrp="1"/>
+          </p:cNvSpPr>
+          <p:nvPr>
             <p:ph type="dt" sz="half" idx="10"/>
           </p:nvPr>
         </p:nvSpPr>
@@ -19135,9 +19026,9 @@
           <a:bodyPr/>
           <a:lstStyle/>
           <a:p>
-            <a:fld id="{6700A58B-DD98-43D0-B791-721480A02982}" type="datetime1">
+            <a:fld id="{D753EFC8-4232-4598-94F6-94C0EBAFC469}" type="datetime1">
               <a:rPr lang="en-US" smtClean="0"/>
-              <a:t>3/21/22</a:t>
+              <a:t>10/23/22</a:t>
             </a:fld>
             <a:endParaRPr lang="en-US"/>
           </a:p>
@@ -19145,46 +19036,7 @@
       </p:sp>
       <p:sp>
         <p:nvSpPr>
-          <p:cNvPr id="3" name="Title 2">
-            <a:extLst>
-              <a:ext uri="{FF2B5EF4-FFF2-40B4-BE49-F238E27FC236}">
-                <a16:creationId xmlns:a16="http://schemas.microsoft.com/office/drawing/2014/main" id="{75CF0D48-1409-4FA8-BC35-CEE75BFEF286}"/>
-              </a:ext>
-            </a:extLst>
-          </p:cNvPr>
-          <p:cNvSpPr>
-            <a:spLocks noGrp="1"/>
-          </p:cNvSpPr>
-          <p:nvPr>
-            <p:ph type="title"/>
-          </p:nvPr>
-        </p:nvSpPr>
-        <p:spPr>
-          <a:xfrm>
-            <a:off x="280657" y="365126"/>
-            <a:ext cx="8618899" cy="591477"/>
-          </a:xfrm>
-        </p:spPr>
-        <p:txBody>
-          <a:bodyPr/>
-          <a:lstStyle/>
-          <a:p>
-            <a:r>
-              <a:rPr lang="en-US" sz="2600" dirty="0"/>
-              <a:t>Difference between ML Data Setup &amp; Time Series Data</a:t>
-            </a:r>
-          </a:p>
-        </p:txBody>
-      </p:sp>
-      <p:sp>
-        <p:nvSpPr>
-          <p:cNvPr id="4" name="Slide Number Placeholder 3">
-            <a:extLst>
-              <a:ext uri="{FF2B5EF4-FFF2-40B4-BE49-F238E27FC236}">
-                <a16:creationId xmlns:a16="http://schemas.microsoft.com/office/drawing/2014/main" id="{2236DEF1-B7DD-43A0-BF17-9242EB83DB1B}"/>
-              </a:ext>
-            </a:extLst>
-          </p:cNvPr>
+          <p:cNvPr id="5" name="Slide Number Placeholder 4"/>
           <p:cNvSpPr>
             <a:spLocks noGrp="1"/>
           </p:cNvSpPr>
@@ -19199,489 +19051,7 @@
           <a:p>
             <a:fld id="{37290FF7-652B-4475-AEAB-8B1A5D23AE09}" type="slidenum">
               <a:rPr lang="en-US" smtClean="0"/>
-              <a:t>4</a:t>
-            </a:fld>
-            <a:endParaRPr lang="en-US"/>
-          </a:p>
-        </p:txBody>
-      </p:sp>
-      <p:sp>
-        <p:nvSpPr>
-          <p:cNvPr id="5" name="Footer Placeholder 4">
-            <a:extLst>
-              <a:ext uri="{FF2B5EF4-FFF2-40B4-BE49-F238E27FC236}">
-                <a16:creationId xmlns:a16="http://schemas.microsoft.com/office/drawing/2014/main" id="{08728560-6A4E-47D2-9335-23EFE2B9303A}"/>
-              </a:ext>
-            </a:extLst>
-          </p:cNvPr>
-          <p:cNvSpPr>
-            <a:spLocks noGrp="1"/>
-          </p:cNvSpPr>
-          <p:nvPr>
-            <p:ph type="ftr" sz="quarter" idx="3"/>
-          </p:nvPr>
-        </p:nvSpPr>
-        <p:spPr/>
-        <p:txBody>
-          <a:bodyPr/>
-          <a:lstStyle/>
-          <a:p>
-            <a:r>
-              <a:rPr lang="en-US" dirty="0"/>
-              <a:t>Kwartler CSCI 96</a:t>
-            </a:r>
-          </a:p>
-        </p:txBody>
-      </p:sp>
-      <p:sp>
-        <p:nvSpPr>
-          <p:cNvPr id="6" name="Rectangle 5">
-            <a:extLst>
-              <a:ext uri="{FF2B5EF4-FFF2-40B4-BE49-F238E27FC236}">
-                <a16:creationId xmlns:a16="http://schemas.microsoft.com/office/drawing/2014/main" id="{7AAD1D07-F801-42E5-819D-E8E714D70829}"/>
-              </a:ext>
-            </a:extLst>
-          </p:cNvPr>
-          <p:cNvSpPr/>
-          <p:nvPr/>
-        </p:nvSpPr>
-        <p:spPr>
-          <a:xfrm>
-            <a:off x="280657" y="1520982"/>
-            <a:ext cx="8549018" cy="353085"/>
-          </a:xfrm>
-          <a:prstGeom prst="rect">
-            <a:avLst/>
-          </a:prstGeom>
-        </p:spPr>
-        <p:style>
-          <a:lnRef idx="2">
-            <a:schemeClr val="accent1">
-              <a:shade val="50000"/>
-            </a:schemeClr>
-          </a:lnRef>
-          <a:fillRef idx="1">
-            <a:schemeClr val="accent1"/>
-          </a:fillRef>
-          <a:effectRef idx="0">
-            <a:schemeClr val="accent1"/>
-          </a:effectRef>
-          <a:fontRef idx="minor">
-            <a:schemeClr val="lt1"/>
-          </a:fontRef>
-        </p:style>
-        <p:txBody>
-          <a:bodyPr rtlCol="0" anchor="ctr"/>
-          <a:lstStyle/>
-          <a:p>
-            <a:pPr algn="ctr"/>
-            <a:r>
-              <a:rPr lang="en-US" dirty="0"/>
-              <a:t>ML Data Frame</a:t>
-            </a:r>
-          </a:p>
-        </p:txBody>
-      </p:sp>
-      <p:sp>
-        <p:nvSpPr>
-          <p:cNvPr id="8" name="TextBox 7">
-            <a:extLst>
-              <a:ext uri="{FF2B5EF4-FFF2-40B4-BE49-F238E27FC236}">
-                <a16:creationId xmlns:a16="http://schemas.microsoft.com/office/drawing/2014/main" id="{92385DCF-E141-4D39-B06E-9C9C5AF21B3D}"/>
-              </a:ext>
-            </a:extLst>
-          </p:cNvPr>
-          <p:cNvSpPr txBox="1"/>
-          <p:nvPr/>
-        </p:nvSpPr>
-        <p:spPr>
-          <a:xfrm>
-            <a:off x="180644" y="4794235"/>
-            <a:ext cx="8963356" cy="1477328"/>
-          </a:xfrm>
-          <a:prstGeom prst="rect">
-            <a:avLst/>
-          </a:prstGeom>
-          <a:noFill/>
-        </p:spPr>
-        <p:txBody>
-          <a:bodyPr wrap="square" rtlCol="0">
-            <a:spAutoFit/>
-          </a:bodyPr>
-          <a:lstStyle/>
-          <a:p>
-            <a:pPr marL="285750" indent="-285750">
-              <a:buFont typeface="Arial" panose="020B0604020202020204" pitchFamily="34" charset="0"/>
-              <a:buChar char="•"/>
-            </a:pPr>
-            <a:r>
-              <a:rPr lang="en-US" dirty="0"/>
-              <a:t>Each record is a standalone observation of a phenomena you are trying to predict, classify or cluster.</a:t>
-            </a:r>
-          </a:p>
-          <a:p>
-            <a:pPr marL="285750" indent="-285750">
-              <a:buFont typeface="Arial" panose="020B0604020202020204" pitchFamily="34" charset="0"/>
-              <a:buChar char="•"/>
-            </a:pPr>
-            <a:r>
-              <a:rPr lang="en-US" dirty="0"/>
-              <a:t>Records have defined attributes for each data row.</a:t>
-            </a:r>
-          </a:p>
-          <a:p>
-            <a:pPr marL="285750" indent="-285750">
-              <a:buFont typeface="Arial" panose="020B0604020202020204" pitchFamily="34" charset="0"/>
-              <a:buChar char="•"/>
-            </a:pPr>
-            <a:r>
-              <a:rPr lang="en-US" dirty="0"/>
-              <a:t>Notice time is not interacting between rows </a:t>
-            </a:r>
-            <a:r>
-              <a:rPr lang="en-US" i="1" dirty="0"/>
-              <a:t>(or it had not better be) </a:t>
-            </a:r>
-            <a:r>
-              <a:rPr lang="en-US" dirty="0"/>
-              <a:t>but is present at the observational row.</a:t>
-            </a:r>
-          </a:p>
-        </p:txBody>
-      </p:sp>
-      <p:pic>
-        <p:nvPicPr>
-          <p:cNvPr id="10" name="Picture 9"/>
-          <p:cNvPicPr>
-            <a:picLocks noChangeAspect="1"/>
-          </p:cNvPicPr>
-          <p:nvPr/>
-        </p:nvPicPr>
-        <p:blipFill>
-          <a:blip r:embed="rId2"/>
-          <a:stretch>
-            <a:fillRect/>
-          </a:stretch>
-        </p:blipFill>
-        <p:spPr>
-          <a:xfrm>
-            <a:off x="485785" y="2151757"/>
-            <a:ext cx="8539841" cy="1371600"/>
-          </a:xfrm>
-          <a:prstGeom prst="rect">
-            <a:avLst/>
-          </a:prstGeom>
-        </p:spPr>
-      </p:pic>
-      <p:cxnSp>
-        <p:nvCxnSpPr>
-          <p:cNvPr id="12" name="Straight Arrow Connector 11"/>
-          <p:cNvCxnSpPr/>
-          <p:nvPr/>
-        </p:nvCxnSpPr>
-        <p:spPr>
-          <a:xfrm>
-            <a:off x="342912" y="2200275"/>
-            <a:ext cx="0" cy="1457325"/>
-          </a:xfrm>
-          <a:prstGeom prst="straightConnector1">
-            <a:avLst/>
-          </a:prstGeom>
-          <a:ln>
-            <a:solidFill>
-              <a:schemeClr val="accent6"/>
-            </a:solidFill>
-            <a:tailEnd type="triangle"/>
-          </a:ln>
-        </p:spPr>
-        <p:style>
-          <a:lnRef idx="1">
-            <a:schemeClr val="accent1"/>
-          </a:lnRef>
-          <a:fillRef idx="0">
-            <a:schemeClr val="accent1"/>
-          </a:fillRef>
-          <a:effectRef idx="0">
-            <a:schemeClr val="accent1"/>
-          </a:effectRef>
-          <a:fontRef idx="minor">
-            <a:schemeClr val="tx1"/>
-          </a:fontRef>
-        </p:style>
-      </p:cxnSp>
-      <p:sp>
-        <p:nvSpPr>
-          <p:cNvPr id="13" name="TextBox 12"/>
-          <p:cNvSpPr txBox="1"/>
-          <p:nvPr/>
-        </p:nvSpPr>
-        <p:spPr>
-          <a:xfrm rot="16200000">
-            <a:off x="-365100" y="2771775"/>
-            <a:ext cx="1007199" cy="276999"/>
-          </a:xfrm>
-          <a:prstGeom prst="rect">
-            <a:avLst/>
-          </a:prstGeom>
-          <a:noFill/>
-        </p:spPr>
-        <p:txBody>
-          <a:bodyPr wrap="none" rtlCol="0">
-            <a:spAutoFit/>
-          </a:bodyPr>
-          <a:lstStyle/>
-          <a:p>
-            <a:r>
-              <a:rPr lang="en-US" sz="1200" dirty="0">
-                <a:solidFill>
-                  <a:schemeClr val="accent6"/>
-                </a:solidFill>
-              </a:rPr>
-              <a:t>Observations</a:t>
-            </a:r>
-          </a:p>
-        </p:txBody>
-      </p:sp>
-      <p:cxnSp>
-        <p:nvCxnSpPr>
-          <p:cNvPr id="17" name="Straight Arrow Connector 16"/>
-          <p:cNvCxnSpPr/>
-          <p:nvPr/>
-        </p:nvCxnSpPr>
-        <p:spPr>
-          <a:xfrm>
-            <a:off x="657225" y="3857625"/>
-            <a:ext cx="8115300" cy="0"/>
-          </a:xfrm>
-          <a:prstGeom prst="straightConnector1">
-            <a:avLst/>
-          </a:prstGeom>
-          <a:ln>
-            <a:solidFill>
-              <a:schemeClr val="accent6"/>
-            </a:solidFill>
-            <a:tailEnd type="triangle"/>
-          </a:ln>
-        </p:spPr>
-        <p:style>
-          <a:lnRef idx="1">
-            <a:schemeClr val="accent1"/>
-          </a:lnRef>
-          <a:fillRef idx="0">
-            <a:schemeClr val="accent1"/>
-          </a:fillRef>
-          <a:effectRef idx="0">
-            <a:schemeClr val="accent1"/>
-          </a:effectRef>
-          <a:fontRef idx="minor">
-            <a:schemeClr val="tx1"/>
-          </a:fontRef>
-        </p:style>
-      </p:cxnSp>
-      <p:sp>
-        <p:nvSpPr>
-          <p:cNvPr id="18" name="TextBox 17"/>
-          <p:cNvSpPr txBox="1"/>
-          <p:nvPr/>
-        </p:nvSpPr>
-        <p:spPr>
-          <a:xfrm>
-            <a:off x="3087713" y="3924300"/>
-            <a:ext cx="2127955" cy="276999"/>
-          </a:xfrm>
-          <a:prstGeom prst="rect">
-            <a:avLst/>
-          </a:prstGeom>
-          <a:noFill/>
-        </p:spPr>
-        <p:txBody>
-          <a:bodyPr wrap="none" rtlCol="0">
-            <a:spAutoFit/>
-          </a:bodyPr>
-          <a:lstStyle/>
-          <a:p>
-            <a:r>
-              <a:rPr lang="en-US" sz="1200" dirty="0">
-                <a:solidFill>
-                  <a:schemeClr val="accent6"/>
-                </a:solidFill>
-              </a:rPr>
-              <a:t>Attributes for each observation</a:t>
-            </a:r>
-          </a:p>
-        </p:txBody>
-      </p:sp>
-    </p:spTree>
-    <p:extLst>
-      <p:ext uri="{BB962C8B-B14F-4D97-AF65-F5344CB8AC3E}">
-        <p14:creationId xmlns:p14="http://schemas.microsoft.com/office/powerpoint/2010/main" val="2749213946"/>
-      </p:ext>
-    </p:extLst>
-  </p:cSld>
-  <p:clrMapOvr>
-    <a:masterClrMapping/>
-  </p:clrMapOvr>
-  <p:timing>
-    <p:tnLst>
-      <p:par>
-        <p:cTn id="1" dur="indefinite" restart="never" nodeType="tmRoot">
-          <p:childTnLst>
-            <p:seq concurrent="1" nextAc="seek">
-              <p:cTn id="2" dur="indefinite" nodeType="mainSeq">
-                <p:childTnLst>
-                  <p:par>
-                    <p:cTn id="3" fill="hold">
-                      <p:stCondLst>
-                        <p:cond delay="indefinite"/>
-                      </p:stCondLst>
-                      <p:childTnLst>
-                        <p:par>
-                          <p:cTn id="4" fill="hold">
-                            <p:stCondLst>
-                              <p:cond delay="0"/>
-                            </p:stCondLst>
-                            <p:childTnLst>
-                              <p:par>
-                                <p:cTn id="5" presetID="1" presetClass="entr" presetSubtype="0" fill="hold" grpId="0" nodeType="clickEffect">
-                                  <p:stCondLst>
-                                    <p:cond delay="0"/>
-                                  </p:stCondLst>
-                                  <p:childTnLst>
-                                    <p:set>
-                                      <p:cBhvr>
-                                        <p:cTn id="6" dur="1" fill="hold">
-                                          <p:stCondLst>
-                                            <p:cond delay="0"/>
-                                          </p:stCondLst>
-                                        </p:cTn>
-                                        <p:tgtEl>
-                                          <p:spTgt spid="8"/>
-                                        </p:tgtEl>
-                                        <p:attrNameLst>
-                                          <p:attrName>style.visibility</p:attrName>
-                                        </p:attrNameLst>
-                                      </p:cBhvr>
-                                      <p:to>
-                                        <p:strVal val="visible"/>
-                                      </p:to>
-                                    </p:set>
-                                  </p:childTnLst>
-                                </p:cTn>
-                              </p:par>
-                            </p:childTnLst>
-                          </p:cTn>
-                        </p:par>
-                      </p:childTnLst>
-                    </p:cTn>
-                  </p:par>
-                </p:childTnLst>
-              </p:cTn>
-              <p:prevCondLst>
-                <p:cond evt="onPrev" delay="0">
-                  <p:tgtEl>
-                    <p:sldTgt/>
-                  </p:tgtEl>
-                </p:cond>
-              </p:prevCondLst>
-              <p:nextCondLst>
-                <p:cond evt="onNext" delay="0">
-                  <p:tgtEl>
-                    <p:sldTgt/>
-                  </p:tgtEl>
-                </p:cond>
-              </p:nextCondLst>
-            </p:seq>
-          </p:childTnLst>
-        </p:cTn>
-      </p:par>
-    </p:tnLst>
-    <p:bldLst>
-      <p:bldP spid="8" grpId="0"/>
-    </p:bldLst>
-  </p:timing>
-</p:sld>
-</file>
-
-<file path=ppt/slides/slide40.xml><?xml version="1.0" encoding="utf-8"?>
-<p:sld xmlns:a="http://schemas.openxmlformats.org/drawingml/2006/main" xmlns:r="http://schemas.openxmlformats.org/officeDocument/2006/relationships" xmlns:p="http://schemas.openxmlformats.org/presentationml/2006/main">
-  <p:cSld>
-    <p:spTree>
-      <p:nvGrpSpPr>
-        <p:cNvPr id="1" name=""/>
-        <p:cNvGrpSpPr/>
-        <p:nvPr/>
-      </p:nvGrpSpPr>
-      <p:grpSpPr>
-        <a:xfrm>
-          <a:off x="0" y="0"/>
-          <a:ext cx="0" cy="0"/>
-          <a:chOff x="0" y="0"/>
-          <a:chExt cx="0" cy="0"/>
-        </a:xfrm>
-      </p:grpSpPr>
-      <p:sp>
-        <p:nvSpPr>
-          <p:cNvPr id="2" name="Title 1"/>
-          <p:cNvSpPr>
-            <a:spLocks noGrp="1"/>
-          </p:cNvSpPr>
-          <p:nvPr>
-            <p:ph type="title"/>
-          </p:nvPr>
-        </p:nvSpPr>
-        <p:spPr/>
-        <p:txBody>
-          <a:bodyPr/>
-          <a:lstStyle/>
-          <a:p>
-            <a:r>
-              <a:rPr lang="en-US" dirty="0"/>
-              <a:t>Time Series Decomposition</a:t>
-            </a:r>
-          </a:p>
-        </p:txBody>
-      </p:sp>
-      <p:sp>
-        <p:nvSpPr>
-          <p:cNvPr id="4" name="Date Placeholder 3"/>
-          <p:cNvSpPr>
-            <a:spLocks noGrp="1"/>
-          </p:cNvSpPr>
-          <p:nvPr>
-            <p:ph type="dt" sz="half" idx="10"/>
-          </p:nvPr>
-        </p:nvSpPr>
-        <p:spPr/>
-        <p:txBody>
-          <a:bodyPr/>
-          <a:lstStyle/>
-          <a:p>
-            <a:fld id="{D753EFC8-4232-4598-94F6-94C0EBAFC469}" type="datetime1">
-              <a:rPr lang="en-US" smtClean="0"/>
-              <a:t>3/21/22</a:t>
-            </a:fld>
-            <a:endParaRPr lang="en-US"/>
-          </a:p>
-        </p:txBody>
-      </p:sp>
-      <p:sp>
-        <p:nvSpPr>
-          <p:cNvPr id="5" name="Slide Number Placeholder 4"/>
-          <p:cNvSpPr>
-            <a:spLocks noGrp="1"/>
-          </p:cNvSpPr>
-          <p:nvPr>
-            <p:ph type="sldNum" sz="quarter" idx="12"/>
-          </p:nvPr>
-        </p:nvSpPr>
-        <p:spPr/>
-        <p:txBody>
-          <a:bodyPr/>
-          <a:lstStyle/>
-          <a:p>
-            <a:fld id="{37290FF7-652B-4475-AEAB-8B1A5D23AE09}" type="slidenum">
-              <a:rPr lang="en-US" smtClean="0"/>
-              <a:t>40</a:t>
+              <a:t>39</a:t>
             </a:fld>
             <a:endParaRPr lang="en-US"/>
           </a:p>
@@ -19994,7 +19364,7 @@
 </p:sld>
 </file>
 
-<file path=ppt/slides/slide41.xml><?xml version="1.0" encoding="utf-8"?>
+<file path=ppt/slides/slide4.xml><?xml version="1.0" encoding="utf-8"?>
 <p:sld xmlns:a="http://schemas.openxmlformats.org/drawingml/2006/main" xmlns:r="http://schemas.openxmlformats.org/officeDocument/2006/relationships" xmlns:p="http://schemas.openxmlformats.org/presentationml/2006/main">
   <p:cSld>
     <p:spTree>
@@ -20013,6 +19383,511 @@
       </p:grpSpPr>
       <p:sp>
         <p:nvSpPr>
+          <p:cNvPr id="2" name="Date Placeholder 1">
+            <a:extLst>
+              <a:ext uri="{FF2B5EF4-FFF2-40B4-BE49-F238E27FC236}">
+                <a16:creationId xmlns:a16="http://schemas.microsoft.com/office/drawing/2014/main" id="{3FE42EE3-9848-4091-AB32-9CD1544500AA}"/>
+              </a:ext>
+            </a:extLst>
+          </p:cNvPr>
+          <p:cNvSpPr>
+            <a:spLocks noGrp="1"/>
+          </p:cNvSpPr>
+          <p:nvPr>
+            <p:ph type="dt" sz="half" idx="10"/>
+          </p:nvPr>
+        </p:nvSpPr>
+        <p:spPr/>
+        <p:txBody>
+          <a:bodyPr/>
+          <a:lstStyle/>
+          <a:p>
+            <a:fld id="{6700A58B-DD98-43D0-B791-721480A02982}" type="datetime1">
+              <a:rPr lang="en-US" smtClean="0"/>
+              <a:t>10/23/22</a:t>
+            </a:fld>
+            <a:endParaRPr lang="en-US"/>
+          </a:p>
+        </p:txBody>
+      </p:sp>
+      <p:sp>
+        <p:nvSpPr>
+          <p:cNvPr id="3" name="Title 2">
+            <a:extLst>
+              <a:ext uri="{FF2B5EF4-FFF2-40B4-BE49-F238E27FC236}">
+                <a16:creationId xmlns:a16="http://schemas.microsoft.com/office/drawing/2014/main" id="{75CF0D48-1409-4FA8-BC35-CEE75BFEF286}"/>
+              </a:ext>
+            </a:extLst>
+          </p:cNvPr>
+          <p:cNvSpPr>
+            <a:spLocks noGrp="1"/>
+          </p:cNvSpPr>
+          <p:nvPr>
+            <p:ph type="title"/>
+          </p:nvPr>
+        </p:nvSpPr>
+        <p:spPr>
+          <a:xfrm>
+            <a:off x="280657" y="365126"/>
+            <a:ext cx="8618899" cy="591477"/>
+          </a:xfrm>
+        </p:spPr>
+        <p:txBody>
+          <a:bodyPr/>
+          <a:lstStyle/>
+          <a:p>
+            <a:r>
+              <a:rPr lang="en-US" sz="2600" dirty="0"/>
+              <a:t>Difference between ML Data Setup &amp; Time Series Data</a:t>
+            </a:r>
+          </a:p>
+        </p:txBody>
+      </p:sp>
+      <p:sp>
+        <p:nvSpPr>
+          <p:cNvPr id="4" name="Slide Number Placeholder 3">
+            <a:extLst>
+              <a:ext uri="{FF2B5EF4-FFF2-40B4-BE49-F238E27FC236}">
+                <a16:creationId xmlns:a16="http://schemas.microsoft.com/office/drawing/2014/main" id="{2236DEF1-B7DD-43A0-BF17-9242EB83DB1B}"/>
+              </a:ext>
+            </a:extLst>
+          </p:cNvPr>
+          <p:cNvSpPr>
+            <a:spLocks noGrp="1"/>
+          </p:cNvSpPr>
+          <p:nvPr>
+            <p:ph type="sldNum" sz="quarter" idx="12"/>
+          </p:nvPr>
+        </p:nvSpPr>
+        <p:spPr/>
+        <p:txBody>
+          <a:bodyPr/>
+          <a:lstStyle/>
+          <a:p>
+            <a:fld id="{37290FF7-652B-4475-AEAB-8B1A5D23AE09}" type="slidenum">
+              <a:rPr lang="en-US" smtClean="0"/>
+              <a:t>4</a:t>
+            </a:fld>
+            <a:endParaRPr lang="en-US"/>
+          </a:p>
+        </p:txBody>
+      </p:sp>
+      <p:sp>
+        <p:nvSpPr>
+          <p:cNvPr id="5" name="Footer Placeholder 4">
+            <a:extLst>
+              <a:ext uri="{FF2B5EF4-FFF2-40B4-BE49-F238E27FC236}">
+                <a16:creationId xmlns:a16="http://schemas.microsoft.com/office/drawing/2014/main" id="{08728560-6A4E-47D2-9335-23EFE2B9303A}"/>
+              </a:ext>
+            </a:extLst>
+          </p:cNvPr>
+          <p:cNvSpPr>
+            <a:spLocks noGrp="1"/>
+          </p:cNvSpPr>
+          <p:nvPr>
+            <p:ph type="ftr" sz="quarter" idx="3"/>
+          </p:nvPr>
+        </p:nvSpPr>
+        <p:spPr/>
+        <p:txBody>
+          <a:bodyPr/>
+          <a:lstStyle/>
+          <a:p>
+            <a:r>
+              <a:rPr lang="en-US" dirty="0"/>
+              <a:t>Kwartler CSCI 96</a:t>
+            </a:r>
+          </a:p>
+        </p:txBody>
+      </p:sp>
+      <p:sp>
+        <p:nvSpPr>
+          <p:cNvPr id="6" name="Rectangle 5">
+            <a:extLst>
+              <a:ext uri="{FF2B5EF4-FFF2-40B4-BE49-F238E27FC236}">
+                <a16:creationId xmlns:a16="http://schemas.microsoft.com/office/drawing/2014/main" id="{7AAD1D07-F801-42E5-819D-E8E714D70829}"/>
+              </a:ext>
+            </a:extLst>
+          </p:cNvPr>
+          <p:cNvSpPr/>
+          <p:nvPr/>
+        </p:nvSpPr>
+        <p:spPr>
+          <a:xfrm>
+            <a:off x="280657" y="1520982"/>
+            <a:ext cx="8549018" cy="353085"/>
+          </a:xfrm>
+          <a:prstGeom prst="rect">
+            <a:avLst/>
+          </a:prstGeom>
+        </p:spPr>
+        <p:style>
+          <a:lnRef idx="2">
+            <a:schemeClr val="accent1">
+              <a:shade val="50000"/>
+            </a:schemeClr>
+          </a:lnRef>
+          <a:fillRef idx="1">
+            <a:schemeClr val="accent1"/>
+          </a:fillRef>
+          <a:effectRef idx="0">
+            <a:schemeClr val="accent1"/>
+          </a:effectRef>
+          <a:fontRef idx="minor">
+            <a:schemeClr val="lt1"/>
+          </a:fontRef>
+        </p:style>
+        <p:txBody>
+          <a:bodyPr rtlCol="0" anchor="ctr"/>
+          <a:lstStyle/>
+          <a:p>
+            <a:pPr algn="ctr"/>
+            <a:r>
+              <a:rPr lang="en-US" dirty="0"/>
+              <a:t>ML Data Frame</a:t>
+            </a:r>
+          </a:p>
+        </p:txBody>
+      </p:sp>
+      <p:sp>
+        <p:nvSpPr>
+          <p:cNvPr id="8" name="TextBox 7">
+            <a:extLst>
+              <a:ext uri="{FF2B5EF4-FFF2-40B4-BE49-F238E27FC236}">
+                <a16:creationId xmlns:a16="http://schemas.microsoft.com/office/drawing/2014/main" id="{92385DCF-E141-4D39-B06E-9C9C5AF21B3D}"/>
+              </a:ext>
+            </a:extLst>
+          </p:cNvPr>
+          <p:cNvSpPr txBox="1"/>
+          <p:nvPr/>
+        </p:nvSpPr>
+        <p:spPr>
+          <a:xfrm>
+            <a:off x="180644" y="4794235"/>
+            <a:ext cx="8963356" cy="1477328"/>
+          </a:xfrm>
+          <a:prstGeom prst="rect">
+            <a:avLst/>
+          </a:prstGeom>
+          <a:noFill/>
+        </p:spPr>
+        <p:txBody>
+          <a:bodyPr wrap="square" rtlCol="0">
+            <a:spAutoFit/>
+          </a:bodyPr>
+          <a:lstStyle/>
+          <a:p>
+            <a:pPr marL="285750" indent="-285750">
+              <a:buFont typeface="Arial" panose="020B0604020202020204" pitchFamily="34" charset="0"/>
+              <a:buChar char="•"/>
+            </a:pPr>
+            <a:r>
+              <a:rPr lang="en-US" dirty="0"/>
+              <a:t>Each record is a standalone observation of a phenomena you are trying to predict, classify or cluster.</a:t>
+            </a:r>
+          </a:p>
+          <a:p>
+            <a:pPr marL="285750" indent="-285750">
+              <a:buFont typeface="Arial" panose="020B0604020202020204" pitchFamily="34" charset="0"/>
+              <a:buChar char="•"/>
+            </a:pPr>
+            <a:r>
+              <a:rPr lang="en-US" dirty="0"/>
+              <a:t>Records have defined attributes for each data row.</a:t>
+            </a:r>
+          </a:p>
+          <a:p>
+            <a:pPr marL="285750" indent="-285750">
+              <a:buFont typeface="Arial" panose="020B0604020202020204" pitchFamily="34" charset="0"/>
+              <a:buChar char="•"/>
+            </a:pPr>
+            <a:r>
+              <a:rPr lang="en-US" dirty="0"/>
+              <a:t>Notice time is not interacting between rows </a:t>
+            </a:r>
+            <a:r>
+              <a:rPr lang="en-US" i="1" dirty="0"/>
+              <a:t>(or it had not better be) </a:t>
+            </a:r>
+            <a:r>
+              <a:rPr lang="en-US" dirty="0"/>
+              <a:t>but is present at the observational row.</a:t>
+            </a:r>
+          </a:p>
+        </p:txBody>
+      </p:sp>
+      <p:pic>
+        <p:nvPicPr>
+          <p:cNvPr id="10" name="Picture 9"/>
+          <p:cNvPicPr>
+            <a:picLocks noChangeAspect="1"/>
+          </p:cNvPicPr>
+          <p:nvPr/>
+        </p:nvPicPr>
+        <p:blipFill>
+          <a:blip r:embed="rId2"/>
+          <a:stretch>
+            <a:fillRect/>
+          </a:stretch>
+        </p:blipFill>
+        <p:spPr>
+          <a:xfrm>
+            <a:off x="485785" y="2151757"/>
+            <a:ext cx="8539841" cy="1371600"/>
+          </a:xfrm>
+          <a:prstGeom prst="rect">
+            <a:avLst/>
+          </a:prstGeom>
+        </p:spPr>
+      </p:pic>
+      <p:cxnSp>
+        <p:nvCxnSpPr>
+          <p:cNvPr id="12" name="Straight Arrow Connector 11"/>
+          <p:cNvCxnSpPr/>
+          <p:nvPr/>
+        </p:nvCxnSpPr>
+        <p:spPr>
+          <a:xfrm>
+            <a:off x="342912" y="2200275"/>
+            <a:ext cx="0" cy="1457325"/>
+          </a:xfrm>
+          <a:prstGeom prst="straightConnector1">
+            <a:avLst/>
+          </a:prstGeom>
+          <a:ln>
+            <a:solidFill>
+              <a:schemeClr val="accent6"/>
+            </a:solidFill>
+            <a:tailEnd type="triangle"/>
+          </a:ln>
+        </p:spPr>
+        <p:style>
+          <a:lnRef idx="1">
+            <a:schemeClr val="accent1"/>
+          </a:lnRef>
+          <a:fillRef idx="0">
+            <a:schemeClr val="accent1"/>
+          </a:fillRef>
+          <a:effectRef idx="0">
+            <a:schemeClr val="accent1"/>
+          </a:effectRef>
+          <a:fontRef idx="minor">
+            <a:schemeClr val="tx1"/>
+          </a:fontRef>
+        </p:style>
+      </p:cxnSp>
+      <p:sp>
+        <p:nvSpPr>
+          <p:cNvPr id="13" name="TextBox 12"/>
+          <p:cNvSpPr txBox="1"/>
+          <p:nvPr/>
+        </p:nvSpPr>
+        <p:spPr>
+          <a:xfrm rot="16200000">
+            <a:off x="-365100" y="2771775"/>
+            <a:ext cx="1007199" cy="276999"/>
+          </a:xfrm>
+          <a:prstGeom prst="rect">
+            <a:avLst/>
+          </a:prstGeom>
+          <a:noFill/>
+        </p:spPr>
+        <p:txBody>
+          <a:bodyPr wrap="none" rtlCol="0">
+            <a:spAutoFit/>
+          </a:bodyPr>
+          <a:lstStyle/>
+          <a:p>
+            <a:r>
+              <a:rPr lang="en-US" sz="1200" dirty="0">
+                <a:solidFill>
+                  <a:schemeClr val="accent6"/>
+                </a:solidFill>
+              </a:rPr>
+              <a:t>Observations</a:t>
+            </a:r>
+          </a:p>
+        </p:txBody>
+      </p:sp>
+      <p:cxnSp>
+        <p:nvCxnSpPr>
+          <p:cNvPr id="17" name="Straight Arrow Connector 16"/>
+          <p:cNvCxnSpPr/>
+          <p:nvPr/>
+        </p:nvCxnSpPr>
+        <p:spPr>
+          <a:xfrm>
+            <a:off x="657225" y="3857625"/>
+            <a:ext cx="8115300" cy="0"/>
+          </a:xfrm>
+          <a:prstGeom prst="straightConnector1">
+            <a:avLst/>
+          </a:prstGeom>
+          <a:ln>
+            <a:solidFill>
+              <a:schemeClr val="accent6"/>
+            </a:solidFill>
+            <a:tailEnd type="triangle"/>
+          </a:ln>
+        </p:spPr>
+        <p:style>
+          <a:lnRef idx="1">
+            <a:schemeClr val="accent1"/>
+          </a:lnRef>
+          <a:fillRef idx="0">
+            <a:schemeClr val="accent1"/>
+          </a:fillRef>
+          <a:effectRef idx="0">
+            <a:schemeClr val="accent1"/>
+          </a:effectRef>
+          <a:fontRef idx="minor">
+            <a:schemeClr val="tx1"/>
+          </a:fontRef>
+        </p:style>
+      </p:cxnSp>
+      <p:sp>
+        <p:nvSpPr>
+          <p:cNvPr id="18" name="TextBox 17"/>
+          <p:cNvSpPr txBox="1"/>
+          <p:nvPr/>
+        </p:nvSpPr>
+        <p:spPr>
+          <a:xfrm>
+            <a:off x="3087713" y="3924300"/>
+            <a:ext cx="2127955" cy="276999"/>
+          </a:xfrm>
+          <a:prstGeom prst="rect">
+            <a:avLst/>
+          </a:prstGeom>
+          <a:noFill/>
+        </p:spPr>
+        <p:txBody>
+          <a:bodyPr wrap="none" rtlCol="0">
+            <a:spAutoFit/>
+          </a:bodyPr>
+          <a:lstStyle/>
+          <a:p>
+            <a:r>
+              <a:rPr lang="en-US" sz="1200" dirty="0">
+                <a:solidFill>
+                  <a:schemeClr val="accent6"/>
+                </a:solidFill>
+              </a:rPr>
+              <a:t>Attributes for each observation</a:t>
+            </a:r>
+          </a:p>
+        </p:txBody>
+      </p:sp>
+    </p:spTree>
+    <p:extLst>
+      <p:ext uri="{BB962C8B-B14F-4D97-AF65-F5344CB8AC3E}">
+        <p14:creationId xmlns:p14="http://schemas.microsoft.com/office/powerpoint/2010/main" val="2749213946"/>
+      </p:ext>
+    </p:extLst>
+  </p:cSld>
+  <p:clrMapOvr>
+    <a:masterClrMapping/>
+  </p:clrMapOvr>
+  <p:timing>
+    <p:tnLst>
+      <p:par>
+        <p:cTn id="1" dur="indefinite" restart="never" nodeType="tmRoot">
+          <p:childTnLst>
+            <p:seq concurrent="1" nextAc="seek">
+              <p:cTn id="2" dur="indefinite" nodeType="mainSeq">
+                <p:childTnLst>
+                  <p:par>
+                    <p:cTn id="3" fill="hold">
+                      <p:stCondLst>
+                        <p:cond delay="indefinite"/>
+                      </p:stCondLst>
+                      <p:childTnLst>
+                        <p:par>
+                          <p:cTn id="4" fill="hold">
+                            <p:stCondLst>
+                              <p:cond delay="0"/>
+                            </p:stCondLst>
+                            <p:childTnLst>
+                              <p:par>
+                                <p:cTn id="5" presetID="1" presetClass="entr" presetSubtype="0" fill="hold" grpId="0" nodeType="clickEffect">
+                                  <p:stCondLst>
+                                    <p:cond delay="0"/>
+                                  </p:stCondLst>
+                                  <p:childTnLst>
+                                    <p:set>
+                                      <p:cBhvr>
+                                        <p:cTn id="6" dur="1" fill="hold">
+                                          <p:stCondLst>
+                                            <p:cond delay="0"/>
+                                          </p:stCondLst>
+                                        </p:cTn>
+                                        <p:tgtEl>
+                                          <p:spTgt spid="8"/>
+                                        </p:tgtEl>
+                                        <p:attrNameLst>
+                                          <p:attrName>style.visibility</p:attrName>
+                                        </p:attrNameLst>
+                                      </p:cBhvr>
+                                      <p:to>
+                                        <p:strVal val="visible"/>
+                                      </p:to>
+                                    </p:set>
+                                  </p:childTnLst>
+                                </p:cTn>
+                              </p:par>
+                            </p:childTnLst>
+                          </p:cTn>
+                        </p:par>
+                      </p:childTnLst>
+                    </p:cTn>
+                  </p:par>
+                </p:childTnLst>
+              </p:cTn>
+              <p:prevCondLst>
+                <p:cond evt="onPrev" delay="0">
+                  <p:tgtEl>
+                    <p:sldTgt/>
+                  </p:tgtEl>
+                </p:cond>
+              </p:prevCondLst>
+              <p:nextCondLst>
+                <p:cond evt="onNext" delay="0">
+                  <p:tgtEl>
+                    <p:sldTgt/>
+                  </p:tgtEl>
+                </p:cond>
+              </p:nextCondLst>
+            </p:seq>
+          </p:childTnLst>
+        </p:cTn>
+      </p:par>
+    </p:tnLst>
+    <p:bldLst>
+      <p:bldP spid="8" grpId="0"/>
+    </p:bldLst>
+  </p:timing>
+</p:sld>
+</file>
+
+<file path=ppt/slides/slide40.xml><?xml version="1.0" encoding="utf-8"?>
+<p:sld xmlns:a="http://schemas.openxmlformats.org/drawingml/2006/main" xmlns:r="http://schemas.openxmlformats.org/officeDocument/2006/relationships" xmlns:p="http://schemas.openxmlformats.org/presentationml/2006/main">
+  <p:cSld>
+    <p:spTree>
+      <p:nvGrpSpPr>
+        <p:cNvPr id="1" name=""/>
+        <p:cNvGrpSpPr/>
+        <p:nvPr/>
+      </p:nvGrpSpPr>
+      <p:grpSpPr>
+        <a:xfrm>
+          <a:off x="0" y="0"/>
+          <a:ext cx="0" cy="0"/>
+          <a:chOff x="0" y="0"/>
+          <a:chExt cx="0" cy="0"/>
+        </a:xfrm>
+      </p:grpSpPr>
+      <p:sp>
+        <p:nvSpPr>
           <p:cNvPr id="2" name="Title 1"/>
           <p:cNvSpPr>
             <a:spLocks noGrp="1"/>
@@ -20050,7 +19925,7 @@
           <a:p>
             <a:fld id="{D753EFC8-4232-4598-94F6-94C0EBAFC469}" type="datetime1">
               <a:rPr lang="en-US" smtClean="0"/>
-              <a:t>3/21/22</a:t>
+              <a:t>10/23/22</a:t>
             </a:fld>
             <a:endParaRPr lang="en-US"/>
           </a:p>
@@ -20073,7 +19948,7 @@
           <a:p>
             <a:fld id="{37290FF7-652B-4475-AEAB-8B1A5D23AE09}" type="slidenum">
               <a:rPr lang="en-US" smtClean="0"/>
-              <a:t>41</a:t>
+              <a:t>40</a:t>
             </a:fld>
             <a:endParaRPr lang="en-US"/>
           </a:p>
@@ -20525,7 +20400,7 @@
 </p:sld>
 </file>
 
-<file path=ppt/slides/slide42.xml><?xml version="1.0" encoding="utf-8"?>
+<file path=ppt/slides/slide41.xml><?xml version="1.0" encoding="utf-8"?>
 <p:sld xmlns:a="http://schemas.openxmlformats.org/drawingml/2006/main" xmlns:r="http://schemas.openxmlformats.org/officeDocument/2006/relationships" xmlns:p="http://schemas.openxmlformats.org/presentationml/2006/main">
   <p:cSld>
     <p:spTree>
@@ -20581,7 +20456,7 @@
           <a:p>
             <a:fld id="{D753EFC8-4232-4598-94F6-94C0EBAFC469}" type="datetime1">
               <a:rPr lang="en-US" smtClean="0"/>
-              <a:t>3/21/22</a:t>
+              <a:t>10/23/22</a:t>
             </a:fld>
             <a:endParaRPr lang="en-US"/>
           </a:p>
@@ -20604,7 +20479,7 @@
           <a:p>
             <a:fld id="{37290FF7-652B-4475-AEAB-8B1A5D23AE09}" type="slidenum">
               <a:rPr lang="en-US" smtClean="0"/>
-              <a:t>42</a:t>
+              <a:t>41</a:t>
             </a:fld>
             <a:endParaRPr lang="en-US"/>
           </a:p>
@@ -20815,7 +20690,7 @@
 </p:sld>
 </file>
 
-<file path=ppt/slides/slide43.xml><?xml version="1.0" encoding="utf-8"?>
+<file path=ppt/slides/slide42.xml><?xml version="1.0" encoding="utf-8"?>
 <p:sld xmlns:a="http://schemas.openxmlformats.org/drawingml/2006/main" xmlns:r="http://schemas.openxmlformats.org/officeDocument/2006/relationships" xmlns:p="http://schemas.openxmlformats.org/presentationml/2006/main">
   <p:cSld>
     <p:spTree>
@@ -20871,7 +20746,7 @@
           <a:p>
             <a:fld id="{D753EFC8-4232-4598-94F6-94C0EBAFC469}" type="datetime1">
               <a:rPr lang="en-US" smtClean="0"/>
-              <a:t>3/21/22</a:t>
+              <a:t>10/23/22</a:t>
             </a:fld>
             <a:endParaRPr lang="en-US"/>
           </a:p>
@@ -20894,7 +20769,7 @@
           <a:p>
             <a:fld id="{37290FF7-652B-4475-AEAB-8B1A5D23AE09}" type="slidenum">
               <a:rPr lang="en-US" smtClean="0"/>
-              <a:t>43</a:t>
+              <a:t>42</a:t>
             </a:fld>
             <a:endParaRPr lang="en-US"/>
           </a:p>
@@ -21105,7 +20980,7 @@
 </p:sld>
 </file>
 
-<file path=ppt/slides/slide44.xml><?xml version="1.0" encoding="utf-8"?>
+<file path=ppt/slides/slide43.xml><?xml version="1.0" encoding="utf-8"?>
 <p:sld xmlns:a="http://schemas.openxmlformats.org/drawingml/2006/main" xmlns:r="http://schemas.openxmlformats.org/officeDocument/2006/relationships" xmlns:p="http://schemas.openxmlformats.org/presentationml/2006/main">
   <p:cSld>
     <p:spTree>
@@ -21161,7 +21036,7 @@
           <a:p>
             <a:fld id="{D753EFC8-4232-4598-94F6-94C0EBAFC469}" type="datetime1">
               <a:rPr lang="en-US" smtClean="0"/>
-              <a:t>3/21/22</a:t>
+              <a:t>10/23/22</a:t>
             </a:fld>
             <a:endParaRPr lang="en-US"/>
           </a:p>
@@ -21184,7 +21059,7 @@
           <a:p>
             <a:fld id="{37290FF7-652B-4475-AEAB-8B1A5D23AE09}" type="slidenum">
               <a:rPr lang="en-US" smtClean="0"/>
-              <a:t>44</a:t>
+              <a:t>43</a:t>
             </a:fld>
             <a:endParaRPr lang="en-US"/>
           </a:p>
@@ -21485,6 +21360,247 @@
 </p:sld>
 </file>
 
+<file path=ppt/slides/slide44.xml><?xml version="1.0" encoding="utf-8"?>
+<p:sld xmlns:a="http://schemas.openxmlformats.org/drawingml/2006/main" xmlns:r="http://schemas.openxmlformats.org/officeDocument/2006/relationships" xmlns:p="http://schemas.openxmlformats.org/presentationml/2006/main">
+  <p:cSld>
+    <p:spTree>
+      <p:nvGrpSpPr>
+        <p:cNvPr id="1" name=""/>
+        <p:cNvGrpSpPr/>
+        <p:nvPr/>
+      </p:nvGrpSpPr>
+      <p:grpSpPr>
+        <a:xfrm>
+          <a:off x="0" y="0"/>
+          <a:ext cx="0" cy="0"/>
+          <a:chOff x="0" y="0"/>
+          <a:chExt cx="0" cy="0"/>
+        </a:xfrm>
+      </p:grpSpPr>
+      <p:sp>
+        <p:nvSpPr>
+          <p:cNvPr id="2" name="Title 1"/>
+          <p:cNvSpPr>
+            <a:spLocks noGrp="1"/>
+          </p:cNvSpPr>
+          <p:nvPr>
+            <p:ph type="title"/>
+          </p:nvPr>
+        </p:nvSpPr>
+        <p:spPr/>
+        <p:txBody>
+          <a:bodyPr/>
+          <a:lstStyle/>
+          <a:p>
+            <a:r>
+              <a:rPr lang="en-US" dirty="0"/>
+              <a:t>Summary – Time Series Decomposition</a:t>
+            </a:r>
+          </a:p>
+        </p:txBody>
+      </p:sp>
+      <p:sp>
+        <p:nvSpPr>
+          <p:cNvPr id="4" name="Date Placeholder 3"/>
+          <p:cNvSpPr>
+            <a:spLocks noGrp="1"/>
+          </p:cNvSpPr>
+          <p:nvPr>
+            <p:ph type="dt" sz="half" idx="10"/>
+          </p:nvPr>
+        </p:nvSpPr>
+        <p:spPr/>
+        <p:txBody>
+          <a:bodyPr/>
+          <a:lstStyle/>
+          <a:p>
+            <a:fld id="{D753EFC8-4232-4598-94F6-94C0EBAFC469}" type="datetime1">
+              <a:rPr lang="en-US" smtClean="0"/>
+              <a:t>10/23/22</a:t>
+            </a:fld>
+            <a:endParaRPr lang="en-US"/>
+          </a:p>
+        </p:txBody>
+      </p:sp>
+      <p:sp>
+        <p:nvSpPr>
+          <p:cNvPr id="5" name="Slide Number Placeholder 4"/>
+          <p:cNvSpPr>
+            <a:spLocks noGrp="1"/>
+          </p:cNvSpPr>
+          <p:nvPr>
+            <p:ph type="sldNum" sz="quarter" idx="12"/>
+          </p:nvPr>
+        </p:nvSpPr>
+        <p:spPr/>
+        <p:txBody>
+          <a:bodyPr/>
+          <a:lstStyle/>
+          <a:p>
+            <a:fld id="{37290FF7-652B-4475-AEAB-8B1A5D23AE09}" type="slidenum">
+              <a:rPr lang="en-US" smtClean="0"/>
+              <a:t>44</a:t>
+            </a:fld>
+            <a:endParaRPr lang="en-US"/>
+          </a:p>
+        </p:txBody>
+      </p:sp>
+      <p:sp>
+        <p:nvSpPr>
+          <p:cNvPr id="6" name="Footer Placeholder 5"/>
+          <p:cNvSpPr>
+            <a:spLocks noGrp="1"/>
+          </p:cNvSpPr>
+          <p:nvPr>
+            <p:ph type="ftr" sz="quarter" idx="3"/>
+          </p:nvPr>
+        </p:nvSpPr>
+        <p:spPr/>
+        <p:txBody>
+          <a:bodyPr/>
+          <a:lstStyle/>
+          <a:p>
+            <a:r>
+              <a:rPr lang="en-US" dirty="0"/>
+              <a:t>Kwartler CSCI 96</a:t>
+            </a:r>
+          </a:p>
+        </p:txBody>
+      </p:sp>
+      <p:sp>
+        <p:nvSpPr>
+          <p:cNvPr id="3" name="TextBox 2"/>
+          <p:cNvSpPr txBox="1"/>
+          <p:nvPr/>
+        </p:nvSpPr>
+        <p:spPr>
+          <a:xfrm>
+            <a:off x="571501" y="1657350"/>
+            <a:ext cx="7972425" cy="4524315"/>
+          </a:xfrm>
+          <a:prstGeom prst="rect">
+            <a:avLst/>
+          </a:prstGeom>
+          <a:noFill/>
+        </p:spPr>
+        <p:txBody>
+          <a:bodyPr wrap="square" rtlCol="0">
+            <a:spAutoFit/>
+          </a:bodyPr>
+          <a:lstStyle/>
+          <a:p>
+            <a:pPr marL="285750" indent="-285750">
+              <a:buFont typeface="Arial" panose="020B0604020202020204" pitchFamily="34" charset="0"/>
+              <a:buChar char="•"/>
+            </a:pPr>
+            <a:r>
+              <a:rPr lang="en-US" dirty="0"/>
+              <a:t>Separates Trend, Seasonal and Random components of a time series</a:t>
+            </a:r>
+          </a:p>
+          <a:p>
+            <a:pPr marL="285750" indent="-285750">
+              <a:buFont typeface="Arial" panose="020B0604020202020204" pitchFamily="34" charset="0"/>
+              <a:buChar char="•"/>
+            </a:pPr>
+            <a:endParaRPr lang="en-US" dirty="0"/>
+          </a:p>
+          <a:p>
+            <a:pPr marL="285750" indent="-285750">
+              <a:buFont typeface="Arial" panose="020B0604020202020204" pitchFamily="34" charset="0"/>
+              <a:buChar char="•"/>
+            </a:pPr>
+            <a:r>
+              <a:rPr lang="en-US" dirty="0"/>
+              <a:t>Components are combined by </a:t>
+            </a:r>
+          </a:p>
+          <a:p>
+            <a:pPr marL="742950" lvl="1" indent="-285750">
+              <a:buFont typeface="Arial" panose="020B0604020202020204" pitchFamily="34" charset="0"/>
+              <a:buChar char="•"/>
+            </a:pPr>
+            <a:r>
+              <a:rPr lang="en-US" dirty="0"/>
+              <a:t>Additive – adding components is appropriate if the seasonal pattern is consistent</a:t>
+            </a:r>
+          </a:p>
+          <a:p>
+            <a:pPr marL="742950" lvl="1" indent="-285750">
+              <a:buFont typeface="Arial" panose="020B0604020202020204" pitchFamily="34" charset="0"/>
+              <a:buChar char="•"/>
+            </a:pPr>
+            <a:r>
+              <a:rPr lang="en-US" dirty="0"/>
+              <a:t>Multiplicative – multiplying components is appropriate if the seasonal pattern changes over time but it proportional to the time series.</a:t>
+            </a:r>
+          </a:p>
+          <a:p>
+            <a:pPr marL="285750" indent="-285750">
+              <a:buFont typeface="Arial" panose="020B0604020202020204" pitchFamily="34" charset="0"/>
+              <a:buChar char="•"/>
+            </a:pPr>
+            <a:endParaRPr lang="en-US" dirty="0"/>
+          </a:p>
+          <a:p>
+            <a:pPr marL="285750" indent="-285750">
+              <a:buFont typeface="Arial" panose="020B0604020202020204" pitchFamily="34" charset="0"/>
+              <a:buChar char="•"/>
+            </a:pPr>
+            <a:r>
+              <a:rPr lang="en-US" dirty="0"/>
+              <a:t>TSD can help you understand the data and can be done as part of EDA</a:t>
+            </a:r>
+          </a:p>
+          <a:p>
+            <a:pPr marL="285750" indent="-285750">
+              <a:buFont typeface="Arial" panose="020B0604020202020204" pitchFamily="34" charset="0"/>
+              <a:buChar char="•"/>
+            </a:pPr>
+            <a:endParaRPr lang="en-US" dirty="0"/>
+          </a:p>
+          <a:p>
+            <a:pPr marL="285750" indent="-285750">
+              <a:buFont typeface="Arial" panose="020B0604020202020204" pitchFamily="34" charset="0"/>
+              <a:buChar char="•"/>
+            </a:pPr>
+            <a:r>
+              <a:rPr lang="en-US" dirty="0"/>
+              <a:t>Each component can be forecasted separately to (sometimes) improve accuracy then each forecast can be combined to arrive at a final forecast</a:t>
+            </a:r>
+          </a:p>
+          <a:p>
+            <a:pPr marL="285750" indent="-285750">
+              <a:buFont typeface="Arial" panose="020B0604020202020204" pitchFamily="34" charset="0"/>
+              <a:buChar char="•"/>
+            </a:pPr>
+            <a:endParaRPr lang="en-US" dirty="0"/>
+          </a:p>
+          <a:p>
+            <a:pPr marL="285750" indent="-285750">
+              <a:buFont typeface="Arial" panose="020B0604020202020204" pitchFamily="34" charset="0"/>
+              <a:buChar char="•"/>
+            </a:pPr>
+            <a:r>
+              <a:rPr lang="en-US" dirty="0"/>
+              <a:t>De-seasoning data is possible by subtracting (additive TSD) or dividing (multiplicative TSD) it out of the time series – see the impact of an event from expected seasonal or trend changes; quantifies impact</a:t>
+            </a:r>
+          </a:p>
+        </p:txBody>
+      </p:sp>
+    </p:spTree>
+    <p:extLst>
+      <p:ext uri="{BB962C8B-B14F-4D97-AF65-F5344CB8AC3E}">
+        <p14:creationId xmlns:p14="http://schemas.microsoft.com/office/powerpoint/2010/main" val="1171195438"/>
+      </p:ext>
+    </p:extLst>
+  </p:cSld>
+  <p:clrMapOvr>
+    <a:masterClrMapping/>
+  </p:clrMapOvr>
+</p:sld>
+</file>
+
 <file path=ppt/slides/slide45.xml><?xml version="1.0" encoding="utf-8"?>
 <p:sld xmlns:a="http://schemas.openxmlformats.org/drawingml/2006/main" xmlns:r="http://schemas.openxmlformats.org/officeDocument/2006/relationships" xmlns:p="http://schemas.openxmlformats.org/presentationml/2006/main">
   <p:cSld>
@@ -21519,8 +21635,32 @@
           <a:p>
             <a:r>
               <a:rPr lang="en-US" dirty="0"/>
-              <a:t>Summary – Time Series Decomposition</a:t>
-            </a:r>
+              <a:t>Open </a:t>
+            </a:r>
+            <a:r>
+              <a:rPr lang="en-US" dirty="0" err="1"/>
+              <a:t>D_TimeSeriesDecompositionAMZN.R</a:t>
+            </a:r>
+            <a:endParaRPr lang="en-US" dirty="0"/>
+          </a:p>
+        </p:txBody>
+      </p:sp>
+      <p:sp>
+        <p:nvSpPr>
+          <p:cNvPr id="3" name="Content Placeholder 2"/>
+          <p:cNvSpPr>
+            <a:spLocks noGrp="1"/>
+          </p:cNvSpPr>
+          <p:nvPr>
+            <p:ph idx="1"/>
+          </p:nvPr>
+        </p:nvSpPr>
+        <p:spPr/>
+        <p:txBody>
+          <a:bodyPr/>
+          <a:lstStyle/>
+          <a:p>
+            <a:endParaRPr lang="en-US"/>
           </a:p>
         </p:txBody>
       </p:sp>
@@ -21541,7 +21681,7 @@
           <a:p>
             <a:fld id="{D753EFC8-4232-4598-94F6-94C0EBAFC469}" type="datetime1">
               <a:rPr lang="en-US" smtClean="0"/>
-              <a:t>3/21/22</a:t>
+              <a:t>10/23/22</a:t>
             </a:fld>
             <a:endParaRPr lang="en-US"/>
           </a:p>
@@ -21565,271 +21705,6 @@
             <a:fld id="{37290FF7-652B-4475-AEAB-8B1A5D23AE09}" type="slidenum">
               <a:rPr lang="en-US" smtClean="0"/>
               <a:t>45</a:t>
-            </a:fld>
-            <a:endParaRPr lang="en-US"/>
-          </a:p>
-        </p:txBody>
-      </p:sp>
-      <p:sp>
-        <p:nvSpPr>
-          <p:cNvPr id="6" name="Footer Placeholder 5"/>
-          <p:cNvSpPr>
-            <a:spLocks noGrp="1"/>
-          </p:cNvSpPr>
-          <p:nvPr>
-            <p:ph type="ftr" sz="quarter" idx="3"/>
-          </p:nvPr>
-        </p:nvSpPr>
-        <p:spPr/>
-        <p:txBody>
-          <a:bodyPr/>
-          <a:lstStyle/>
-          <a:p>
-            <a:r>
-              <a:rPr lang="en-US" dirty="0"/>
-              <a:t>Kwartler CSCI 96</a:t>
-            </a:r>
-          </a:p>
-        </p:txBody>
-      </p:sp>
-      <p:sp>
-        <p:nvSpPr>
-          <p:cNvPr id="3" name="TextBox 2"/>
-          <p:cNvSpPr txBox="1"/>
-          <p:nvPr/>
-        </p:nvSpPr>
-        <p:spPr>
-          <a:xfrm>
-            <a:off x="571501" y="1657350"/>
-            <a:ext cx="7972425" cy="4524315"/>
-          </a:xfrm>
-          <a:prstGeom prst="rect">
-            <a:avLst/>
-          </a:prstGeom>
-          <a:noFill/>
-        </p:spPr>
-        <p:txBody>
-          <a:bodyPr wrap="square" rtlCol="0">
-            <a:spAutoFit/>
-          </a:bodyPr>
-          <a:lstStyle/>
-          <a:p>
-            <a:pPr marL="285750" indent="-285750">
-              <a:buFont typeface="Arial" panose="020B0604020202020204" pitchFamily="34" charset="0"/>
-              <a:buChar char="•"/>
-            </a:pPr>
-            <a:r>
-              <a:rPr lang="en-US" dirty="0"/>
-              <a:t>Separates Trend, Seasonal and Random components of a time series</a:t>
-            </a:r>
-          </a:p>
-          <a:p>
-            <a:pPr marL="285750" indent="-285750">
-              <a:buFont typeface="Arial" panose="020B0604020202020204" pitchFamily="34" charset="0"/>
-              <a:buChar char="•"/>
-            </a:pPr>
-            <a:endParaRPr lang="en-US" dirty="0"/>
-          </a:p>
-          <a:p>
-            <a:pPr marL="285750" indent="-285750">
-              <a:buFont typeface="Arial" panose="020B0604020202020204" pitchFamily="34" charset="0"/>
-              <a:buChar char="•"/>
-            </a:pPr>
-            <a:r>
-              <a:rPr lang="en-US" dirty="0"/>
-              <a:t>Components are combined by </a:t>
-            </a:r>
-          </a:p>
-          <a:p>
-            <a:pPr marL="742950" lvl="1" indent="-285750">
-              <a:buFont typeface="Arial" panose="020B0604020202020204" pitchFamily="34" charset="0"/>
-              <a:buChar char="•"/>
-            </a:pPr>
-            <a:r>
-              <a:rPr lang="en-US" dirty="0"/>
-              <a:t>Additive – adding components is appropriate if the seasonal pattern is consistent</a:t>
-            </a:r>
-          </a:p>
-          <a:p>
-            <a:pPr marL="742950" lvl="1" indent="-285750">
-              <a:buFont typeface="Arial" panose="020B0604020202020204" pitchFamily="34" charset="0"/>
-              <a:buChar char="•"/>
-            </a:pPr>
-            <a:r>
-              <a:rPr lang="en-US" dirty="0"/>
-              <a:t>Multiplicative – multiplying components is appropriate if the seasonal pattern changes over time but it proportional to the time series.</a:t>
-            </a:r>
-          </a:p>
-          <a:p>
-            <a:pPr marL="285750" indent="-285750">
-              <a:buFont typeface="Arial" panose="020B0604020202020204" pitchFamily="34" charset="0"/>
-              <a:buChar char="•"/>
-            </a:pPr>
-            <a:endParaRPr lang="en-US" dirty="0"/>
-          </a:p>
-          <a:p>
-            <a:pPr marL="285750" indent="-285750">
-              <a:buFont typeface="Arial" panose="020B0604020202020204" pitchFamily="34" charset="0"/>
-              <a:buChar char="•"/>
-            </a:pPr>
-            <a:r>
-              <a:rPr lang="en-US" dirty="0"/>
-              <a:t>TSD can help you understand the data and can be done as part of EDA</a:t>
-            </a:r>
-          </a:p>
-          <a:p>
-            <a:pPr marL="285750" indent="-285750">
-              <a:buFont typeface="Arial" panose="020B0604020202020204" pitchFamily="34" charset="0"/>
-              <a:buChar char="•"/>
-            </a:pPr>
-            <a:endParaRPr lang="en-US" dirty="0"/>
-          </a:p>
-          <a:p>
-            <a:pPr marL="285750" indent="-285750">
-              <a:buFont typeface="Arial" panose="020B0604020202020204" pitchFamily="34" charset="0"/>
-              <a:buChar char="•"/>
-            </a:pPr>
-            <a:r>
-              <a:rPr lang="en-US" dirty="0"/>
-              <a:t>Each component can be forecasted separately to (sometimes) improve accuracy then each forecast can be combined to arrive at a final forecast</a:t>
-            </a:r>
-          </a:p>
-          <a:p>
-            <a:pPr marL="285750" indent="-285750">
-              <a:buFont typeface="Arial" panose="020B0604020202020204" pitchFamily="34" charset="0"/>
-              <a:buChar char="•"/>
-            </a:pPr>
-            <a:endParaRPr lang="en-US" dirty="0"/>
-          </a:p>
-          <a:p>
-            <a:pPr marL="285750" indent="-285750">
-              <a:buFont typeface="Arial" panose="020B0604020202020204" pitchFamily="34" charset="0"/>
-              <a:buChar char="•"/>
-            </a:pPr>
-            <a:r>
-              <a:rPr lang="en-US" dirty="0"/>
-              <a:t>De-seasoning data is possible by subtracting (additive TSD) or dividing (multiplicative TSD) it out of the time series – see the impact of an event from expected seasonal or trend changes; quantifies impact</a:t>
-            </a:r>
-          </a:p>
-        </p:txBody>
-      </p:sp>
-    </p:spTree>
-    <p:extLst>
-      <p:ext uri="{BB962C8B-B14F-4D97-AF65-F5344CB8AC3E}">
-        <p14:creationId xmlns:p14="http://schemas.microsoft.com/office/powerpoint/2010/main" val="1171195438"/>
-      </p:ext>
-    </p:extLst>
-  </p:cSld>
-  <p:clrMapOvr>
-    <a:masterClrMapping/>
-  </p:clrMapOvr>
-</p:sld>
-</file>
-
-<file path=ppt/slides/slide46.xml><?xml version="1.0" encoding="utf-8"?>
-<p:sld xmlns:a="http://schemas.openxmlformats.org/drawingml/2006/main" xmlns:r="http://schemas.openxmlformats.org/officeDocument/2006/relationships" xmlns:p="http://schemas.openxmlformats.org/presentationml/2006/main">
-  <p:cSld>
-    <p:spTree>
-      <p:nvGrpSpPr>
-        <p:cNvPr id="1" name=""/>
-        <p:cNvGrpSpPr/>
-        <p:nvPr/>
-      </p:nvGrpSpPr>
-      <p:grpSpPr>
-        <a:xfrm>
-          <a:off x="0" y="0"/>
-          <a:ext cx="0" cy="0"/>
-          <a:chOff x="0" y="0"/>
-          <a:chExt cx="0" cy="0"/>
-        </a:xfrm>
-      </p:grpSpPr>
-      <p:sp>
-        <p:nvSpPr>
-          <p:cNvPr id="2" name="Title 1"/>
-          <p:cNvSpPr>
-            <a:spLocks noGrp="1"/>
-          </p:cNvSpPr>
-          <p:nvPr>
-            <p:ph type="title"/>
-          </p:nvPr>
-        </p:nvSpPr>
-        <p:spPr/>
-        <p:txBody>
-          <a:bodyPr/>
-          <a:lstStyle/>
-          <a:p>
-            <a:r>
-              <a:rPr lang="en-US" dirty="0"/>
-              <a:t>Open </a:t>
-            </a:r>
-            <a:r>
-              <a:rPr lang="en-US" dirty="0" err="1"/>
-              <a:t>E_TimeSeriesDecompositionAMZN.R</a:t>
-            </a:r>
-            <a:endParaRPr lang="en-US" dirty="0"/>
-          </a:p>
-        </p:txBody>
-      </p:sp>
-      <p:sp>
-        <p:nvSpPr>
-          <p:cNvPr id="3" name="Content Placeholder 2"/>
-          <p:cNvSpPr>
-            <a:spLocks noGrp="1"/>
-          </p:cNvSpPr>
-          <p:nvPr>
-            <p:ph idx="1"/>
-          </p:nvPr>
-        </p:nvSpPr>
-        <p:spPr/>
-        <p:txBody>
-          <a:bodyPr/>
-          <a:lstStyle/>
-          <a:p>
-            <a:endParaRPr lang="en-US"/>
-          </a:p>
-        </p:txBody>
-      </p:sp>
-      <p:sp>
-        <p:nvSpPr>
-          <p:cNvPr id="4" name="Date Placeholder 3"/>
-          <p:cNvSpPr>
-            <a:spLocks noGrp="1"/>
-          </p:cNvSpPr>
-          <p:nvPr>
-            <p:ph type="dt" sz="half" idx="10"/>
-          </p:nvPr>
-        </p:nvSpPr>
-        <p:spPr/>
-        <p:txBody>
-          <a:bodyPr/>
-          <a:lstStyle/>
-          <a:p>
-            <a:fld id="{D753EFC8-4232-4598-94F6-94C0EBAFC469}" type="datetime1">
-              <a:rPr lang="en-US" smtClean="0"/>
-              <a:t>3/21/22</a:t>
-            </a:fld>
-            <a:endParaRPr lang="en-US"/>
-          </a:p>
-        </p:txBody>
-      </p:sp>
-      <p:sp>
-        <p:nvSpPr>
-          <p:cNvPr id="5" name="Slide Number Placeholder 4"/>
-          <p:cNvSpPr>
-            <a:spLocks noGrp="1"/>
-          </p:cNvSpPr>
-          <p:nvPr>
-            <p:ph type="sldNum" sz="quarter" idx="12"/>
-          </p:nvPr>
-        </p:nvSpPr>
-        <p:spPr/>
-        <p:txBody>
-          <a:bodyPr/>
-          <a:lstStyle/>
-          <a:p>
-            <a:fld id="{37290FF7-652B-4475-AEAB-8B1A5D23AE09}" type="slidenum">
-              <a:rPr lang="en-US" smtClean="0"/>
-              <a:t>46</a:t>
             </a:fld>
             <a:endParaRPr lang="en-US"/>
           </a:p>
@@ -21870,7 +21745,7 @@
 </p:sld>
 </file>
 
-<file path=ppt/slides/slide47.xml><?xml version="1.0" encoding="utf-8"?>
+<file path=ppt/slides/slide46.xml><?xml version="1.0" encoding="utf-8"?>
 <p:sld xmlns:a="http://schemas.openxmlformats.org/drawingml/2006/main" xmlns:r="http://schemas.openxmlformats.org/officeDocument/2006/relationships" xmlns:p="http://schemas.openxmlformats.org/presentationml/2006/main">
   <p:cSld>
     <p:spTree>
@@ -22340,7 +22215,7 @@
           <a:p>
             <a:fld id="{9B19E99B-5349-415A-8E56-8E989211A366}" type="datetime1">
               <a:rPr lang="en-US" smtClean="0"/>
-              <a:t>3/21/22</a:t>
+              <a:t>10/23/22</a:t>
             </a:fld>
             <a:endParaRPr lang="en-US"/>
           </a:p>
@@ -22385,7 +22260,7 @@
           <a:p>
             <a:fld id="{37290FF7-652B-4475-AEAB-8B1A5D23AE09}" type="slidenum">
               <a:rPr lang="en-US" smtClean="0"/>
-              <a:t>47</a:t>
+              <a:t>46</a:t>
             </a:fld>
             <a:endParaRPr lang="en-US"/>
           </a:p>
@@ -22404,7 +22279,7 @@
 </p:sld>
 </file>
 
-<file path=ppt/slides/slide48.xml><?xml version="1.0" encoding="utf-8"?>
+<file path=ppt/slides/slide47.xml><?xml version="1.0" encoding="utf-8"?>
 <p:sld xmlns:a="http://schemas.openxmlformats.org/drawingml/2006/main" xmlns:r="http://schemas.openxmlformats.org/officeDocument/2006/relationships" xmlns:p="http://schemas.openxmlformats.org/presentationml/2006/main">
   <p:cSld>
     <p:spTree>
@@ -22460,7 +22335,7 @@
           <a:p>
             <a:fld id="{D753EFC8-4232-4598-94F6-94C0EBAFC469}" type="datetime1">
               <a:rPr lang="en-US" smtClean="0"/>
-              <a:t>3/21/22</a:t>
+              <a:t>10/23/22</a:t>
             </a:fld>
             <a:endParaRPr lang="en-US"/>
           </a:p>
@@ -22483,7 +22358,7 @@
           <a:p>
             <a:fld id="{37290FF7-652B-4475-AEAB-8B1A5D23AE09}" type="slidenum">
               <a:rPr lang="en-US" smtClean="0"/>
-              <a:t>48</a:t>
+              <a:t>47</a:t>
             </a:fld>
             <a:endParaRPr lang="en-US"/>
           </a:p>
@@ -23097,7 +22972,7 @@
 </p:sld>
 </file>
 
-<file path=ppt/slides/slide49.xml><?xml version="1.0" encoding="utf-8"?>
+<file path=ppt/slides/slide48.xml><?xml version="1.0" encoding="utf-8"?>
 <p:sld xmlns:a="http://schemas.openxmlformats.org/drawingml/2006/main" xmlns:r="http://schemas.openxmlformats.org/officeDocument/2006/relationships" xmlns:p="http://schemas.openxmlformats.org/presentationml/2006/main">
   <p:cSld>
     <p:spTree>
@@ -23177,7 +23052,7 @@
           <a:p>
             <a:fld id="{D753EFC8-4232-4598-94F6-94C0EBAFC469}" type="datetime1">
               <a:rPr lang="en-US" smtClean="0"/>
-              <a:t>3/21/22</a:t>
+              <a:t>10/23/22</a:t>
             </a:fld>
             <a:endParaRPr lang="en-US"/>
           </a:p>
@@ -23200,7 +23075,7 @@
           <a:p>
             <a:fld id="{37290FF7-652B-4475-AEAB-8B1A5D23AE09}" type="slidenum">
               <a:rPr lang="en-US" smtClean="0"/>
-              <a:t>49</a:t>
+              <a:t>48</a:t>
             </a:fld>
             <a:endParaRPr lang="en-US"/>
           </a:p>
@@ -24073,7 +23948,7 @@
 </p:sld>
 </file>
 
-<file path=ppt/slides/slide5.xml><?xml version="1.0" encoding="utf-8"?>
+<file path=ppt/slides/slide49.xml><?xml version="1.0" encoding="utf-8"?>
 <p:sld xmlns:a="http://schemas.openxmlformats.org/drawingml/2006/main" xmlns:r="http://schemas.openxmlformats.org/officeDocument/2006/relationships" xmlns:p="http://schemas.openxmlformats.org/presentationml/2006/main">
   <p:cSld>
     <p:spTree>
@@ -24092,17 +23967,33 @@
       </p:grpSpPr>
       <p:sp>
         <p:nvSpPr>
-          <p:cNvPr id="2" name="Date Placeholder 1">
-            <a:extLst>
-              <a:ext uri="{FF2B5EF4-FFF2-40B4-BE49-F238E27FC236}">
-                <a16:creationId xmlns:a16="http://schemas.microsoft.com/office/drawing/2014/main" id="{3FE42EE3-9848-4091-AB32-9CD1544500AA}"/>
-              </a:ext>
-            </a:extLst>
-          </p:cNvPr>
+          <p:cNvPr id="2" name="Title 1"/>
           <p:cNvSpPr>
             <a:spLocks noGrp="1"/>
           </p:cNvSpPr>
           <p:nvPr>
+            <p:ph type="title"/>
+          </p:nvPr>
+        </p:nvSpPr>
+        <p:spPr/>
+        <p:txBody>
+          <a:bodyPr/>
+          <a:lstStyle/>
+          <a:p>
+            <a:r>
+              <a:rPr lang="en-US" dirty="0"/>
+              <a:t>But first averages…</a:t>
+            </a:r>
+          </a:p>
+        </p:txBody>
+      </p:sp>
+      <p:sp>
+        <p:nvSpPr>
+          <p:cNvPr id="4" name="Date Placeholder 3"/>
+          <p:cNvSpPr>
+            <a:spLocks noGrp="1"/>
+          </p:cNvSpPr>
+          <p:nvPr>
             <p:ph type="dt" sz="half" idx="10"/>
           </p:nvPr>
         </p:nvSpPr>
@@ -24111,9 +24002,9 @@
           <a:bodyPr/>
           <a:lstStyle/>
           <a:p>
-            <a:fld id="{6700A58B-DD98-43D0-B791-721480A02982}" type="datetime1">
+            <a:fld id="{D753EFC8-4232-4598-94F6-94C0EBAFC469}" type="datetime1">
               <a:rPr lang="en-US" smtClean="0"/>
-              <a:t>3/21/22</a:t>
+              <a:t>10/23/22</a:t>
             </a:fld>
             <a:endParaRPr lang="en-US"/>
           </a:p>
@@ -24121,46 +24012,7 @@
       </p:sp>
       <p:sp>
         <p:nvSpPr>
-          <p:cNvPr id="3" name="Title 2">
-            <a:extLst>
-              <a:ext uri="{FF2B5EF4-FFF2-40B4-BE49-F238E27FC236}">
-                <a16:creationId xmlns:a16="http://schemas.microsoft.com/office/drawing/2014/main" id="{75CF0D48-1409-4FA8-BC35-CEE75BFEF286}"/>
-              </a:ext>
-            </a:extLst>
-          </p:cNvPr>
-          <p:cNvSpPr>
-            <a:spLocks noGrp="1"/>
-          </p:cNvSpPr>
-          <p:nvPr>
-            <p:ph type="title"/>
-          </p:nvPr>
-        </p:nvSpPr>
-        <p:spPr>
-          <a:xfrm>
-            <a:off x="280657" y="365126"/>
-            <a:ext cx="8618899" cy="591477"/>
-          </a:xfrm>
-        </p:spPr>
-        <p:txBody>
-          <a:bodyPr/>
-          <a:lstStyle/>
-          <a:p>
-            <a:r>
-              <a:rPr lang="en-US" sz="2600" dirty="0"/>
-              <a:t>Difference between ML Data Setup &amp; Time Series Data</a:t>
-            </a:r>
-          </a:p>
-        </p:txBody>
-      </p:sp>
-      <p:sp>
-        <p:nvSpPr>
-          <p:cNvPr id="4" name="Slide Number Placeholder 3">
-            <a:extLst>
-              <a:ext uri="{FF2B5EF4-FFF2-40B4-BE49-F238E27FC236}">
-                <a16:creationId xmlns:a16="http://schemas.microsoft.com/office/drawing/2014/main" id="{2236DEF1-B7DD-43A0-BF17-9242EB83DB1B}"/>
-              </a:ext>
-            </a:extLst>
-          </p:cNvPr>
+          <p:cNvPr id="5" name="Slide Number Placeholder 4"/>
           <p:cNvSpPr>
             <a:spLocks noGrp="1"/>
           </p:cNvSpPr>
@@ -24175,471 +24027,7 @@
           <a:p>
             <a:fld id="{37290FF7-652B-4475-AEAB-8B1A5D23AE09}" type="slidenum">
               <a:rPr lang="en-US" smtClean="0"/>
-              <a:t>5</a:t>
-            </a:fld>
-            <a:endParaRPr lang="en-US"/>
-          </a:p>
-        </p:txBody>
-      </p:sp>
-      <p:sp>
-        <p:nvSpPr>
-          <p:cNvPr id="5" name="Footer Placeholder 4">
-            <a:extLst>
-              <a:ext uri="{FF2B5EF4-FFF2-40B4-BE49-F238E27FC236}">
-                <a16:creationId xmlns:a16="http://schemas.microsoft.com/office/drawing/2014/main" id="{08728560-6A4E-47D2-9335-23EFE2B9303A}"/>
-              </a:ext>
-            </a:extLst>
-          </p:cNvPr>
-          <p:cNvSpPr>
-            <a:spLocks noGrp="1"/>
-          </p:cNvSpPr>
-          <p:nvPr>
-            <p:ph type="ftr" sz="quarter" idx="3"/>
-          </p:nvPr>
-        </p:nvSpPr>
-        <p:spPr/>
-        <p:txBody>
-          <a:bodyPr/>
-          <a:lstStyle/>
-          <a:p>
-            <a:r>
-              <a:rPr lang="en-US" dirty="0"/>
-              <a:t>Kwartler CSCI 96</a:t>
-            </a:r>
-          </a:p>
-        </p:txBody>
-      </p:sp>
-      <p:sp>
-        <p:nvSpPr>
-          <p:cNvPr id="6" name="Rectangle 5">
-            <a:extLst>
-              <a:ext uri="{FF2B5EF4-FFF2-40B4-BE49-F238E27FC236}">
-                <a16:creationId xmlns:a16="http://schemas.microsoft.com/office/drawing/2014/main" id="{7AAD1D07-F801-42E5-819D-E8E714D70829}"/>
-              </a:ext>
-            </a:extLst>
-          </p:cNvPr>
-          <p:cNvSpPr/>
-          <p:nvPr/>
-        </p:nvSpPr>
-        <p:spPr>
-          <a:xfrm>
-            <a:off x="280657" y="1520982"/>
-            <a:ext cx="8549018" cy="353085"/>
-          </a:xfrm>
-          <a:prstGeom prst="rect">
-            <a:avLst/>
-          </a:prstGeom>
-        </p:spPr>
-        <p:style>
-          <a:lnRef idx="2">
-            <a:schemeClr val="accent1">
-              <a:shade val="50000"/>
-            </a:schemeClr>
-          </a:lnRef>
-          <a:fillRef idx="1">
-            <a:schemeClr val="accent1"/>
-          </a:fillRef>
-          <a:effectRef idx="0">
-            <a:schemeClr val="accent1"/>
-          </a:effectRef>
-          <a:fontRef idx="minor">
-            <a:schemeClr val="lt1"/>
-          </a:fontRef>
-        </p:style>
-        <p:txBody>
-          <a:bodyPr rtlCol="0" anchor="ctr"/>
-          <a:lstStyle/>
-          <a:p>
-            <a:pPr algn="ctr"/>
-            <a:r>
-              <a:rPr lang="en-US" dirty="0"/>
-              <a:t>Time Series Data</a:t>
-            </a:r>
-          </a:p>
-        </p:txBody>
-      </p:sp>
-      <p:sp>
-        <p:nvSpPr>
-          <p:cNvPr id="8" name="TextBox 7">
-            <a:extLst>
-              <a:ext uri="{FF2B5EF4-FFF2-40B4-BE49-F238E27FC236}">
-                <a16:creationId xmlns:a16="http://schemas.microsoft.com/office/drawing/2014/main" id="{92385DCF-E141-4D39-B06E-9C9C5AF21B3D}"/>
-              </a:ext>
-            </a:extLst>
-          </p:cNvPr>
-          <p:cNvSpPr txBox="1"/>
-          <p:nvPr/>
-        </p:nvSpPr>
-        <p:spPr>
-          <a:xfrm>
-            <a:off x="2914650" y="2522530"/>
-            <a:ext cx="5829300" cy="1477328"/>
-          </a:xfrm>
-          <a:prstGeom prst="rect">
-            <a:avLst/>
-          </a:prstGeom>
-          <a:noFill/>
-        </p:spPr>
-        <p:txBody>
-          <a:bodyPr wrap="square" rtlCol="0">
-            <a:spAutoFit/>
-          </a:bodyPr>
-          <a:lstStyle/>
-          <a:p>
-            <a:pPr marL="285750" indent="-285750">
-              <a:buFont typeface="Arial" panose="020B0604020202020204" pitchFamily="34" charset="0"/>
-              <a:buChar char="•"/>
-            </a:pPr>
-            <a:r>
-              <a:rPr lang="en-US" dirty="0"/>
-              <a:t>Data is typically (not always) in a single vector with each value being in sequence to the next.</a:t>
-            </a:r>
-          </a:p>
-          <a:p>
-            <a:pPr marL="285750" indent="-285750">
-              <a:buFont typeface="Arial" panose="020B0604020202020204" pitchFamily="34" charset="0"/>
-              <a:buChar char="•"/>
-            </a:pPr>
-            <a:r>
-              <a:rPr lang="en-US" dirty="0"/>
-              <a:t>Attributes may not be present because temporal information is held “within” the vector due to the relatedness of each record.</a:t>
-            </a:r>
-          </a:p>
-        </p:txBody>
-      </p:sp>
-      <p:cxnSp>
-        <p:nvCxnSpPr>
-          <p:cNvPr id="12" name="Straight Arrow Connector 11"/>
-          <p:cNvCxnSpPr/>
-          <p:nvPr/>
-        </p:nvCxnSpPr>
-        <p:spPr>
-          <a:xfrm>
-            <a:off x="342912" y="2610111"/>
-            <a:ext cx="0" cy="1457325"/>
-          </a:xfrm>
-          <a:prstGeom prst="straightConnector1">
-            <a:avLst/>
-          </a:prstGeom>
-          <a:ln>
-            <a:solidFill>
-              <a:schemeClr val="accent6"/>
-            </a:solidFill>
-            <a:tailEnd type="triangle"/>
-          </a:ln>
-        </p:spPr>
-        <p:style>
-          <a:lnRef idx="1">
-            <a:schemeClr val="accent1"/>
-          </a:lnRef>
-          <a:fillRef idx="0">
-            <a:schemeClr val="accent1"/>
-          </a:fillRef>
-          <a:effectRef idx="0">
-            <a:schemeClr val="accent1"/>
-          </a:effectRef>
-          <a:fontRef idx="minor">
-            <a:schemeClr val="tx1"/>
-          </a:fontRef>
-        </p:style>
-      </p:cxnSp>
-      <p:sp>
-        <p:nvSpPr>
-          <p:cNvPr id="13" name="TextBox 12"/>
-          <p:cNvSpPr txBox="1"/>
-          <p:nvPr/>
-        </p:nvSpPr>
-        <p:spPr>
-          <a:xfrm rot="16200000">
-            <a:off x="-791819" y="3180179"/>
-            <a:ext cx="1860638" cy="276999"/>
-          </a:xfrm>
-          <a:prstGeom prst="rect">
-            <a:avLst/>
-          </a:prstGeom>
-          <a:noFill/>
-        </p:spPr>
-        <p:txBody>
-          <a:bodyPr wrap="none" rtlCol="0">
-            <a:spAutoFit/>
-          </a:bodyPr>
-          <a:lstStyle/>
-          <a:p>
-            <a:r>
-              <a:rPr lang="en-US" sz="1200" dirty="0">
-                <a:solidFill>
-                  <a:schemeClr val="accent6"/>
-                </a:solidFill>
-              </a:rPr>
-              <a:t>Time Related Observations</a:t>
-            </a:r>
-          </a:p>
-        </p:txBody>
-      </p:sp>
-      <p:pic>
-        <p:nvPicPr>
-          <p:cNvPr id="7" name="Picture 6"/>
-          <p:cNvPicPr>
-            <a:picLocks noChangeAspect="1"/>
-          </p:cNvPicPr>
-          <p:nvPr/>
-        </p:nvPicPr>
-        <p:blipFill>
-          <a:blip r:embed="rId2"/>
-          <a:stretch>
-            <a:fillRect/>
-          </a:stretch>
-        </p:blipFill>
-        <p:spPr>
-          <a:xfrm>
-            <a:off x="509587" y="2085975"/>
-            <a:ext cx="1381125" cy="3086100"/>
-          </a:xfrm>
-          <a:prstGeom prst="rect">
-            <a:avLst/>
-          </a:prstGeom>
-        </p:spPr>
-      </p:pic>
-      <p:cxnSp>
-        <p:nvCxnSpPr>
-          <p:cNvPr id="14" name="Straight Arrow Connector 13"/>
-          <p:cNvCxnSpPr/>
-          <p:nvPr/>
-        </p:nvCxnSpPr>
-        <p:spPr>
-          <a:xfrm>
-            <a:off x="1995491" y="2147888"/>
-            <a:ext cx="0" cy="1457325"/>
-          </a:xfrm>
-          <a:prstGeom prst="straightConnector1">
-            <a:avLst/>
-          </a:prstGeom>
-          <a:ln>
-            <a:solidFill>
-              <a:schemeClr val="accent6"/>
-            </a:solidFill>
-            <a:tailEnd type="triangle"/>
-          </a:ln>
-        </p:spPr>
-        <p:style>
-          <a:lnRef idx="1">
-            <a:schemeClr val="accent1"/>
-          </a:lnRef>
-          <a:fillRef idx="0">
-            <a:schemeClr val="accent1"/>
-          </a:fillRef>
-          <a:effectRef idx="0">
-            <a:schemeClr val="accent1"/>
-          </a:effectRef>
-          <a:fontRef idx="minor">
-            <a:schemeClr val="tx1"/>
-          </a:fontRef>
-        </p:style>
-      </p:cxnSp>
-      <p:sp>
-        <p:nvSpPr>
-          <p:cNvPr id="15" name="TextBox 14"/>
-          <p:cNvSpPr txBox="1"/>
-          <p:nvPr/>
-        </p:nvSpPr>
-        <p:spPr>
-          <a:xfrm rot="16200000">
-            <a:off x="1761002" y="2738051"/>
-            <a:ext cx="745973" cy="276999"/>
-          </a:xfrm>
-          <a:prstGeom prst="rect">
-            <a:avLst/>
-          </a:prstGeom>
-          <a:noFill/>
-        </p:spPr>
-        <p:txBody>
-          <a:bodyPr wrap="none" rtlCol="0">
-            <a:spAutoFit/>
-          </a:bodyPr>
-          <a:lstStyle/>
-          <a:p>
-            <a:r>
-              <a:rPr lang="en-US" sz="1200" dirty="0">
-                <a:solidFill>
-                  <a:schemeClr val="accent6"/>
-                </a:solidFill>
-              </a:rPr>
-              <a:t>Attribute</a:t>
-            </a:r>
-          </a:p>
-        </p:txBody>
-      </p:sp>
-    </p:spTree>
-    <p:extLst>
-      <p:ext uri="{BB962C8B-B14F-4D97-AF65-F5344CB8AC3E}">
-        <p14:creationId xmlns:p14="http://schemas.microsoft.com/office/powerpoint/2010/main" val="204493050"/>
-      </p:ext>
-    </p:extLst>
-  </p:cSld>
-  <p:clrMapOvr>
-    <a:masterClrMapping/>
-  </p:clrMapOvr>
-  <p:timing>
-    <p:tnLst>
-      <p:par>
-        <p:cTn id="1" dur="indefinite" restart="never" nodeType="tmRoot">
-          <p:childTnLst>
-            <p:seq concurrent="1" nextAc="seek">
-              <p:cTn id="2" dur="indefinite" nodeType="mainSeq">
-                <p:childTnLst>
-                  <p:par>
-                    <p:cTn id="3" fill="hold">
-                      <p:stCondLst>
-                        <p:cond delay="indefinite"/>
-                      </p:stCondLst>
-                      <p:childTnLst>
-                        <p:par>
-                          <p:cTn id="4" fill="hold">
-                            <p:stCondLst>
-                              <p:cond delay="0"/>
-                            </p:stCondLst>
-                            <p:childTnLst>
-                              <p:par>
-                                <p:cTn id="5" presetID="1" presetClass="entr" presetSubtype="0" fill="hold" grpId="0" nodeType="clickEffect">
-                                  <p:stCondLst>
-                                    <p:cond delay="0"/>
-                                  </p:stCondLst>
-                                  <p:childTnLst>
-                                    <p:set>
-                                      <p:cBhvr>
-                                        <p:cTn id="6" dur="1" fill="hold">
-                                          <p:stCondLst>
-                                            <p:cond delay="0"/>
-                                          </p:stCondLst>
-                                        </p:cTn>
-                                        <p:tgtEl>
-                                          <p:spTgt spid="8"/>
-                                        </p:tgtEl>
-                                        <p:attrNameLst>
-                                          <p:attrName>style.visibility</p:attrName>
-                                        </p:attrNameLst>
-                                      </p:cBhvr>
-                                      <p:to>
-                                        <p:strVal val="visible"/>
-                                      </p:to>
-                                    </p:set>
-                                  </p:childTnLst>
-                                </p:cTn>
-                              </p:par>
-                            </p:childTnLst>
-                          </p:cTn>
-                        </p:par>
-                      </p:childTnLst>
-                    </p:cTn>
-                  </p:par>
-                </p:childTnLst>
-              </p:cTn>
-              <p:prevCondLst>
-                <p:cond evt="onPrev" delay="0">
-                  <p:tgtEl>
-                    <p:sldTgt/>
-                  </p:tgtEl>
-                </p:cond>
-              </p:prevCondLst>
-              <p:nextCondLst>
-                <p:cond evt="onNext" delay="0">
-                  <p:tgtEl>
-                    <p:sldTgt/>
-                  </p:tgtEl>
-                </p:cond>
-              </p:nextCondLst>
-            </p:seq>
-          </p:childTnLst>
-        </p:cTn>
-      </p:par>
-    </p:tnLst>
-    <p:bldLst>
-      <p:bldP spid="8" grpId="0"/>
-    </p:bldLst>
-  </p:timing>
-</p:sld>
-</file>
-
-<file path=ppt/slides/slide50.xml><?xml version="1.0" encoding="utf-8"?>
-<p:sld xmlns:a="http://schemas.openxmlformats.org/drawingml/2006/main" xmlns:r="http://schemas.openxmlformats.org/officeDocument/2006/relationships" xmlns:p="http://schemas.openxmlformats.org/presentationml/2006/main">
-  <p:cSld>
-    <p:spTree>
-      <p:nvGrpSpPr>
-        <p:cNvPr id="1" name=""/>
-        <p:cNvGrpSpPr/>
-        <p:nvPr/>
-      </p:nvGrpSpPr>
-      <p:grpSpPr>
-        <a:xfrm>
-          <a:off x="0" y="0"/>
-          <a:ext cx="0" cy="0"/>
-          <a:chOff x="0" y="0"/>
-          <a:chExt cx="0" cy="0"/>
-        </a:xfrm>
-      </p:grpSpPr>
-      <p:sp>
-        <p:nvSpPr>
-          <p:cNvPr id="2" name="Title 1"/>
-          <p:cNvSpPr>
-            <a:spLocks noGrp="1"/>
-          </p:cNvSpPr>
-          <p:nvPr>
-            <p:ph type="title"/>
-          </p:nvPr>
-        </p:nvSpPr>
-        <p:spPr/>
-        <p:txBody>
-          <a:bodyPr/>
-          <a:lstStyle/>
-          <a:p>
-            <a:r>
-              <a:rPr lang="en-US" dirty="0"/>
-              <a:t>But first averages…</a:t>
-            </a:r>
-          </a:p>
-        </p:txBody>
-      </p:sp>
-      <p:sp>
-        <p:nvSpPr>
-          <p:cNvPr id="4" name="Date Placeholder 3"/>
-          <p:cNvSpPr>
-            <a:spLocks noGrp="1"/>
-          </p:cNvSpPr>
-          <p:nvPr>
-            <p:ph type="dt" sz="half" idx="10"/>
-          </p:nvPr>
-        </p:nvSpPr>
-        <p:spPr/>
-        <p:txBody>
-          <a:bodyPr/>
-          <a:lstStyle/>
-          <a:p>
-            <a:fld id="{D753EFC8-4232-4598-94F6-94C0EBAFC469}" type="datetime1">
-              <a:rPr lang="en-US" smtClean="0"/>
-              <a:t>3/21/22</a:t>
-            </a:fld>
-            <a:endParaRPr lang="en-US"/>
-          </a:p>
-        </p:txBody>
-      </p:sp>
-      <p:sp>
-        <p:nvSpPr>
-          <p:cNvPr id="5" name="Slide Number Placeholder 4"/>
-          <p:cNvSpPr>
-            <a:spLocks noGrp="1"/>
-          </p:cNvSpPr>
-          <p:nvPr>
-            <p:ph type="sldNum" sz="quarter" idx="12"/>
-          </p:nvPr>
-        </p:nvSpPr>
-        <p:spPr/>
-        <p:txBody>
-          <a:bodyPr/>
-          <a:lstStyle/>
-          <a:p>
-            <a:fld id="{37290FF7-652B-4475-AEAB-8B1A5D23AE09}" type="slidenum">
-              <a:rPr lang="en-US" smtClean="0"/>
-              <a:t>50</a:t>
+              <a:t>49</a:t>
             </a:fld>
             <a:endParaRPr lang="en-US"/>
           </a:p>
@@ -25558,6 +24946,785 @@
 </p:sld>
 </file>
 
+<file path=ppt/slides/slide5.xml><?xml version="1.0" encoding="utf-8"?>
+<p:sld xmlns:a="http://schemas.openxmlformats.org/drawingml/2006/main" xmlns:r="http://schemas.openxmlformats.org/officeDocument/2006/relationships" xmlns:p="http://schemas.openxmlformats.org/presentationml/2006/main">
+  <p:cSld>
+    <p:spTree>
+      <p:nvGrpSpPr>
+        <p:cNvPr id="1" name=""/>
+        <p:cNvGrpSpPr/>
+        <p:nvPr/>
+      </p:nvGrpSpPr>
+      <p:grpSpPr>
+        <a:xfrm>
+          <a:off x="0" y="0"/>
+          <a:ext cx="0" cy="0"/>
+          <a:chOff x="0" y="0"/>
+          <a:chExt cx="0" cy="0"/>
+        </a:xfrm>
+      </p:grpSpPr>
+      <p:sp>
+        <p:nvSpPr>
+          <p:cNvPr id="2" name="Date Placeholder 1">
+            <a:extLst>
+              <a:ext uri="{FF2B5EF4-FFF2-40B4-BE49-F238E27FC236}">
+                <a16:creationId xmlns:a16="http://schemas.microsoft.com/office/drawing/2014/main" id="{3FE42EE3-9848-4091-AB32-9CD1544500AA}"/>
+              </a:ext>
+            </a:extLst>
+          </p:cNvPr>
+          <p:cNvSpPr>
+            <a:spLocks noGrp="1"/>
+          </p:cNvSpPr>
+          <p:nvPr>
+            <p:ph type="dt" sz="half" idx="10"/>
+          </p:nvPr>
+        </p:nvSpPr>
+        <p:spPr/>
+        <p:txBody>
+          <a:bodyPr/>
+          <a:lstStyle/>
+          <a:p>
+            <a:fld id="{6700A58B-DD98-43D0-B791-721480A02982}" type="datetime1">
+              <a:rPr lang="en-US" smtClean="0"/>
+              <a:t>10/23/22</a:t>
+            </a:fld>
+            <a:endParaRPr lang="en-US"/>
+          </a:p>
+        </p:txBody>
+      </p:sp>
+      <p:sp>
+        <p:nvSpPr>
+          <p:cNvPr id="3" name="Title 2">
+            <a:extLst>
+              <a:ext uri="{FF2B5EF4-FFF2-40B4-BE49-F238E27FC236}">
+                <a16:creationId xmlns:a16="http://schemas.microsoft.com/office/drawing/2014/main" id="{75CF0D48-1409-4FA8-BC35-CEE75BFEF286}"/>
+              </a:ext>
+            </a:extLst>
+          </p:cNvPr>
+          <p:cNvSpPr>
+            <a:spLocks noGrp="1"/>
+          </p:cNvSpPr>
+          <p:nvPr>
+            <p:ph type="title"/>
+          </p:nvPr>
+        </p:nvSpPr>
+        <p:spPr>
+          <a:xfrm>
+            <a:off x="280657" y="365126"/>
+            <a:ext cx="8618899" cy="591477"/>
+          </a:xfrm>
+        </p:spPr>
+        <p:txBody>
+          <a:bodyPr/>
+          <a:lstStyle/>
+          <a:p>
+            <a:r>
+              <a:rPr lang="en-US" sz="2600" dirty="0"/>
+              <a:t>Difference between ML Data Setup &amp; Time Series Data</a:t>
+            </a:r>
+          </a:p>
+        </p:txBody>
+      </p:sp>
+      <p:sp>
+        <p:nvSpPr>
+          <p:cNvPr id="4" name="Slide Number Placeholder 3">
+            <a:extLst>
+              <a:ext uri="{FF2B5EF4-FFF2-40B4-BE49-F238E27FC236}">
+                <a16:creationId xmlns:a16="http://schemas.microsoft.com/office/drawing/2014/main" id="{2236DEF1-B7DD-43A0-BF17-9242EB83DB1B}"/>
+              </a:ext>
+            </a:extLst>
+          </p:cNvPr>
+          <p:cNvSpPr>
+            <a:spLocks noGrp="1"/>
+          </p:cNvSpPr>
+          <p:nvPr>
+            <p:ph type="sldNum" sz="quarter" idx="12"/>
+          </p:nvPr>
+        </p:nvSpPr>
+        <p:spPr/>
+        <p:txBody>
+          <a:bodyPr/>
+          <a:lstStyle/>
+          <a:p>
+            <a:fld id="{37290FF7-652B-4475-AEAB-8B1A5D23AE09}" type="slidenum">
+              <a:rPr lang="en-US" smtClean="0"/>
+              <a:t>5</a:t>
+            </a:fld>
+            <a:endParaRPr lang="en-US"/>
+          </a:p>
+        </p:txBody>
+      </p:sp>
+      <p:sp>
+        <p:nvSpPr>
+          <p:cNvPr id="5" name="Footer Placeholder 4">
+            <a:extLst>
+              <a:ext uri="{FF2B5EF4-FFF2-40B4-BE49-F238E27FC236}">
+                <a16:creationId xmlns:a16="http://schemas.microsoft.com/office/drawing/2014/main" id="{08728560-6A4E-47D2-9335-23EFE2B9303A}"/>
+              </a:ext>
+            </a:extLst>
+          </p:cNvPr>
+          <p:cNvSpPr>
+            <a:spLocks noGrp="1"/>
+          </p:cNvSpPr>
+          <p:nvPr>
+            <p:ph type="ftr" sz="quarter" idx="3"/>
+          </p:nvPr>
+        </p:nvSpPr>
+        <p:spPr/>
+        <p:txBody>
+          <a:bodyPr/>
+          <a:lstStyle/>
+          <a:p>
+            <a:r>
+              <a:rPr lang="en-US" dirty="0"/>
+              <a:t>Kwartler CSCI 96</a:t>
+            </a:r>
+          </a:p>
+        </p:txBody>
+      </p:sp>
+      <p:sp>
+        <p:nvSpPr>
+          <p:cNvPr id="6" name="Rectangle 5">
+            <a:extLst>
+              <a:ext uri="{FF2B5EF4-FFF2-40B4-BE49-F238E27FC236}">
+                <a16:creationId xmlns:a16="http://schemas.microsoft.com/office/drawing/2014/main" id="{7AAD1D07-F801-42E5-819D-E8E714D70829}"/>
+              </a:ext>
+            </a:extLst>
+          </p:cNvPr>
+          <p:cNvSpPr/>
+          <p:nvPr/>
+        </p:nvSpPr>
+        <p:spPr>
+          <a:xfrm>
+            <a:off x="280657" y="1520982"/>
+            <a:ext cx="8549018" cy="353085"/>
+          </a:xfrm>
+          <a:prstGeom prst="rect">
+            <a:avLst/>
+          </a:prstGeom>
+        </p:spPr>
+        <p:style>
+          <a:lnRef idx="2">
+            <a:schemeClr val="accent1">
+              <a:shade val="50000"/>
+            </a:schemeClr>
+          </a:lnRef>
+          <a:fillRef idx="1">
+            <a:schemeClr val="accent1"/>
+          </a:fillRef>
+          <a:effectRef idx="0">
+            <a:schemeClr val="accent1"/>
+          </a:effectRef>
+          <a:fontRef idx="minor">
+            <a:schemeClr val="lt1"/>
+          </a:fontRef>
+        </p:style>
+        <p:txBody>
+          <a:bodyPr rtlCol="0" anchor="ctr"/>
+          <a:lstStyle/>
+          <a:p>
+            <a:pPr algn="ctr"/>
+            <a:r>
+              <a:rPr lang="en-US" dirty="0"/>
+              <a:t>Time Series Data</a:t>
+            </a:r>
+          </a:p>
+        </p:txBody>
+      </p:sp>
+      <p:sp>
+        <p:nvSpPr>
+          <p:cNvPr id="8" name="TextBox 7">
+            <a:extLst>
+              <a:ext uri="{FF2B5EF4-FFF2-40B4-BE49-F238E27FC236}">
+                <a16:creationId xmlns:a16="http://schemas.microsoft.com/office/drawing/2014/main" id="{92385DCF-E141-4D39-B06E-9C9C5AF21B3D}"/>
+              </a:ext>
+            </a:extLst>
+          </p:cNvPr>
+          <p:cNvSpPr txBox="1"/>
+          <p:nvPr/>
+        </p:nvSpPr>
+        <p:spPr>
+          <a:xfrm>
+            <a:off x="2914650" y="2522530"/>
+            <a:ext cx="5829300" cy="1477328"/>
+          </a:xfrm>
+          <a:prstGeom prst="rect">
+            <a:avLst/>
+          </a:prstGeom>
+          <a:noFill/>
+        </p:spPr>
+        <p:txBody>
+          <a:bodyPr wrap="square" rtlCol="0">
+            <a:spAutoFit/>
+          </a:bodyPr>
+          <a:lstStyle/>
+          <a:p>
+            <a:pPr marL="285750" indent="-285750">
+              <a:buFont typeface="Arial" panose="020B0604020202020204" pitchFamily="34" charset="0"/>
+              <a:buChar char="•"/>
+            </a:pPr>
+            <a:r>
+              <a:rPr lang="en-US" dirty="0"/>
+              <a:t>Data is typically (not always) in a single vector with each value being in sequence to the next.</a:t>
+            </a:r>
+          </a:p>
+          <a:p>
+            <a:pPr marL="285750" indent="-285750">
+              <a:buFont typeface="Arial" panose="020B0604020202020204" pitchFamily="34" charset="0"/>
+              <a:buChar char="•"/>
+            </a:pPr>
+            <a:r>
+              <a:rPr lang="en-US" dirty="0"/>
+              <a:t>Attributes may not be present because temporal information is held “within” the vector due to the relatedness of each record.</a:t>
+            </a:r>
+          </a:p>
+        </p:txBody>
+      </p:sp>
+      <p:cxnSp>
+        <p:nvCxnSpPr>
+          <p:cNvPr id="12" name="Straight Arrow Connector 11"/>
+          <p:cNvCxnSpPr/>
+          <p:nvPr/>
+        </p:nvCxnSpPr>
+        <p:spPr>
+          <a:xfrm>
+            <a:off x="342912" y="2610111"/>
+            <a:ext cx="0" cy="1457325"/>
+          </a:xfrm>
+          <a:prstGeom prst="straightConnector1">
+            <a:avLst/>
+          </a:prstGeom>
+          <a:ln>
+            <a:solidFill>
+              <a:schemeClr val="accent6"/>
+            </a:solidFill>
+            <a:tailEnd type="triangle"/>
+          </a:ln>
+        </p:spPr>
+        <p:style>
+          <a:lnRef idx="1">
+            <a:schemeClr val="accent1"/>
+          </a:lnRef>
+          <a:fillRef idx="0">
+            <a:schemeClr val="accent1"/>
+          </a:fillRef>
+          <a:effectRef idx="0">
+            <a:schemeClr val="accent1"/>
+          </a:effectRef>
+          <a:fontRef idx="minor">
+            <a:schemeClr val="tx1"/>
+          </a:fontRef>
+        </p:style>
+      </p:cxnSp>
+      <p:sp>
+        <p:nvSpPr>
+          <p:cNvPr id="13" name="TextBox 12"/>
+          <p:cNvSpPr txBox="1"/>
+          <p:nvPr/>
+        </p:nvSpPr>
+        <p:spPr>
+          <a:xfrm rot="16200000">
+            <a:off x="-791819" y="3180179"/>
+            <a:ext cx="1860638" cy="276999"/>
+          </a:xfrm>
+          <a:prstGeom prst="rect">
+            <a:avLst/>
+          </a:prstGeom>
+          <a:noFill/>
+        </p:spPr>
+        <p:txBody>
+          <a:bodyPr wrap="none" rtlCol="0">
+            <a:spAutoFit/>
+          </a:bodyPr>
+          <a:lstStyle/>
+          <a:p>
+            <a:r>
+              <a:rPr lang="en-US" sz="1200" dirty="0">
+                <a:solidFill>
+                  <a:schemeClr val="accent6"/>
+                </a:solidFill>
+              </a:rPr>
+              <a:t>Time Related Observations</a:t>
+            </a:r>
+          </a:p>
+        </p:txBody>
+      </p:sp>
+      <p:pic>
+        <p:nvPicPr>
+          <p:cNvPr id="7" name="Picture 6"/>
+          <p:cNvPicPr>
+            <a:picLocks noChangeAspect="1"/>
+          </p:cNvPicPr>
+          <p:nvPr/>
+        </p:nvPicPr>
+        <p:blipFill>
+          <a:blip r:embed="rId2"/>
+          <a:stretch>
+            <a:fillRect/>
+          </a:stretch>
+        </p:blipFill>
+        <p:spPr>
+          <a:xfrm>
+            <a:off x="509587" y="2085975"/>
+            <a:ext cx="1381125" cy="3086100"/>
+          </a:xfrm>
+          <a:prstGeom prst="rect">
+            <a:avLst/>
+          </a:prstGeom>
+        </p:spPr>
+      </p:pic>
+      <p:cxnSp>
+        <p:nvCxnSpPr>
+          <p:cNvPr id="14" name="Straight Arrow Connector 13"/>
+          <p:cNvCxnSpPr/>
+          <p:nvPr/>
+        </p:nvCxnSpPr>
+        <p:spPr>
+          <a:xfrm>
+            <a:off x="1995491" y="2147888"/>
+            <a:ext cx="0" cy="1457325"/>
+          </a:xfrm>
+          <a:prstGeom prst="straightConnector1">
+            <a:avLst/>
+          </a:prstGeom>
+          <a:ln>
+            <a:solidFill>
+              <a:schemeClr val="accent6"/>
+            </a:solidFill>
+            <a:tailEnd type="triangle"/>
+          </a:ln>
+        </p:spPr>
+        <p:style>
+          <a:lnRef idx="1">
+            <a:schemeClr val="accent1"/>
+          </a:lnRef>
+          <a:fillRef idx="0">
+            <a:schemeClr val="accent1"/>
+          </a:fillRef>
+          <a:effectRef idx="0">
+            <a:schemeClr val="accent1"/>
+          </a:effectRef>
+          <a:fontRef idx="minor">
+            <a:schemeClr val="tx1"/>
+          </a:fontRef>
+        </p:style>
+      </p:cxnSp>
+      <p:sp>
+        <p:nvSpPr>
+          <p:cNvPr id="15" name="TextBox 14"/>
+          <p:cNvSpPr txBox="1"/>
+          <p:nvPr/>
+        </p:nvSpPr>
+        <p:spPr>
+          <a:xfrm rot="16200000">
+            <a:off x="1761002" y="2738051"/>
+            <a:ext cx="745973" cy="276999"/>
+          </a:xfrm>
+          <a:prstGeom prst="rect">
+            <a:avLst/>
+          </a:prstGeom>
+          <a:noFill/>
+        </p:spPr>
+        <p:txBody>
+          <a:bodyPr wrap="none" rtlCol="0">
+            <a:spAutoFit/>
+          </a:bodyPr>
+          <a:lstStyle/>
+          <a:p>
+            <a:r>
+              <a:rPr lang="en-US" sz="1200" dirty="0">
+                <a:solidFill>
+                  <a:schemeClr val="accent6"/>
+                </a:solidFill>
+              </a:rPr>
+              <a:t>Attribute</a:t>
+            </a:r>
+          </a:p>
+        </p:txBody>
+      </p:sp>
+    </p:spTree>
+    <p:extLst>
+      <p:ext uri="{BB962C8B-B14F-4D97-AF65-F5344CB8AC3E}">
+        <p14:creationId xmlns:p14="http://schemas.microsoft.com/office/powerpoint/2010/main" val="204493050"/>
+      </p:ext>
+    </p:extLst>
+  </p:cSld>
+  <p:clrMapOvr>
+    <a:masterClrMapping/>
+  </p:clrMapOvr>
+  <p:timing>
+    <p:tnLst>
+      <p:par>
+        <p:cTn id="1" dur="indefinite" restart="never" nodeType="tmRoot">
+          <p:childTnLst>
+            <p:seq concurrent="1" nextAc="seek">
+              <p:cTn id="2" dur="indefinite" nodeType="mainSeq">
+                <p:childTnLst>
+                  <p:par>
+                    <p:cTn id="3" fill="hold">
+                      <p:stCondLst>
+                        <p:cond delay="indefinite"/>
+                      </p:stCondLst>
+                      <p:childTnLst>
+                        <p:par>
+                          <p:cTn id="4" fill="hold">
+                            <p:stCondLst>
+                              <p:cond delay="0"/>
+                            </p:stCondLst>
+                            <p:childTnLst>
+                              <p:par>
+                                <p:cTn id="5" presetID="1" presetClass="entr" presetSubtype="0" fill="hold" grpId="0" nodeType="clickEffect">
+                                  <p:stCondLst>
+                                    <p:cond delay="0"/>
+                                  </p:stCondLst>
+                                  <p:childTnLst>
+                                    <p:set>
+                                      <p:cBhvr>
+                                        <p:cTn id="6" dur="1" fill="hold">
+                                          <p:stCondLst>
+                                            <p:cond delay="0"/>
+                                          </p:stCondLst>
+                                        </p:cTn>
+                                        <p:tgtEl>
+                                          <p:spTgt spid="8"/>
+                                        </p:tgtEl>
+                                        <p:attrNameLst>
+                                          <p:attrName>style.visibility</p:attrName>
+                                        </p:attrNameLst>
+                                      </p:cBhvr>
+                                      <p:to>
+                                        <p:strVal val="visible"/>
+                                      </p:to>
+                                    </p:set>
+                                  </p:childTnLst>
+                                </p:cTn>
+                              </p:par>
+                            </p:childTnLst>
+                          </p:cTn>
+                        </p:par>
+                      </p:childTnLst>
+                    </p:cTn>
+                  </p:par>
+                </p:childTnLst>
+              </p:cTn>
+              <p:prevCondLst>
+                <p:cond evt="onPrev" delay="0">
+                  <p:tgtEl>
+                    <p:sldTgt/>
+                  </p:tgtEl>
+                </p:cond>
+              </p:prevCondLst>
+              <p:nextCondLst>
+                <p:cond evt="onNext" delay="0">
+                  <p:tgtEl>
+                    <p:sldTgt/>
+                  </p:tgtEl>
+                </p:cond>
+              </p:nextCondLst>
+            </p:seq>
+          </p:childTnLst>
+        </p:cTn>
+      </p:par>
+    </p:tnLst>
+    <p:bldLst>
+      <p:bldP spid="8" grpId="0"/>
+    </p:bldLst>
+  </p:timing>
+</p:sld>
+</file>
+
+<file path=ppt/slides/slide50.xml><?xml version="1.0" encoding="utf-8"?>
+<p:sld xmlns:a="http://schemas.openxmlformats.org/drawingml/2006/main" xmlns:r="http://schemas.openxmlformats.org/officeDocument/2006/relationships" xmlns:p="http://schemas.openxmlformats.org/presentationml/2006/main">
+  <p:cSld>
+    <p:spTree>
+      <p:nvGrpSpPr>
+        <p:cNvPr id="1" name=""/>
+        <p:cNvGrpSpPr/>
+        <p:nvPr/>
+      </p:nvGrpSpPr>
+      <p:grpSpPr>
+        <a:xfrm>
+          <a:off x="0" y="0"/>
+          <a:ext cx="0" cy="0"/>
+          <a:chOff x="0" y="0"/>
+          <a:chExt cx="0" cy="0"/>
+        </a:xfrm>
+      </p:grpSpPr>
+      <p:sp>
+        <p:nvSpPr>
+          <p:cNvPr id="2" name="Title 1"/>
+          <p:cNvSpPr>
+            <a:spLocks noGrp="1"/>
+          </p:cNvSpPr>
+          <p:nvPr>
+            <p:ph type="title"/>
+          </p:nvPr>
+        </p:nvSpPr>
+        <p:spPr/>
+        <p:txBody>
+          <a:bodyPr/>
+          <a:lstStyle/>
+          <a:p>
+            <a:r>
+              <a:rPr lang="en-US" dirty="0"/>
+              <a:t>But first averages…</a:t>
+            </a:r>
+          </a:p>
+        </p:txBody>
+      </p:sp>
+      <p:sp>
+        <p:nvSpPr>
+          <p:cNvPr id="4" name="Date Placeholder 3"/>
+          <p:cNvSpPr>
+            <a:spLocks noGrp="1"/>
+          </p:cNvSpPr>
+          <p:nvPr>
+            <p:ph type="dt" sz="half" idx="10"/>
+          </p:nvPr>
+        </p:nvSpPr>
+        <p:spPr/>
+        <p:txBody>
+          <a:bodyPr/>
+          <a:lstStyle/>
+          <a:p>
+            <a:fld id="{D753EFC8-4232-4598-94F6-94C0EBAFC469}" type="datetime1">
+              <a:rPr lang="en-US" smtClean="0"/>
+              <a:t>10/23/22</a:t>
+            </a:fld>
+            <a:endParaRPr lang="en-US"/>
+          </a:p>
+        </p:txBody>
+      </p:sp>
+      <p:sp>
+        <p:nvSpPr>
+          <p:cNvPr id="5" name="Slide Number Placeholder 4"/>
+          <p:cNvSpPr>
+            <a:spLocks noGrp="1"/>
+          </p:cNvSpPr>
+          <p:nvPr>
+            <p:ph type="sldNum" sz="quarter" idx="12"/>
+          </p:nvPr>
+        </p:nvSpPr>
+        <p:spPr/>
+        <p:txBody>
+          <a:bodyPr/>
+          <a:lstStyle/>
+          <a:p>
+            <a:fld id="{37290FF7-652B-4475-AEAB-8B1A5D23AE09}" type="slidenum">
+              <a:rPr lang="en-US" smtClean="0"/>
+              <a:t>50</a:t>
+            </a:fld>
+            <a:endParaRPr lang="en-US"/>
+          </a:p>
+        </p:txBody>
+      </p:sp>
+      <p:sp>
+        <p:nvSpPr>
+          <p:cNvPr id="6" name="Footer Placeholder 5"/>
+          <p:cNvSpPr>
+            <a:spLocks noGrp="1"/>
+          </p:cNvSpPr>
+          <p:nvPr>
+            <p:ph type="ftr" sz="quarter" idx="3"/>
+          </p:nvPr>
+        </p:nvSpPr>
+        <p:spPr/>
+        <p:txBody>
+          <a:bodyPr/>
+          <a:lstStyle/>
+          <a:p>
+            <a:r>
+              <a:rPr lang="en-US" dirty="0"/>
+              <a:t>Kwartler CSCI 96</a:t>
+            </a:r>
+          </a:p>
+        </p:txBody>
+      </p:sp>
+      <p:sp>
+        <p:nvSpPr>
+          <p:cNvPr id="8" name="TextBox 7"/>
+          <p:cNvSpPr txBox="1"/>
+          <p:nvPr/>
+        </p:nvSpPr>
+        <p:spPr>
+          <a:xfrm>
+            <a:off x="228600" y="1116794"/>
+            <a:ext cx="8658225" cy="461665"/>
+          </a:xfrm>
+          <a:prstGeom prst="rect">
+            <a:avLst/>
+          </a:prstGeom>
+          <a:solidFill>
+            <a:schemeClr val="accent6"/>
+          </a:solidFill>
+        </p:spPr>
+        <p:txBody>
+          <a:bodyPr wrap="square" rtlCol="0">
+            <a:spAutoFit/>
+          </a:bodyPr>
+          <a:lstStyle/>
+          <a:p>
+            <a:pPr algn="ctr"/>
+            <a:r>
+              <a:rPr lang="en-US" sz="2400" dirty="0">
+                <a:solidFill>
+                  <a:schemeClr val="bg1"/>
+                </a:solidFill>
+              </a:rPr>
+              <a:t>Exponential Smoothing</a:t>
+            </a:r>
+          </a:p>
+        </p:txBody>
+      </p:sp>
+      <p:sp>
+        <p:nvSpPr>
+          <p:cNvPr id="22" name="TextBox 21"/>
+          <p:cNvSpPr txBox="1"/>
+          <p:nvPr/>
+        </p:nvSpPr>
+        <p:spPr>
+          <a:xfrm>
+            <a:off x="242888" y="1752603"/>
+            <a:ext cx="8629650" cy="523220"/>
+          </a:xfrm>
+          <a:prstGeom prst="rect">
+            <a:avLst/>
+          </a:prstGeom>
+          <a:noFill/>
+        </p:spPr>
+        <p:txBody>
+          <a:bodyPr wrap="square" rtlCol="0">
+            <a:spAutoFit/>
+          </a:bodyPr>
+          <a:lstStyle/>
+          <a:p>
+            <a:pPr algn="ctr"/>
+            <a:r>
+              <a:rPr lang="en-US" sz="2800" u="sng" dirty="0"/>
+              <a:t>Older records in the window have the </a:t>
+            </a:r>
+            <a:r>
+              <a:rPr lang="en-US" sz="2800" b="1" u="sng" dirty="0"/>
+              <a:t>diminishing</a:t>
+            </a:r>
+            <a:r>
+              <a:rPr lang="en-US" sz="2800" u="sng" dirty="0"/>
+              <a:t>  weight</a:t>
+            </a:r>
+          </a:p>
+        </p:txBody>
+      </p:sp>
+      <p:sp>
+        <p:nvSpPr>
+          <p:cNvPr id="41" name="TextBox 40"/>
+          <p:cNvSpPr txBox="1"/>
+          <p:nvPr/>
+        </p:nvSpPr>
+        <p:spPr>
+          <a:xfrm>
+            <a:off x="352425" y="5912627"/>
+            <a:ext cx="8658225" cy="369332"/>
+          </a:xfrm>
+          <a:prstGeom prst="rect">
+            <a:avLst/>
+          </a:prstGeom>
+          <a:solidFill>
+            <a:schemeClr val="accent1"/>
+          </a:solidFill>
+        </p:spPr>
+        <p:txBody>
+          <a:bodyPr wrap="square" rtlCol="0">
+            <a:spAutoFit/>
+          </a:bodyPr>
+          <a:lstStyle/>
+          <a:p>
+            <a:pPr algn="ctr"/>
+            <a:r>
+              <a:rPr lang="en-US" dirty="0">
+                <a:solidFill>
+                  <a:schemeClr val="bg1"/>
+                </a:solidFill>
+              </a:rPr>
+              <a:t>Values are weighted so their impact diminishes in the average the farther back.</a:t>
+            </a:r>
+          </a:p>
+        </p:txBody>
+      </p:sp>
+      <p:sp>
+        <p:nvSpPr>
+          <p:cNvPr id="9" name="Rectangle 8"/>
+          <p:cNvSpPr/>
+          <p:nvPr/>
+        </p:nvSpPr>
+        <p:spPr>
+          <a:xfrm>
+            <a:off x="1984267" y="2944296"/>
+            <a:ext cx="5473808" cy="1846659"/>
+          </a:xfrm>
+          <a:prstGeom prst="rect">
+            <a:avLst/>
+          </a:prstGeom>
+        </p:spPr>
+        <p:txBody>
+          <a:bodyPr wrap="square">
+            <a:spAutoFit/>
+          </a:bodyPr>
+          <a:lstStyle/>
+          <a:p>
+            <a:r>
+              <a:rPr lang="el-GR" sz="2400" b="1" dirty="0"/>
+              <a:t>α</a:t>
+            </a:r>
+            <a:r>
+              <a:rPr lang="en-US" sz="2400" b="1" dirty="0"/>
+              <a:t> is a parameter between 0 and 1.  </a:t>
+            </a:r>
+          </a:p>
+          <a:p>
+            <a:pPr marL="742950" lvl="1" indent="-285750">
+              <a:buFont typeface="Arial" panose="020B0604020202020204" pitchFamily="34" charset="0"/>
+              <a:buChar char="•"/>
+            </a:pPr>
+            <a:r>
+              <a:rPr lang="en-US" dirty="0"/>
+              <a:t>0 = more weight is given to observations from the more distant past</a:t>
+            </a:r>
+          </a:p>
+          <a:p>
+            <a:pPr marL="742950" lvl="1" indent="-285750">
+              <a:buFont typeface="Arial" panose="020B0604020202020204" pitchFamily="34" charset="0"/>
+              <a:buChar char="•"/>
+            </a:pPr>
+            <a:r>
+              <a:rPr lang="en-US" dirty="0"/>
+              <a:t>Approaching 1= more weight given to recent</a:t>
+            </a:r>
+          </a:p>
+          <a:p>
+            <a:pPr marL="742950" lvl="1" indent="-285750">
+              <a:buFont typeface="Arial" panose="020B0604020202020204" pitchFamily="34" charset="0"/>
+              <a:buChar char="•"/>
+            </a:pPr>
+            <a:r>
+              <a:rPr lang="en-US" dirty="0"/>
+              <a:t>1 = all weight given to the most recent (same as a true Naïve forecast)</a:t>
+            </a:r>
+          </a:p>
+        </p:txBody>
+      </p:sp>
+    </p:spTree>
+    <p:extLst>
+      <p:ext uri="{BB962C8B-B14F-4D97-AF65-F5344CB8AC3E}">
+        <p14:creationId xmlns:p14="http://schemas.microsoft.com/office/powerpoint/2010/main" val="1839628651"/>
+      </p:ext>
+    </p:extLst>
+  </p:cSld>
+  <p:clrMapOvr>
+    <a:masterClrMapping/>
+  </p:clrMapOvr>
+</p:sld>
+</file>
+
 <file path=ppt/slides/slide51.xml><?xml version="1.0" encoding="utf-8"?>
 <p:sld xmlns:a="http://schemas.openxmlformats.org/drawingml/2006/main" xmlns:r="http://schemas.openxmlformats.org/officeDocument/2006/relationships" xmlns:p="http://schemas.openxmlformats.org/presentationml/2006/main">
   <p:cSld>
@@ -25592,8 +25759,13 @@
           <a:p>
             <a:r>
               <a:rPr lang="en-US" dirty="0"/>
-              <a:t>But first averages…</a:t>
-            </a:r>
+              <a:t>Open </a:t>
+            </a:r>
+            <a:r>
+              <a:rPr lang="en-US" dirty="0" err="1"/>
+              <a:t>E_HoltWintersWMT.R</a:t>
+            </a:r>
+            <a:endParaRPr lang="en-US" dirty="0"/>
           </a:p>
         </p:txBody>
       </p:sp>
@@ -25614,7 +25786,7 @@
           <a:p>
             <a:fld id="{D753EFC8-4232-4598-94F6-94C0EBAFC469}" type="datetime1">
               <a:rPr lang="en-US" smtClean="0"/>
-              <a:t>3/21/22</a:t>
+              <a:t>10/23/22</a:t>
             </a:fld>
             <a:endParaRPr lang="en-US"/>
           </a:p>
@@ -25638,303 +25810,6 @@
             <a:fld id="{37290FF7-652B-4475-AEAB-8B1A5D23AE09}" type="slidenum">
               <a:rPr lang="en-US" smtClean="0"/>
               <a:t>51</a:t>
-            </a:fld>
-            <a:endParaRPr lang="en-US"/>
-          </a:p>
-        </p:txBody>
-      </p:sp>
-      <p:sp>
-        <p:nvSpPr>
-          <p:cNvPr id="6" name="Footer Placeholder 5"/>
-          <p:cNvSpPr>
-            <a:spLocks noGrp="1"/>
-          </p:cNvSpPr>
-          <p:nvPr>
-            <p:ph type="ftr" sz="quarter" idx="3"/>
-          </p:nvPr>
-        </p:nvSpPr>
-        <p:spPr/>
-        <p:txBody>
-          <a:bodyPr/>
-          <a:lstStyle/>
-          <a:p>
-            <a:r>
-              <a:rPr lang="en-US" dirty="0"/>
-              <a:t>Kwartler CSCI 96</a:t>
-            </a:r>
-          </a:p>
-        </p:txBody>
-      </p:sp>
-      <p:sp>
-        <p:nvSpPr>
-          <p:cNvPr id="8" name="TextBox 7"/>
-          <p:cNvSpPr txBox="1"/>
-          <p:nvPr/>
-        </p:nvSpPr>
-        <p:spPr>
-          <a:xfrm>
-            <a:off x="228600" y="1116794"/>
-            <a:ext cx="8658225" cy="461665"/>
-          </a:xfrm>
-          <a:prstGeom prst="rect">
-            <a:avLst/>
-          </a:prstGeom>
-          <a:solidFill>
-            <a:schemeClr val="accent6"/>
-          </a:solidFill>
-        </p:spPr>
-        <p:txBody>
-          <a:bodyPr wrap="square" rtlCol="0">
-            <a:spAutoFit/>
-          </a:bodyPr>
-          <a:lstStyle/>
-          <a:p>
-            <a:pPr algn="ctr"/>
-            <a:r>
-              <a:rPr lang="en-US" sz="2400" dirty="0">
-                <a:solidFill>
-                  <a:schemeClr val="bg1"/>
-                </a:solidFill>
-              </a:rPr>
-              <a:t>Exponential Smoothing</a:t>
-            </a:r>
-          </a:p>
-        </p:txBody>
-      </p:sp>
-      <p:sp>
-        <p:nvSpPr>
-          <p:cNvPr id="22" name="TextBox 21"/>
-          <p:cNvSpPr txBox="1"/>
-          <p:nvPr/>
-        </p:nvSpPr>
-        <p:spPr>
-          <a:xfrm>
-            <a:off x="242888" y="1752603"/>
-            <a:ext cx="8629650" cy="523220"/>
-          </a:xfrm>
-          <a:prstGeom prst="rect">
-            <a:avLst/>
-          </a:prstGeom>
-          <a:noFill/>
-        </p:spPr>
-        <p:txBody>
-          <a:bodyPr wrap="square" rtlCol="0">
-            <a:spAutoFit/>
-          </a:bodyPr>
-          <a:lstStyle/>
-          <a:p>
-            <a:pPr algn="ctr"/>
-            <a:r>
-              <a:rPr lang="en-US" sz="2800" u="sng" dirty="0"/>
-              <a:t>Older records in the window have the </a:t>
-            </a:r>
-            <a:r>
-              <a:rPr lang="en-US" sz="2800" b="1" u="sng" dirty="0"/>
-              <a:t>diminishing</a:t>
-            </a:r>
-            <a:r>
-              <a:rPr lang="en-US" sz="2800" u="sng" dirty="0"/>
-              <a:t>  weight</a:t>
-            </a:r>
-          </a:p>
-        </p:txBody>
-      </p:sp>
-      <p:sp>
-        <p:nvSpPr>
-          <p:cNvPr id="41" name="TextBox 40"/>
-          <p:cNvSpPr txBox="1"/>
-          <p:nvPr/>
-        </p:nvSpPr>
-        <p:spPr>
-          <a:xfrm>
-            <a:off x="352425" y="5912627"/>
-            <a:ext cx="8658225" cy="369332"/>
-          </a:xfrm>
-          <a:prstGeom prst="rect">
-            <a:avLst/>
-          </a:prstGeom>
-          <a:solidFill>
-            <a:schemeClr val="accent1"/>
-          </a:solidFill>
-        </p:spPr>
-        <p:txBody>
-          <a:bodyPr wrap="square" rtlCol="0">
-            <a:spAutoFit/>
-          </a:bodyPr>
-          <a:lstStyle/>
-          <a:p>
-            <a:pPr algn="ctr"/>
-            <a:r>
-              <a:rPr lang="en-US" dirty="0">
-                <a:solidFill>
-                  <a:schemeClr val="bg1"/>
-                </a:solidFill>
-              </a:rPr>
-              <a:t>Values are weighted so their impact diminishes in the average the farther back.</a:t>
-            </a:r>
-          </a:p>
-        </p:txBody>
-      </p:sp>
-      <p:sp>
-        <p:nvSpPr>
-          <p:cNvPr id="9" name="Rectangle 8"/>
-          <p:cNvSpPr/>
-          <p:nvPr/>
-        </p:nvSpPr>
-        <p:spPr>
-          <a:xfrm>
-            <a:off x="1984267" y="2944296"/>
-            <a:ext cx="5473808" cy="1846659"/>
-          </a:xfrm>
-          <a:prstGeom prst="rect">
-            <a:avLst/>
-          </a:prstGeom>
-        </p:spPr>
-        <p:txBody>
-          <a:bodyPr wrap="square">
-            <a:spAutoFit/>
-          </a:bodyPr>
-          <a:lstStyle/>
-          <a:p>
-            <a:r>
-              <a:rPr lang="el-GR" sz="2400" b="1" dirty="0"/>
-              <a:t>α</a:t>
-            </a:r>
-            <a:r>
-              <a:rPr lang="en-US" sz="2400" b="1" dirty="0"/>
-              <a:t> is a parameter between 0 and 1.  </a:t>
-            </a:r>
-          </a:p>
-          <a:p>
-            <a:pPr marL="742950" lvl="1" indent="-285750">
-              <a:buFont typeface="Arial" panose="020B0604020202020204" pitchFamily="34" charset="0"/>
-              <a:buChar char="•"/>
-            </a:pPr>
-            <a:r>
-              <a:rPr lang="en-US" dirty="0"/>
-              <a:t>0 = more weight is given to observations from the more distant past</a:t>
-            </a:r>
-          </a:p>
-          <a:p>
-            <a:pPr marL="742950" lvl="1" indent="-285750">
-              <a:buFont typeface="Arial" panose="020B0604020202020204" pitchFamily="34" charset="0"/>
-              <a:buChar char="•"/>
-            </a:pPr>
-            <a:r>
-              <a:rPr lang="en-US" dirty="0"/>
-              <a:t>Approaching 1= more weight given to recent</a:t>
-            </a:r>
-          </a:p>
-          <a:p>
-            <a:pPr marL="742950" lvl="1" indent="-285750">
-              <a:buFont typeface="Arial" panose="020B0604020202020204" pitchFamily="34" charset="0"/>
-              <a:buChar char="•"/>
-            </a:pPr>
-            <a:r>
-              <a:rPr lang="en-US" dirty="0"/>
-              <a:t>1 = all weight given to the most recent (same as a true Naïve forecast)</a:t>
-            </a:r>
-          </a:p>
-        </p:txBody>
-      </p:sp>
-    </p:spTree>
-    <p:extLst>
-      <p:ext uri="{BB962C8B-B14F-4D97-AF65-F5344CB8AC3E}">
-        <p14:creationId xmlns:p14="http://schemas.microsoft.com/office/powerpoint/2010/main" val="1839628651"/>
-      </p:ext>
-    </p:extLst>
-  </p:cSld>
-  <p:clrMapOvr>
-    <a:masterClrMapping/>
-  </p:clrMapOvr>
-</p:sld>
-</file>
-
-<file path=ppt/slides/slide52.xml><?xml version="1.0" encoding="utf-8"?>
-<p:sld xmlns:a="http://schemas.openxmlformats.org/drawingml/2006/main" xmlns:r="http://schemas.openxmlformats.org/officeDocument/2006/relationships" xmlns:p="http://schemas.openxmlformats.org/presentationml/2006/main">
-  <p:cSld>
-    <p:spTree>
-      <p:nvGrpSpPr>
-        <p:cNvPr id="1" name=""/>
-        <p:cNvGrpSpPr/>
-        <p:nvPr/>
-      </p:nvGrpSpPr>
-      <p:grpSpPr>
-        <a:xfrm>
-          <a:off x="0" y="0"/>
-          <a:ext cx="0" cy="0"/>
-          <a:chOff x="0" y="0"/>
-          <a:chExt cx="0" cy="0"/>
-        </a:xfrm>
-      </p:grpSpPr>
-      <p:sp>
-        <p:nvSpPr>
-          <p:cNvPr id="2" name="Title 1"/>
-          <p:cNvSpPr>
-            <a:spLocks noGrp="1"/>
-          </p:cNvSpPr>
-          <p:nvPr>
-            <p:ph type="title"/>
-          </p:nvPr>
-        </p:nvSpPr>
-        <p:spPr/>
-        <p:txBody>
-          <a:bodyPr/>
-          <a:lstStyle/>
-          <a:p>
-            <a:r>
-              <a:rPr lang="en-US" dirty="0"/>
-              <a:t>Open </a:t>
-            </a:r>
-            <a:r>
-              <a:rPr lang="en-US" dirty="0" err="1"/>
-              <a:t>F_HoltWintersWMT.R</a:t>
-            </a:r>
-            <a:endParaRPr lang="en-US" dirty="0"/>
-          </a:p>
-        </p:txBody>
-      </p:sp>
-      <p:sp>
-        <p:nvSpPr>
-          <p:cNvPr id="4" name="Date Placeholder 3"/>
-          <p:cNvSpPr>
-            <a:spLocks noGrp="1"/>
-          </p:cNvSpPr>
-          <p:nvPr>
-            <p:ph type="dt" sz="half" idx="10"/>
-          </p:nvPr>
-        </p:nvSpPr>
-        <p:spPr/>
-        <p:txBody>
-          <a:bodyPr/>
-          <a:lstStyle/>
-          <a:p>
-            <a:fld id="{D753EFC8-4232-4598-94F6-94C0EBAFC469}" type="datetime1">
-              <a:rPr lang="en-US" smtClean="0"/>
-              <a:t>3/21/22</a:t>
-            </a:fld>
-            <a:endParaRPr lang="en-US"/>
-          </a:p>
-        </p:txBody>
-      </p:sp>
-      <p:sp>
-        <p:nvSpPr>
-          <p:cNvPr id="5" name="Slide Number Placeholder 4"/>
-          <p:cNvSpPr>
-            <a:spLocks noGrp="1"/>
-          </p:cNvSpPr>
-          <p:nvPr>
-            <p:ph type="sldNum" sz="quarter" idx="12"/>
-          </p:nvPr>
-        </p:nvSpPr>
-        <p:spPr/>
-        <p:txBody>
-          <a:bodyPr/>
-          <a:lstStyle/>
-          <a:p>
-            <a:fld id="{37290FF7-652B-4475-AEAB-8B1A5D23AE09}" type="slidenum">
-              <a:rPr lang="en-US" smtClean="0"/>
-              <a:t>52</a:t>
             </a:fld>
             <a:endParaRPr lang="en-US"/>
           </a:p>
@@ -26084,7 +25959,7 @@
           </p:cNvGraphicFramePr>
           <p:nvPr>
             <p:custDataLst>
-              <p:tags r:id="rId2"/>
+              <p:tags r:id="rId1"/>
             </p:custDataLst>
           </p:nvPr>
         </p:nvGraphicFramePr>
@@ -26096,12 +25971,12 @@
           <a:graphicData uri="http://schemas.openxmlformats.org/presentationml/2006/ole">
             <mc:AlternateContent xmlns:mc="http://schemas.openxmlformats.org/markup-compatibility/2006">
               <mc:Choice xmlns:v="urn:schemas-microsoft-com:vml" Requires="v">
-                <p:oleObj spid="_x0000_s13376" name="think-cell Slide" r:id="rId5" imgW="270" imgH="270" progId="TCLayout.ActiveDocument.1">
+                <p:oleObj name="think-cell Slide" r:id="rId4" imgW="270" imgH="270" progId="TCLayout.ActiveDocument.1">
                   <p:embed/>
                 </p:oleObj>
               </mc:Choice>
               <mc:Fallback>
-                <p:oleObj name="think-cell Slide" r:id="rId5" imgW="270" imgH="270" progId="TCLayout.ActiveDocument.1">
+                <p:oleObj name="think-cell Slide" r:id="rId4" imgW="270" imgH="270" progId="TCLayout.ActiveDocument.1">
                   <p:embed/>
                   <p:pic>
                     <p:nvPicPr>
@@ -26110,7 +25985,7 @@
                       <p:nvPr/>
                     </p:nvPicPr>
                     <p:blipFill>
-                      <a:blip r:embed="rId6"/>
+                      <a:blip r:embed="rId5"/>
                       <a:stretch>
                         <a:fillRect/>
                       </a:stretch>
@@ -26463,7 +26338,7 @@
           <p:nvPr/>
         </p:nvPicPr>
         <p:blipFill>
-          <a:blip r:embed="rId7" cstate="print">
+          <a:blip r:embed="rId6" cstate="print">
             <a:extLst>
               <a:ext uri="{28A0092B-C50C-407E-A947-70E740481C1C}">
                 <a14:useLocalDpi xmlns:a14="http://schemas.microsoft.com/office/drawing/2010/main" val="0"/>
@@ -26533,7 +26408,7 @@
           <p:nvPr/>
         </p:nvPicPr>
         <p:blipFill rotWithShape="1">
-          <a:blip r:embed="rId8">
+          <a:blip r:embed="rId7">
             <a:extLst>
               <a:ext uri="{28A0092B-C50C-407E-A947-70E740481C1C}">
                 <a14:useLocalDpi xmlns:a14="http://schemas.microsoft.com/office/drawing/2010/main" val="0"/>
@@ -26595,7 +26470,7 @@
           <p:nvPr/>
         </p:nvPicPr>
         <p:blipFill>
-          <a:blip r:embed="rId9">
+          <a:blip r:embed="rId8">
             <a:extLst>
               <a:ext uri="{28A0092B-C50C-407E-A947-70E740481C1C}">
                 <a14:useLocalDpi xmlns:a14="http://schemas.microsoft.com/office/drawing/2010/main" val="0"/>
@@ -26659,7 +26534,7 @@
           <p:nvPr/>
         </p:nvPicPr>
         <p:blipFill>
-          <a:blip r:embed="rId10" cstate="print">
+          <a:blip r:embed="rId9" cstate="print">
             <a:extLst>
               <a:ext uri="{28A0092B-C50C-407E-A947-70E740481C1C}">
                 <a14:useLocalDpi xmlns:a14="http://schemas.microsoft.com/office/drawing/2010/main" val="0"/>
@@ -26723,7 +26598,7 @@
           <p:nvPr/>
         </p:nvPicPr>
         <p:blipFill>
-          <a:blip r:embed="rId11" cstate="print">
+          <a:blip r:embed="rId10" cstate="print">
             <a:extLst>
               <a:ext uri="{28A0092B-C50C-407E-A947-70E740481C1C}">
                 <a14:useLocalDpi xmlns:a14="http://schemas.microsoft.com/office/drawing/2010/main" val="0"/>
@@ -26848,7 +26723,7 @@
           <a:p>
             <a:fld id="{D753EFC8-4232-4598-94F6-94C0EBAFC469}" type="datetime1">
               <a:rPr lang="en-US" smtClean="0"/>
-              <a:t>3/21/22</a:t>
+              <a:t>10/23/22</a:t>
             </a:fld>
             <a:endParaRPr lang="en-US"/>
           </a:p>
@@ -27093,7 +26968,7 @@
           <a:p>
             <a:fld id="{6700A58B-DD98-43D0-B791-721480A02982}" type="datetime1">
               <a:rPr lang="en-US" smtClean="0"/>
-              <a:t>3/21/22</a:t>
+              <a:t>10/23/22</a:t>
             </a:fld>
             <a:endParaRPr lang="en-US"/>
           </a:p>
@@ -27612,7 +27487,7 @@
           <a:p>
             <a:fld id="{6700A58B-DD98-43D0-B791-721480A02982}" type="datetime1">
               <a:rPr lang="en-US" smtClean="0"/>
-              <a:t>3/21/22</a:t>
+              <a:t>10/23/22</a:t>
             </a:fld>
             <a:endParaRPr lang="en-US"/>
           </a:p>
@@ -28792,7 +28667,7 @@
           <a:p>
             <a:fld id="{6700A58B-DD98-43D0-B791-721480A02982}" type="datetime1">
               <a:rPr lang="en-US" smtClean="0"/>
-              <a:t>3/21/22</a:t>
+              <a:t>10/23/22</a:t>
             </a:fld>
             <a:endParaRPr lang="en-US"/>
           </a:p>
